--- a/歡欣.pptx
+++ b/歡欣.pptx
@@ -291,7 +291,7 @@
             <a:fld id="{FC1CDCF1-4E21-40C1-A671-415100C2C105}" type="datetimeFigureOut">
               <a:rPr lang="en-US" smtClean="0"/>
               <a:pPr/>
-              <a:t>11/20/2017</a:t>
+              <a:t>1/20/2019</a:t>
             </a:fld>
             <a:endParaRPr lang="en-US"/>
           </a:p>
@@ -458,7 +458,7 @@
             <a:fld id="{FC1CDCF1-4E21-40C1-A671-415100C2C105}" type="datetimeFigureOut">
               <a:rPr lang="en-US" smtClean="0"/>
               <a:pPr/>
-              <a:t>11/20/2017</a:t>
+              <a:t>1/20/2019</a:t>
             </a:fld>
             <a:endParaRPr lang="en-US"/>
           </a:p>
@@ -635,7 +635,7 @@
             <a:fld id="{FC1CDCF1-4E21-40C1-A671-415100C2C105}" type="datetimeFigureOut">
               <a:rPr lang="en-US" smtClean="0"/>
               <a:pPr/>
-              <a:t>11/20/2017</a:t>
+              <a:t>1/20/2019</a:t>
             </a:fld>
             <a:endParaRPr lang="en-US"/>
           </a:p>
@@ -802,7 +802,7 @@
             <a:fld id="{FC1CDCF1-4E21-40C1-A671-415100C2C105}" type="datetimeFigureOut">
               <a:rPr lang="en-US" smtClean="0"/>
               <a:pPr/>
-              <a:t>11/20/2017</a:t>
+              <a:t>1/20/2019</a:t>
             </a:fld>
             <a:endParaRPr lang="en-US"/>
           </a:p>
@@ -1045,7 +1045,7 @@
             <a:fld id="{FC1CDCF1-4E21-40C1-A671-415100C2C105}" type="datetimeFigureOut">
               <a:rPr lang="en-US" smtClean="0"/>
               <a:pPr/>
-              <a:t>11/20/2017</a:t>
+              <a:t>1/20/2019</a:t>
             </a:fld>
             <a:endParaRPr lang="en-US"/>
           </a:p>
@@ -1330,7 +1330,7 @@
             <a:fld id="{FC1CDCF1-4E21-40C1-A671-415100C2C105}" type="datetimeFigureOut">
               <a:rPr lang="en-US" smtClean="0"/>
               <a:pPr/>
-              <a:t>11/20/2017</a:t>
+              <a:t>1/20/2019</a:t>
             </a:fld>
             <a:endParaRPr lang="en-US"/>
           </a:p>
@@ -1749,7 +1749,7 @@
             <a:fld id="{FC1CDCF1-4E21-40C1-A671-415100C2C105}" type="datetimeFigureOut">
               <a:rPr lang="en-US" smtClean="0"/>
               <a:pPr/>
-              <a:t>11/20/2017</a:t>
+              <a:t>1/20/2019</a:t>
             </a:fld>
             <a:endParaRPr lang="en-US"/>
           </a:p>
@@ -1864,7 +1864,7 @@
             <a:fld id="{FC1CDCF1-4E21-40C1-A671-415100C2C105}" type="datetimeFigureOut">
               <a:rPr lang="en-US" smtClean="0"/>
               <a:pPr/>
-              <a:t>11/20/2017</a:t>
+              <a:t>1/20/2019</a:t>
             </a:fld>
             <a:endParaRPr lang="en-US"/>
           </a:p>
@@ -1956,7 +1956,7 @@
             <a:fld id="{FC1CDCF1-4E21-40C1-A671-415100C2C105}" type="datetimeFigureOut">
               <a:rPr lang="en-US" smtClean="0"/>
               <a:pPr/>
-              <a:t>11/20/2017</a:t>
+              <a:t>1/20/2019</a:t>
             </a:fld>
             <a:endParaRPr lang="en-US"/>
           </a:p>
@@ -2230,7 +2230,7 @@
             <a:fld id="{FC1CDCF1-4E21-40C1-A671-415100C2C105}" type="datetimeFigureOut">
               <a:rPr lang="en-US" smtClean="0"/>
               <a:pPr/>
-              <a:t>11/20/2017</a:t>
+              <a:t>1/20/2019</a:t>
             </a:fld>
             <a:endParaRPr lang="en-US"/>
           </a:p>
@@ -2484,7 +2484,7 @@
             <a:fld id="{FC1CDCF1-4E21-40C1-A671-415100C2C105}" type="datetimeFigureOut">
               <a:rPr lang="en-US" smtClean="0"/>
               <a:pPr/>
-              <a:t>11/20/2017</a:t>
+              <a:t>1/20/2019</a:t>
             </a:fld>
             <a:endParaRPr lang="en-US"/>
           </a:p>
@@ -2699,7 +2699,7 @@
             <a:fld id="{FC1CDCF1-4E21-40C1-A671-415100C2C105}" type="datetimeFigureOut">
               <a:rPr lang="en-US" smtClean="0"/>
               <a:pPr/>
-              <a:t>11/20/2017</a:t>
+              <a:t>1/20/2019</a:t>
             </a:fld>
             <a:endParaRPr lang="en-US"/>
           </a:p>
@@ -3115,7 +3115,12 @@
             <p:ph idx="1"/>
           </p:nvPr>
         </p:nvSpPr>
-        <p:spPr/>
+        <p:spPr>
+          <a:xfrm>
+            <a:off x="457200" y="1600200"/>
+            <a:ext cx="8229600" cy="4800600"/>
+          </a:xfrm>
+        </p:spPr>
         <p:txBody>
           <a:bodyPr>
             <a:normAutofit/>
@@ -3271,7 +3276,29 @@
               </a:rPr>
               <a:t>愛子</a:t>
             </a:r>
-            <a:endParaRPr lang="zh-TW" altLang="en-US" sz="5400" b="1" dirty="0">
+            <a:endParaRPr lang="en-US" altLang="zh-TW" sz="5400" b="1" dirty="0" smtClean="0">
+              <a:solidFill>
+                <a:srgbClr val="000066"/>
+              </a:solidFill>
+              <a:latin typeface="微軟正黑體" pitchFamily="34" charset="-120"/>
+              <a:ea typeface="微軟正黑體" pitchFamily="34" charset="-120"/>
+            </a:endParaRPr>
+          </a:p>
+          <a:p>
+            <a:pPr algn="ctr">
+              <a:buNone/>
+            </a:pPr>
+            <a:r>
+              <a:rPr lang="en-US" altLang="zh-TW" sz="4800" b="1" dirty="0" smtClean="0">
+                <a:solidFill>
+                  <a:srgbClr val="000066"/>
+                </a:solidFill>
+                <a:latin typeface="微軟正黑體" pitchFamily="34" charset="-120"/>
+                <a:ea typeface="微軟正黑體" pitchFamily="34" charset="-120"/>
+              </a:rPr>
+              <a:t>(x2)</a:t>
+            </a:r>
+            <a:endParaRPr lang="zh-TW" altLang="en-US" sz="4800" b="1" dirty="0">
               <a:solidFill>
                 <a:srgbClr val="000066"/>
               </a:solidFill>

--- a/歡欣.pptx
+++ b/歡欣.pptx
@@ -8,8 +8,11 @@
     <p:sldId id="256" r:id="rId2"/>
     <p:sldId id="257" r:id="rId3"/>
     <p:sldId id="258" r:id="rId4"/>
+    <p:sldId id="259" r:id="rId5"/>
+    <p:sldId id="260" r:id="rId6"/>
+    <p:sldId id="261" r:id="rId7"/>
   </p:sldIdLst>
-  <p:sldSz cx="9144000" cy="6858000" type="screen4x3"/>
+  <p:sldSz cx="12192000" cy="6858000"/>
   <p:notesSz cx="6858000" cy="9144000"/>
   <p:defaultTextStyle>
     <a:defPPr>
@@ -106,6 +109,22 @@
       </a:defRPr>
     </a:lvl9pPr>
   </p:defaultTextStyle>
+  <p:extLst>
+    <p:ext uri="{EFAFB233-063F-42B5-8137-9DF3F51BA10A}">
+      <p15:sldGuideLst xmlns:p15="http://schemas.microsoft.com/office/powerpoint/2012/main">
+        <p15:guide id="1" orient="horz" pos="2160" userDrawn="1">
+          <p15:clr>
+            <a:srgbClr val="A4A3A4"/>
+          </p15:clr>
+        </p15:guide>
+        <p15:guide id="2" pos="3840" userDrawn="1">
+          <p15:clr>
+            <a:srgbClr val="A4A3A4"/>
+          </p15:clr>
+        </p15:guide>
+      </p15:sldGuideLst>
+    </p:ext>
+  </p:extLst>
 </p:presentation>
 </file>
 
@@ -138,8 +157,8 @@
         </p:nvSpPr>
         <p:spPr>
           <a:xfrm>
-            <a:off x="685800" y="2130425"/>
-            <a:ext cx="7772400" cy="1470025"/>
+            <a:off x="914400" y="2130426"/>
+            <a:ext cx="10363200" cy="1470025"/>
           </a:xfrm>
         </p:spPr>
         <p:txBody>
@@ -166,8 +185,8 @@
         </p:nvSpPr>
         <p:spPr>
           <a:xfrm>
-            <a:off x="1371600" y="3886200"/>
-            <a:ext cx="6400800" cy="1752600"/>
+            <a:off x="1828800" y="3886200"/>
+            <a:ext cx="8534400" cy="1752600"/>
           </a:xfrm>
         </p:spPr>
         <p:txBody>
@@ -291,7 +310,7 @@
             <a:fld id="{FC1CDCF1-4E21-40C1-A671-415100C2C105}" type="datetimeFigureOut">
               <a:rPr lang="en-US" smtClean="0"/>
               <a:pPr/>
-              <a:t>1/20/2019</a:t>
+              <a:t>11/20/2020</a:t>
             </a:fld>
             <a:endParaRPr lang="en-US"/>
           </a:p>
@@ -458,7 +477,7 @@
             <a:fld id="{FC1CDCF1-4E21-40C1-A671-415100C2C105}" type="datetimeFigureOut">
               <a:rPr lang="en-US" smtClean="0"/>
               <a:pPr/>
-              <a:t>1/20/2019</a:t>
+              <a:t>11/20/2020</a:t>
             </a:fld>
             <a:endParaRPr lang="en-US"/>
           </a:p>
@@ -544,8 +563,8 @@
         </p:nvSpPr>
         <p:spPr>
           <a:xfrm>
-            <a:off x="6629400" y="274638"/>
-            <a:ext cx="2057400" cy="5851525"/>
+            <a:off x="8839200" y="274639"/>
+            <a:ext cx="2743200" cy="5851525"/>
           </a:xfrm>
         </p:spPr>
         <p:txBody>
@@ -572,8 +591,8 @@
         </p:nvSpPr>
         <p:spPr>
           <a:xfrm>
-            <a:off x="457200" y="274638"/>
-            <a:ext cx="6019800" cy="5851525"/>
+            <a:off x="609600" y="274639"/>
+            <a:ext cx="8026400" cy="5851525"/>
           </a:xfrm>
         </p:spPr>
         <p:txBody>
@@ -635,7 +654,7 @@
             <a:fld id="{FC1CDCF1-4E21-40C1-A671-415100C2C105}" type="datetimeFigureOut">
               <a:rPr lang="en-US" smtClean="0"/>
               <a:pPr/>
-              <a:t>1/20/2019</a:t>
+              <a:t>11/20/2020</a:t>
             </a:fld>
             <a:endParaRPr lang="en-US"/>
           </a:p>
@@ -802,7 +821,7 @@
             <a:fld id="{FC1CDCF1-4E21-40C1-A671-415100C2C105}" type="datetimeFigureOut">
               <a:rPr lang="en-US" smtClean="0"/>
               <a:pPr/>
-              <a:t>1/20/2019</a:t>
+              <a:t>11/20/2020</a:t>
             </a:fld>
             <a:endParaRPr lang="en-US"/>
           </a:p>
@@ -888,8 +907,8 @@
         </p:nvSpPr>
         <p:spPr>
           <a:xfrm>
-            <a:off x="722313" y="4406900"/>
-            <a:ext cx="7772400" cy="1362075"/>
+            <a:off x="963084" y="4406901"/>
+            <a:ext cx="10363200" cy="1362075"/>
           </a:xfrm>
         </p:spPr>
         <p:txBody>
@@ -920,8 +939,8 @@
         </p:nvSpPr>
         <p:spPr>
           <a:xfrm>
-            <a:off x="722313" y="2906713"/>
-            <a:ext cx="7772400" cy="1500187"/>
+            <a:off x="963084" y="2906713"/>
+            <a:ext cx="10363200" cy="1500187"/>
           </a:xfrm>
         </p:spPr>
         <p:txBody>
@@ -1045,7 +1064,7 @@
             <a:fld id="{FC1CDCF1-4E21-40C1-A671-415100C2C105}" type="datetimeFigureOut">
               <a:rPr lang="en-US" smtClean="0"/>
               <a:pPr/>
-              <a:t>1/20/2019</a:t>
+              <a:t>11/20/2020</a:t>
             </a:fld>
             <a:endParaRPr lang="en-US"/>
           </a:p>
@@ -1154,8 +1173,8 @@
         </p:nvSpPr>
         <p:spPr>
           <a:xfrm>
-            <a:off x="457200" y="1600200"/>
-            <a:ext cx="4038600" cy="4525963"/>
+            <a:off x="609600" y="1600201"/>
+            <a:ext cx="5384800" cy="4525963"/>
           </a:xfrm>
         </p:spPr>
         <p:txBody>
@@ -1239,8 +1258,8 @@
         </p:nvSpPr>
         <p:spPr>
           <a:xfrm>
-            <a:off x="4648200" y="1600200"/>
-            <a:ext cx="4038600" cy="4525963"/>
+            <a:off x="6197600" y="1600201"/>
+            <a:ext cx="5384800" cy="4525963"/>
           </a:xfrm>
         </p:spPr>
         <p:txBody>
@@ -1330,7 +1349,7 @@
             <a:fld id="{FC1CDCF1-4E21-40C1-A671-415100C2C105}" type="datetimeFigureOut">
               <a:rPr lang="en-US" smtClean="0"/>
               <a:pPr/>
-              <a:t>1/20/2019</a:t>
+              <a:t>11/20/2020</a:t>
             </a:fld>
             <a:endParaRPr lang="en-US"/>
           </a:p>
@@ -1443,8 +1462,8 @@
         </p:nvSpPr>
         <p:spPr>
           <a:xfrm>
-            <a:off x="457200" y="1535113"/>
-            <a:ext cx="4040188" cy="639762"/>
+            <a:off x="609600" y="1535113"/>
+            <a:ext cx="5386917" cy="639762"/>
           </a:xfrm>
         </p:spPr>
         <p:txBody>
@@ -1508,8 +1527,8 @@
         </p:nvSpPr>
         <p:spPr>
           <a:xfrm>
-            <a:off x="457200" y="2174875"/>
-            <a:ext cx="4040188" cy="3951288"/>
+            <a:off x="609600" y="2174875"/>
+            <a:ext cx="5386917" cy="3951288"/>
           </a:xfrm>
         </p:spPr>
         <p:txBody>
@@ -1593,8 +1612,8 @@
         </p:nvSpPr>
         <p:spPr>
           <a:xfrm>
-            <a:off x="4645025" y="1535113"/>
-            <a:ext cx="4041775" cy="639762"/>
+            <a:off x="6193368" y="1535113"/>
+            <a:ext cx="5389033" cy="639762"/>
           </a:xfrm>
         </p:spPr>
         <p:txBody>
@@ -1658,8 +1677,8 @@
         </p:nvSpPr>
         <p:spPr>
           <a:xfrm>
-            <a:off x="4645025" y="2174875"/>
-            <a:ext cx="4041775" cy="3951288"/>
+            <a:off x="6193368" y="2174875"/>
+            <a:ext cx="5389033" cy="3951288"/>
           </a:xfrm>
         </p:spPr>
         <p:txBody>
@@ -1749,7 +1768,7 @@
             <a:fld id="{FC1CDCF1-4E21-40C1-A671-415100C2C105}" type="datetimeFigureOut">
               <a:rPr lang="en-US" smtClean="0"/>
               <a:pPr/>
-              <a:t>1/20/2019</a:t>
+              <a:t>11/20/2020</a:t>
             </a:fld>
             <a:endParaRPr lang="en-US"/>
           </a:p>
@@ -1864,7 +1883,7 @@
             <a:fld id="{FC1CDCF1-4E21-40C1-A671-415100C2C105}" type="datetimeFigureOut">
               <a:rPr lang="en-US" smtClean="0"/>
               <a:pPr/>
-              <a:t>1/20/2019</a:t>
+              <a:t>11/20/2020</a:t>
             </a:fld>
             <a:endParaRPr lang="en-US"/>
           </a:p>
@@ -1956,7 +1975,7 @@
             <a:fld id="{FC1CDCF1-4E21-40C1-A671-415100C2C105}" type="datetimeFigureOut">
               <a:rPr lang="en-US" smtClean="0"/>
               <a:pPr/>
-              <a:t>1/20/2019</a:t>
+              <a:t>11/20/2020</a:t>
             </a:fld>
             <a:endParaRPr lang="en-US"/>
           </a:p>
@@ -2042,8 +2061,8 @@
         </p:nvSpPr>
         <p:spPr>
           <a:xfrm>
-            <a:off x="457200" y="273050"/>
-            <a:ext cx="3008313" cy="1162050"/>
+            <a:off x="609601" y="273050"/>
+            <a:ext cx="4011084" cy="1162050"/>
           </a:xfrm>
         </p:spPr>
         <p:txBody>
@@ -2074,8 +2093,8 @@
         </p:nvSpPr>
         <p:spPr>
           <a:xfrm>
-            <a:off x="3575050" y="273050"/>
-            <a:ext cx="5111750" cy="5853113"/>
+            <a:off x="4766733" y="273051"/>
+            <a:ext cx="6815667" cy="5853113"/>
           </a:xfrm>
         </p:spPr>
         <p:txBody>
@@ -2159,8 +2178,8 @@
         </p:nvSpPr>
         <p:spPr>
           <a:xfrm>
-            <a:off x="457200" y="1435100"/>
-            <a:ext cx="3008313" cy="4691063"/>
+            <a:off x="609601" y="1435101"/>
+            <a:ext cx="4011084" cy="4691063"/>
           </a:xfrm>
         </p:spPr>
         <p:txBody>
@@ -2230,7 +2249,7 @@
             <a:fld id="{FC1CDCF1-4E21-40C1-A671-415100C2C105}" type="datetimeFigureOut">
               <a:rPr lang="en-US" smtClean="0"/>
               <a:pPr/>
-              <a:t>1/20/2019</a:t>
+              <a:t>11/20/2020</a:t>
             </a:fld>
             <a:endParaRPr lang="en-US"/>
           </a:p>
@@ -2316,8 +2335,8 @@
         </p:nvSpPr>
         <p:spPr>
           <a:xfrm>
-            <a:off x="1792288" y="4800600"/>
-            <a:ext cx="5486400" cy="566738"/>
+            <a:off x="2389717" y="4800600"/>
+            <a:ext cx="7315200" cy="566738"/>
           </a:xfrm>
         </p:spPr>
         <p:txBody>
@@ -2348,8 +2367,8 @@
         </p:nvSpPr>
         <p:spPr>
           <a:xfrm>
-            <a:off x="1792288" y="612775"/>
-            <a:ext cx="5486400" cy="4114800"/>
+            <a:off x="2389717" y="612775"/>
+            <a:ext cx="7315200" cy="4114800"/>
           </a:xfrm>
         </p:spPr>
         <p:txBody>
@@ -2413,8 +2432,8 @@
         </p:nvSpPr>
         <p:spPr>
           <a:xfrm>
-            <a:off x="1792288" y="5367338"/>
-            <a:ext cx="5486400" cy="804862"/>
+            <a:off x="2389717" y="5367338"/>
+            <a:ext cx="7315200" cy="804862"/>
           </a:xfrm>
         </p:spPr>
         <p:txBody>
@@ -2484,7 +2503,7 @@
             <a:fld id="{FC1CDCF1-4E21-40C1-A671-415100C2C105}" type="datetimeFigureOut">
               <a:rPr lang="en-US" smtClean="0"/>
               <a:pPr/>
-              <a:t>1/20/2019</a:t>
+              <a:t>11/20/2020</a:t>
             </a:fld>
             <a:endParaRPr lang="en-US"/>
           </a:p>
@@ -2580,8 +2599,8 @@
         </p:nvSpPr>
         <p:spPr>
           <a:xfrm>
-            <a:off x="457200" y="274638"/>
-            <a:ext cx="8229600" cy="1143000"/>
+            <a:off x="609600" y="274638"/>
+            <a:ext cx="10972800" cy="1143000"/>
           </a:xfrm>
           <a:prstGeom prst="rect">
             <a:avLst/>
@@ -2613,8 +2632,8 @@
         </p:nvSpPr>
         <p:spPr>
           <a:xfrm>
-            <a:off x="457200" y="1600200"/>
-            <a:ext cx="8229600" cy="4525963"/>
+            <a:off x="609600" y="1600201"/>
+            <a:ext cx="10972800" cy="4525963"/>
           </a:xfrm>
           <a:prstGeom prst="rect">
             <a:avLst/>
@@ -2675,8 +2694,8 @@
         </p:nvSpPr>
         <p:spPr>
           <a:xfrm>
-            <a:off x="457200" y="6356350"/>
-            <a:ext cx="2133600" cy="365125"/>
+            <a:off x="609600" y="6356351"/>
+            <a:ext cx="2844800" cy="365125"/>
           </a:xfrm>
           <a:prstGeom prst="rect">
             <a:avLst/>
@@ -2699,7 +2718,7 @@
             <a:fld id="{FC1CDCF1-4E21-40C1-A671-415100C2C105}" type="datetimeFigureOut">
               <a:rPr lang="en-US" smtClean="0"/>
               <a:pPr/>
-              <a:t>1/20/2019</a:t>
+              <a:t>11/20/2020</a:t>
             </a:fld>
             <a:endParaRPr lang="en-US"/>
           </a:p>
@@ -2717,8 +2736,8 @@
         </p:nvSpPr>
         <p:spPr>
           <a:xfrm>
-            <a:off x="3124200" y="6356350"/>
-            <a:ext cx="2895600" cy="365125"/>
+            <a:off x="4165600" y="6356351"/>
+            <a:ext cx="3860800" cy="365125"/>
           </a:xfrm>
           <a:prstGeom prst="rect">
             <a:avLst/>
@@ -2754,8 +2773,8 @@
         </p:nvSpPr>
         <p:spPr>
           <a:xfrm>
-            <a:off x="6553200" y="6356350"/>
-            <a:ext cx="2133600" cy="365125"/>
+            <a:off x="8737600" y="6356351"/>
+            <a:ext cx="2844800" cy="365125"/>
           </a:xfrm>
           <a:prstGeom prst="rect">
             <a:avLst/>
@@ -3072,7 +3091,7 @@
       </p:grpSpPr>
       <p:sp>
         <p:nvSpPr>
-          <p:cNvPr id="4" name="Title 3"/>
+          <p:cNvPr id="4" name="標題 3"/>
           <p:cNvSpPr>
             <a:spLocks noGrp="1"/>
           </p:cNvSpPr>
@@ -3080,235 +3099,61 @@
             <p:ph type="title"/>
           </p:nvPr>
         </p:nvSpPr>
-        <p:spPr/>
-        <p:txBody>
-          <a:bodyPr/>
-          <a:lstStyle/>
-          <a:p>
-            <a:r>
-              <a:rPr lang="zh-TW" altLang="en-US" b="1" dirty="0" smtClean="0">
+        <p:spPr>
+          <a:xfrm>
+            <a:off x="0" y="2857513"/>
+            <a:ext cx="12192000" cy="1143000"/>
+          </a:xfrm>
+        </p:spPr>
+        <p:txBody>
+          <a:bodyPr>
+            <a:noAutofit/>
+          </a:bodyPr>
+          <a:lstStyle/>
+          <a:p>
+            <a:r>
+              <a:rPr lang="zh-TW" altLang="en-US" sz="7200" b="1" i="1" dirty="0">
                 <a:solidFill>
                   <a:srgbClr val="000066"/>
                 </a:solidFill>
-                <a:latin typeface="微軟正黑體" pitchFamily="34" charset="-120"/>
-                <a:ea typeface="微軟正黑體" pitchFamily="34" charset="-120"/>
-              </a:rPr>
-              <a:t>歡欣</a:t>
-            </a:r>
-            <a:endParaRPr lang="en-US" b="1" dirty="0">
-              <a:solidFill>
-                <a:srgbClr val="000066"/>
-              </a:solidFill>
-              <a:latin typeface="微軟正黑體" pitchFamily="34" charset="-120"/>
-              <a:ea typeface="微軟正黑體" pitchFamily="34" charset="-120"/>
-            </a:endParaRPr>
-          </a:p>
-        </p:txBody>
-      </p:sp>
-      <p:sp>
-        <p:nvSpPr>
-          <p:cNvPr id="5" name="Content Placeholder 4"/>
-          <p:cNvSpPr>
-            <a:spLocks noGrp="1"/>
-          </p:cNvSpPr>
-          <p:nvPr>
-            <p:ph idx="1"/>
-          </p:nvPr>
-        </p:nvSpPr>
-        <p:spPr>
-          <a:xfrm>
-            <a:off x="457200" y="1600200"/>
-            <a:ext cx="8229600" cy="4800600"/>
-          </a:xfrm>
-        </p:spPr>
-        <p:txBody>
-          <a:bodyPr>
-            <a:normAutofit/>
-          </a:bodyPr>
-          <a:lstStyle/>
-          <a:p>
-            <a:pPr algn="ctr">
-              <a:buNone/>
-            </a:pPr>
-            <a:r>
-              <a:rPr lang="zh-TW" altLang="en-US" sz="5400" b="1" dirty="0">
-                <a:solidFill>
-                  <a:srgbClr val="000066"/>
-                </a:solidFill>
+                <a:effectLst>
+                  <a:outerShdw blurRad="38100" dist="38100" dir="2700000" algn="tl">
+                    <a:srgbClr val="000000">
+                      <a:alpha val="43137"/>
+                    </a:srgbClr>
+                  </a:outerShdw>
+                </a:effectLst>
                 <a:latin typeface="微軟正黑體" pitchFamily="34" charset="-120"/>
                 <a:ea typeface="微軟正黑體" pitchFamily="34" charset="-120"/>
               </a:rPr>
               <a:t>歡</a:t>
             </a:r>
             <a:r>
-              <a:rPr lang="zh-TW" altLang="en-US" sz="5400" b="1" dirty="0" smtClean="0">
+              <a:rPr lang="zh-TW" altLang="en-US" sz="7200" b="1" i="1" dirty="0">
                 <a:solidFill>
                   <a:srgbClr val="000066"/>
                 </a:solidFill>
+                <a:effectLst>
+                  <a:outerShdw blurRad="38100" dist="38100" dir="2700000" algn="tl">
+                    <a:srgbClr val="000000">
+                      <a:alpha val="43137"/>
+                    </a:srgbClr>
+                  </a:outerShdw>
+                </a:effectLst>
                 <a:latin typeface="微軟正黑體" pitchFamily="34" charset="-120"/>
                 <a:ea typeface="微軟正黑體" pitchFamily="34" charset="-120"/>
               </a:rPr>
-              <a:t>欣 心</a:t>
-            </a:r>
-            <a:r>
-              <a:rPr lang="zh-TW" altLang="en-US" sz="5400" b="1" dirty="0">
-                <a:solidFill>
-                  <a:srgbClr val="000066"/>
-                </a:solidFill>
-                <a:latin typeface="微軟正黑體" pitchFamily="34" charset="-120"/>
-                <a:ea typeface="微軟正黑體" pitchFamily="34" charset="-120"/>
-              </a:rPr>
-              <a:t>裡感謝</a:t>
-            </a:r>
-            <a:r>
-              <a:rPr lang="zh-TW" altLang="en-US" sz="5400" b="1" dirty="0" smtClean="0">
-                <a:solidFill>
-                  <a:srgbClr val="000066"/>
-                </a:solidFill>
-                <a:latin typeface="微軟正黑體" pitchFamily="34" charset="-120"/>
-                <a:ea typeface="微軟正黑體" pitchFamily="34" charset="-120"/>
-              </a:rPr>
-              <a:t>神</a:t>
-            </a:r>
-            <a:endParaRPr lang="zh-TW" altLang="en-US" sz="5400" b="1" dirty="0">
-              <a:solidFill>
-                <a:srgbClr val="000066"/>
-              </a:solidFill>
-              <a:latin typeface="微軟正黑體" pitchFamily="34" charset="-120"/>
-              <a:ea typeface="微軟正黑體" pitchFamily="34" charset="-120"/>
-            </a:endParaRPr>
-          </a:p>
-          <a:p>
-            <a:pPr algn="ctr">
-              <a:buNone/>
-            </a:pPr>
-            <a:r>
-              <a:rPr lang="zh-TW" altLang="en-US" sz="5400" b="1" dirty="0">
-                <a:solidFill>
-                  <a:srgbClr val="000066"/>
-                </a:solidFill>
-                <a:latin typeface="微軟正黑體" pitchFamily="34" charset="-120"/>
-                <a:ea typeface="微軟正黑體" pitchFamily="34" charset="-120"/>
-              </a:rPr>
-              <a:t>歌唱歸於聖</a:t>
-            </a:r>
-            <a:r>
-              <a:rPr lang="zh-TW" altLang="en-US" sz="5400" b="1" dirty="0" smtClean="0">
-                <a:solidFill>
-                  <a:srgbClr val="000066"/>
-                </a:solidFill>
-                <a:latin typeface="微軟正黑體" pitchFamily="34" charset="-120"/>
-                <a:ea typeface="微軟正黑體" pitchFamily="34" charset="-120"/>
-              </a:rPr>
-              <a:t>父</a:t>
-            </a:r>
-            <a:endParaRPr lang="zh-TW" altLang="en-US" sz="5400" b="1" dirty="0">
-              <a:solidFill>
-                <a:srgbClr val="000066"/>
-              </a:solidFill>
-              <a:latin typeface="微軟正黑體" pitchFamily="34" charset="-120"/>
-              <a:ea typeface="微軟正黑體" pitchFamily="34" charset="-120"/>
-            </a:endParaRPr>
-          </a:p>
-          <a:p>
-            <a:pPr algn="ctr">
-              <a:buNone/>
-            </a:pPr>
-            <a:r>
-              <a:rPr lang="zh-TW" altLang="en-US" sz="5400" b="1" dirty="0">
-                <a:solidFill>
-                  <a:srgbClr val="000066"/>
-                </a:solidFill>
-                <a:latin typeface="微軟正黑體" pitchFamily="34" charset="-120"/>
-                <a:ea typeface="微軟正黑體" pitchFamily="34" charset="-120"/>
-              </a:rPr>
-              <a:t>讚頌你賜下慈</a:t>
-            </a:r>
-            <a:r>
-              <a:rPr lang="zh-TW" altLang="en-US" sz="5400" b="1" dirty="0" smtClean="0">
-                <a:solidFill>
-                  <a:srgbClr val="000066"/>
-                </a:solidFill>
-                <a:latin typeface="微軟正黑體" pitchFamily="34" charset="-120"/>
-                <a:ea typeface="微軟正黑體" pitchFamily="34" charset="-120"/>
-              </a:rPr>
-              <a:t>愛</a:t>
-            </a:r>
-            <a:endParaRPr lang="en-US" altLang="zh-TW" sz="5400" b="1" dirty="0" smtClean="0">
-              <a:solidFill>
-                <a:srgbClr val="000066"/>
-              </a:solidFill>
-              <a:latin typeface="微軟正黑體" pitchFamily="34" charset="-120"/>
-              <a:ea typeface="微軟正黑體" pitchFamily="34" charset="-120"/>
-            </a:endParaRPr>
-          </a:p>
-          <a:p>
-            <a:pPr algn="ctr">
-              <a:buNone/>
-            </a:pPr>
-            <a:r>
-              <a:rPr lang="zh-TW" altLang="en-US" sz="5400" b="1" dirty="0" smtClean="0">
-                <a:solidFill>
-                  <a:srgbClr val="000066"/>
-                </a:solidFill>
-                <a:latin typeface="微軟正黑體" pitchFamily="34" charset="-120"/>
-                <a:ea typeface="微軟正黑體" pitchFamily="34" charset="-120"/>
-              </a:rPr>
-              <a:t>獨</a:t>
-            </a:r>
-            <a:r>
-              <a:rPr lang="zh-TW" altLang="en-US" sz="5400" b="1" dirty="0">
-                <a:solidFill>
-                  <a:srgbClr val="000066"/>
-                </a:solidFill>
-                <a:latin typeface="微軟正黑體" pitchFamily="34" charset="-120"/>
-                <a:ea typeface="微軟正黑體" pitchFamily="34" charset="-120"/>
-              </a:rPr>
-              <a:t>生的</a:t>
-            </a:r>
-            <a:r>
-              <a:rPr lang="zh-TW" altLang="en-US" sz="5400" b="1" dirty="0" smtClean="0">
-                <a:solidFill>
-                  <a:srgbClr val="000066"/>
-                </a:solidFill>
-                <a:latin typeface="微軟正黑體" pitchFamily="34" charset="-120"/>
-                <a:ea typeface="微軟正黑體" pitchFamily="34" charset="-120"/>
-              </a:rPr>
-              <a:t>愛子</a:t>
-            </a:r>
-            <a:endParaRPr lang="en-US" altLang="zh-TW" sz="5400" b="1" dirty="0" smtClean="0">
-              <a:solidFill>
-                <a:srgbClr val="000066"/>
-              </a:solidFill>
-              <a:latin typeface="微軟正黑體" pitchFamily="34" charset="-120"/>
-              <a:ea typeface="微軟正黑體" pitchFamily="34" charset="-120"/>
-            </a:endParaRPr>
-          </a:p>
-          <a:p>
-            <a:pPr algn="ctr">
-              <a:buNone/>
-            </a:pPr>
-            <a:r>
-              <a:rPr lang="en-US" altLang="zh-TW" sz="4800" b="1" dirty="0" smtClean="0">
-                <a:solidFill>
-                  <a:srgbClr val="000066"/>
-                </a:solidFill>
-                <a:latin typeface="微軟正黑體" pitchFamily="34" charset="-120"/>
-                <a:ea typeface="微軟正黑體" pitchFamily="34" charset="-120"/>
-              </a:rPr>
-              <a:t>(x2)</a:t>
-            </a:r>
-            <a:endParaRPr lang="zh-TW" altLang="en-US" sz="4800" b="1" dirty="0">
-              <a:solidFill>
-                <a:srgbClr val="000066"/>
-              </a:solidFill>
-              <a:latin typeface="微軟正黑體" pitchFamily="34" charset="-120"/>
-              <a:ea typeface="微軟正黑體" pitchFamily="34" charset="-120"/>
-            </a:endParaRPr>
+              <a:t>欣</a:t>
+            </a:r>
           </a:p>
         </p:txBody>
       </p:sp>
     </p:spTree>
+    <p:extLst>
+      <p:ext uri="{BB962C8B-B14F-4D97-AF65-F5344CB8AC3E}">
+        <p14:creationId xmlns:p14="http://schemas.microsoft.com/office/powerpoint/2010/main" val="3880030860"/>
+      </p:ext>
+    </p:extLst>
   </p:cSld>
   <p:clrMapOvr>
     <a:masterClrMapping/>
@@ -3335,30 +3180,75 @@
       </p:grpSpPr>
       <p:sp>
         <p:nvSpPr>
-          <p:cNvPr id="4" name="Title 3"/>
-          <p:cNvSpPr>
-            <a:spLocks noGrp="1"/>
-          </p:cNvSpPr>
-          <p:nvPr>
-            <p:ph type="title"/>
-          </p:nvPr>
-        </p:nvSpPr>
-        <p:spPr/>
-        <p:txBody>
-          <a:bodyPr/>
-          <a:lstStyle/>
-          <a:p>
-            <a:r>
-              <a:rPr lang="zh-TW" altLang="en-US" b="1" dirty="0" smtClean="0">
+          <p:cNvPr id="5" name="內容版面配置區 4"/>
+          <p:cNvSpPr>
+            <a:spLocks noGrp="1"/>
+          </p:cNvSpPr>
+          <p:nvPr>
+            <p:ph idx="1"/>
+          </p:nvPr>
+        </p:nvSpPr>
+        <p:spPr>
+          <a:xfrm>
+            <a:off x="0" y="2084851"/>
+            <a:ext cx="12192000" cy="2404863"/>
+          </a:xfrm>
+        </p:spPr>
+        <p:txBody>
+          <a:bodyPr anchor="ctr">
+            <a:normAutofit/>
+          </a:bodyPr>
+          <a:lstStyle/>
+          <a:p>
+            <a:pPr algn="ctr">
+              <a:buNone/>
+            </a:pPr>
+            <a:r>
+              <a:rPr lang="zh-TW" altLang="en-US" sz="6400" b="1" dirty="0">
                 <a:solidFill>
                   <a:srgbClr val="000066"/>
                 </a:solidFill>
                 <a:latin typeface="微軟正黑體" pitchFamily="34" charset="-120"/>
                 <a:ea typeface="微軟正黑體" pitchFamily="34" charset="-120"/>
               </a:rPr>
-              <a:t>歡欣</a:t>
-            </a:r>
-            <a:endParaRPr lang="en-US" b="1" dirty="0">
+              <a:t>歡欣  心裡感謝神  歌唱歸於聖父</a:t>
+            </a:r>
+          </a:p>
+          <a:p>
+            <a:pPr algn="ctr">
+              <a:buNone/>
+            </a:pPr>
+            <a:r>
+              <a:rPr lang="zh-TW" altLang="en-US" sz="6400" b="1" dirty="0">
+                <a:solidFill>
+                  <a:srgbClr val="000066"/>
+                </a:solidFill>
+                <a:latin typeface="微軟正黑體" pitchFamily="34" charset="-120"/>
+                <a:ea typeface="微軟正黑體" pitchFamily="34" charset="-120"/>
+              </a:rPr>
+              <a:t>讚頌你賜下慈愛</a:t>
+            </a:r>
+            <a:r>
+              <a:rPr lang="en-US" altLang="zh-TW" sz="6400" b="1" dirty="0">
+                <a:solidFill>
+                  <a:srgbClr val="000066"/>
+                </a:solidFill>
+                <a:latin typeface="微軟正黑體" pitchFamily="34" charset="-120"/>
+                <a:ea typeface="微軟正黑體" pitchFamily="34" charset="-120"/>
+              </a:rPr>
+              <a:t>  </a:t>
+            </a:r>
+            <a:r>
+              <a:rPr lang="zh-TW" altLang="en-US" sz="6400" b="1" dirty="0">
+                <a:solidFill>
+                  <a:srgbClr val="000066"/>
+                </a:solidFill>
+                <a:latin typeface="微軟正黑體" pitchFamily="34" charset="-120"/>
+                <a:ea typeface="微軟正黑體" pitchFamily="34" charset="-120"/>
+              </a:rPr>
+              <a:t>獨生的愛子</a:t>
+            </a:r>
+            <a:endParaRPr lang="en-US" altLang="zh-TW" sz="6400" b="1" dirty="0">
               <a:solidFill>
                 <a:srgbClr val="000066"/>
               </a:solidFill>
@@ -3370,159 +3260,80 @@
       </p:sp>
       <p:sp>
         <p:nvSpPr>
-          <p:cNvPr id="5" name="Content Placeholder 4"/>
-          <p:cNvSpPr>
-            <a:spLocks noGrp="1"/>
-          </p:cNvSpPr>
-          <p:nvPr>
-            <p:ph idx="1"/>
-          </p:nvPr>
-        </p:nvSpPr>
-        <p:spPr/>
-        <p:txBody>
-          <a:bodyPr>
-            <a:normAutofit/>
+          <p:cNvPr id="3" name="TextBox 2"/>
+          <p:cNvSpPr txBox="1"/>
+          <p:nvPr/>
+        </p:nvSpPr>
+        <p:spPr>
+          <a:xfrm>
+            <a:off x="4751851" y="5253204"/>
+            <a:ext cx="2688299" cy="995209"/>
+          </a:xfrm>
+          <a:prstGeom prst="rect">
+            <a:avLst/>
+          </a:prstGeom>
+          <a:noFill/>
+        </p:spPr>
+        <p:txBody>
+          <a:bodyPr wrap="square" rtlCol="0">
+            <a:spAutoFit/>
           </a:bodyPr>
           <a:lstStyle/>
           <a:p>
-            <a:pPr algn="ctr">
-              <a:buNone/>
-            </a:pPr>
-            <a:r>
-              <a:rPr lang="zh-TW" altLang="en-US" sz="5400" b="1" dirty="0">
+            <a:r>
+              <a:rPr lang="zh-TW" altLang="en-US" sz="5867" b="1" dirty="0">
                 <a:solidFill>
                   <a:srgbClr val="000066"/>
                 </a:solidFill>
                 <a:latin typeface="微軟正黑體" pitchFamily="34" charset="-120"/>
                 <a:ea typeface="微軟正黑體" pitchFamily="34" charset="-120"/>
               </a:rPr>
-              <a:t>今</a:t>
-            </a:r>
-            <a:r>
-              <a:rPr lang="zh-TW" altLang="en-US" sz="5400" b="1" dirty="0" smtClean="0">
+              <a:t>（</a:t>
+            </a:r>
+            <a:r>
+              <a:rPr lang="en-US" altLang="zh-TW" sz="5867" b="1" dirty="0">
                 <a:solidFill>
                   <a:srgbClr val="000066"/>
                 </a:solidFill>
                 <a:latin typeface="微軟正黑體" pitchFamily="34" charset="-120"/>
                 <a:ea typeface="微軟正黑體" pitchFamily="34" charset="-120"/>
               </a:rPr>
-              <a:t>天心</a:t>
-            </a:r>
-            <a:r>
-              <a:rPr lang="zh-TW" altLang="en-US" sz="5400" b="1" dirty="0">
+              <a:t>×</a:t>
+            </a:r>
+            <a:r>
+              <a:rPr lang="en-US" sz="5867" b="1" dirty="0">
                 <a:solidFill>
                   <a:srgbClr val="000066"/>
                 </a:solidFill>
                 <a:latin typeface="微軟正黑體" pitchFamily="34" charset="-120"/>
                 <a:ea typeface="微軟正黑體" pitchFamily="34" charset="-120"/>
               </a:rPr>
-              <a:t>中剛強無懼</a:t>
-            </a:r>
-            <a:r>
-              <a:rPr lang="zh-TW" altLang="en-US" sz="5400" b="1" dirty="0" smtClean="0">
+              <a:t>2</a:t>
+            </a:r>
+            <a:r>
+              <a:rPr lang="zh-TW" altLang="en-US" sz="5867" b="1" dirty="0">
                 <a:solidFill>
                   <a:srgbClr val="000066"/>
                 </a:solidFill>
                 <a:latin typeface="微軟正黑體" pitchFamily="34" charset="-120"/>
                 <a:ea typeface="微軟正黑體" pitchFamily="34" charset="-120"/>
               </a:rPr>
-              <a:t>怕</a:t>
-            </a:r>
-            <a:endParaRPr lang="en-US" altLang="zh-TW" sz="5400" b="1" dirty="0">
+              <a:t>）</a:t>
+            </a:r>
+            <a:endParaRPr lang="vi-VN" sz="5867" dirty="0">
               <a:solidFill>
                 <a:srgbClr val="000066"/>
               </a:solidFill>
-              <a:latin typeface="微軟正黑體" pitchFamily="34" charset="-120"/>
-              <a:ea typeface="微軟正黑體" pitchFamily="34" charset="-120"/>
             </a:endParaRPr>
           </a:p>
-          <a:p>
-            <a:pPr algn="ctr">
-              <a:buNone/>
-            </a:pPr>
-            <a:r>
-              <a:rPr lang="zh-TW" altLang="en-US" sz="5400" b="1" dirty="0" smtClean="0">
-                <a:solidFill>
-                  <a:srgbClr val="000066"/>
-                </a:solidFill>
-                <a:latin typeface="微軟正黑體" pitchFamily="34" charset="-120"/>
-                <a:ea typeface="微軟正黑體" pitchFamily="34" charset="-120"/>
-              </a:rPr>
-              <a:t>主</a:t>
-            </a:r>
-            <a:r>
-              <a:rPr lang="zh-TW" altLang="en-US" sz="5400" b="1" dirty="0">
-                <a:solidFill>
-                  <a:srgbClr val="000066"/>
-                </a:solidFill>
-                <a:latin typeface="微軟正黑體" pitchFamily="34" charset="-120"/>
-                <a:ea typeface="微軟正黑體" pitchFamily="34" charset="-120"/>
-              </a:rPr>
-              <a:t>的豐盛滿一</a:t>
-            </a:r>
-            <a:r>
-              <a:rPr lang="zh-TW" altLang="en-US" sz="5400" b="1" dirty="0" smtClean="0">
-                <a:solidFill>
-                  <a:srgbClr val="000066"/>
-                </a:solidFill>
-                <a:latin typeface="微軟正黑體" pitchFamily="34" charset="-120"/>
-                <a:ea typeface="微軟正黑體" pitchFamily="34" charset="-120"/>
-              </a:rPr>
-              <a:t>生</a:t>
-            </a:r>
-            <a:endParaRPr lang="en-US" altLang="zh-TW" sz="5400" b="1" dirty="0">
-              <a:solidFill>
-                <a:srgbClr val="000066"/>
-              </a:solidFill>
-              <a:latin typeface="微軟正黑體" pitchFamily="34" charset="-120"/>
-              <a:ea typeface="微軟正黑體" pitchFamily="34" charset="-120"/>
-            </a:endParaRPr>
-          </a:p>
-          <a:p>
-            <a:pPr algn="ctr">
-              <a:buNone/>
-            </a:pPr>
-            <a:r>
-              <a:rPr lang="zh-TW" altLang="en-US" sz="5400" b="1" dirty="0" smtClean="0">
-                <a:solidFill>
-                  <a:srgbClr val="000066"/>
-                </a:solidFill>
-                <a:latin typeface="微軟正黑體" pitchFamily="34" charset="-120"/>
-                <a:ea typeface="微軟正黑體" pitchFamily="34" charset="-120"/>
-              </a:rPr>
-              <a:t>皆</a:t>
-            </a:r>
-            <a:r>
-              <a:rPr lang="zh-TW" altLang="en-US" sz="5400" b="1" dirty="0">
-                <a:solidFill>
-                  <a:srgbClr val="000066"/>
-                </a:solidFill>
-                <a:latin typeface="微軟正黑體" pitchFamily="34" charset="-120"/>
-                <a:ea typeface="微軟正黑體" pitchFamily="34" charset="-120"/>
-              </a:rPr>
-              <a:t>因主手曾為我顯深</a:t>
-            </a:r>
-            <a:r>
-              <a:rPr lang="zh-TW" altLang="en-US" sz="5400" b="1" dirty="0" smtClean="0">
-                <a:solidFill>
-                  <a:srgbClr val="000066"/>
-                </a:solidFill>
-                <a:latin typeface="微軟正黑體" pitchFamily="34" charset="-120"/>
-                <a:ea typeface="微軟正黑體" pitchFamily="34" charset="-120"/>
-              </a:rPr>
-              <a:t>恩</a:t>
-            </a:r>
-            <a:endParaRPr lang="en-US" altLang="zh-TW" sz="5400" b="1" dirty="0" smtClean="0">
-              <a:solidFill>
-                <a:srgbClr val="000066"/>
-              </a:solidFill>
-              <a:latin typeface="微軟正黑體" pitchFamily="34" charset="-120"/>
-              <a:ea typeface="微軟正黑體" pitchFamily="34" charset="-120"/>
-            </a:endParaRPr>
-          </a:p>
         </p:txBody>
       </p:sp>
     </p:spTree>
+    <p:extLst>
+      <p:ext uri="{BB962C8B-B14F-4D97-AF65-F5344CB8AC3E}">
+        <p14:creationId xmlns:p14="http://schemas.microsoft.com/office/powerpoint/2010/main" val="16188489"/>
+      </p:ext>
+    </p:extLst>
   </p:cSld>
   <p:clrMapOvr>
     <a:masterClrMapping/>
@@ -3549,30 +3360,40 @@
       </p:grpSpPr>
       <p:sp>
         <p:nvSpPr>
-          <p:cNvPr id="4" name="Title 3"/>
-          <p:cNvSpPr>
-            <a:spLocks noGrp="1"/>
-          </p:cNvSpPr>
-          <p:nvPr>
-            <p:ph type="title"/>
-          </p:nvPr>
-        </p:nvSpPr>
-        <p:spPr/>
-        <p:txBody>
-          <a:bodyPr/>
-          <a:lstStyle/>
-          <a:p>
-            <a:r>
-              <a:rPr lang="zh-TW" altLang="en-US" b="1" dirty="0" smtClean="0">
+          <p:cNvPr id="5" name="內容版面配置區 4"/>
+          <p:cNvSpPr>
+            <a:spLocks noGrp="1"/>
+          </p:cNvSpPr>
+          <p:nvPr>
+            <p:ph idx="1"/>
+          </p:nvPr>
+        </p:nvSpPr>
+        <p:spPr>
+          <a:xfrm>
+            <a:off x="0" y="2084851"/>
+            <a:ext cx="12192000" cy="2404863"/>
+          </a:xfrm>
+        </p:spPr>
+        <p:txBody>
+          <a:bodyPr anchor="ctr">
+            <a:normAutofit/>
+          </a:bodyPr>
+          <a:lstStyle/>
+          <a:p>
+            <a:pPr algn="ctr">
+              <a:buNone/>
+            </a:pPr>
+            <a:r>
+              <a:rPr lang="zh-TW" altLang="en-US" sz="6400" b="1" dirty="0">
                 <a:solidFill>
                   <a:srgbClr val="000066"/>
                 </a:solidFill>
                 <a:latin typeface="微軟正黑體" pitchFamily="34" charset="-120"/>
                 <a:ea typeface="微軟正黑體" pitchFamily="34" charset="-120"/>
               </a:rPr>
-              <a:t>歡欣</a:t>
-            </a:r>
-            <a:endParaRPr lang="en-US" b="1" dirty="0">
+              <a:t>今天心中剛強無懼怕</a:t>
+            </a:r>
+            <a:endParaRPr lang="en-US" altLang="zh-TW" sz="6400" b="1" dirty="0">
               <a:solidFill>
                 <a:srgbClr val="000066"/>
               </a:solidFill>
@@ -3580,69 +3401,193 @@
               <a:ea typeface="微軟正黑體" pitchFamily="34" charset="-120"/>
             </a:endParaRPr>
           </a:p>
-        </p:txBody>
-      </p:sp>
-      <p:sp>
-        <p:nvSpPr>
-          <p:cNvPr id="5" name="Content Placeholder 4"/>
-          <p:cNvSpPr>
-            <a:spLocks noGrp="1"/>
-          </p:cNvSpPr>
-          <p:nvPr>
-            <p:ph idx="1"/>
-          </p:nvPr>
-        </p:nvSpPr>
-        <p:spPr/>
-        <p:txBody>
-          <a:bodyPr>
-            <a:normAutofit/>
-          </a:bodyPr>
-          <a:lstStyle/>
           <a:p>
             <a:pPr algn="ctr">
               <a:buNone/>
             </a:pPr>
             <a:r>
-              <a:rPr lang="zh-TW" altLang="en-US" sz="5400" b="1" dirty="0">
+              <a:rPr lang="zh-TW" altLang="en-US" sz="6400" b="1" dirty="0">
                 <a:solidFill>
                   <a:srgbClr val="000066"/>
                 </a:solidFill>
                 <a:latin typeface="微軟正黑體" pitchFamily="34" charset="-120"/>
                 <a:ea typeface="微軟正黑體" pitchFamily="34" charset="-120"/>
               </a:rPr>
-              <a:t>今</a:t>
-            </a:r>
-            <a:r>
-              <a:rPr lang="zh-TW" altLang="en-US" sz="5400" b="1" dirty="0" smtClean="0">
+              <a:t>主的豐盛滿一生</a:t>
+            </a:r>
+            <a:endParaRPr lang="en-US" altLang="zh-TW" sz="6400" b="1" dirty="0">
+              <a:solidFill>
+                <a:srgbClr val="000066"/>
+              </a:solidFill>
+              <a:latin typeface="微軟正黑體" pitchFamily="34" charset="-120"/>
+              <a:ea typeface="微軟正黑體" pitchFamily="34" charset="-120"/>
+            </a:endParaRPr>
+          </a:p>
+        </p:txBody>
+      </p:sp>
+    </p:spTree>
+    <p:extLst>
+      <p:ext uri="{BB962C8B-B14F-4D97-AF65-F5344CB8AC3E}">
+        <p14:creationId xmlns:p14="http://schemas.microsoft.com/office/powerpoint/2010/main" val="1936072225"/>
+      </p:ext>
+    </p:extLst>
+  </p:cSld>
+  <p:clrMapOvr>
+    <a:masterClrMapping/>
+  </p:clrMapOvr>
+</p:sld>
+</file>
+
+<file path=ppt/slides/slide4.xml><?xml version="1.0" encoding="utf-8"?>
+<p:sld xmlns:a="http://schemas.openxmlformats.org/drawingml/2006/main" xmlns:r="http://schemas.openxmlformats.org/officeDocument/2006/relationships" xmlns:p="http://schemas.openxmlformats.org/presentationml/2006/main">
+  <p:cSld>
+    <p:spTree>
+      <p:nvGrpSpPr>
+        <p:cNvPr id="1" name=""/>
+        <p:cNvGrpSpPr/>
+        <p:nvPr/>
+      </p:nvGrpSpPr>
+      <p:grpSpPr>
+        <a:xfrm>
+          <a:off x="0" y="0"/>
+          <a:ext cx="0" cy="0"/>
+          <a:chOff x="0" y="0"/>
+          <a:chExt cx="0" cy="0"/>
+        </a:xfrm>
+      </p:grpSpPr>
+      <p:sp>
+        <p:nvSpPr>
+          <p:cNvPr id="5" name="內容版面配置區 4"/>
+          <p:cNvSpPr>
+            <a:spLocks noGrp="1"/>
+          </p:cNvSpPr>
+          <p:nvPr>
+            <p:ph idx="1"/>
+          </p:nvPr>
+        </p:nvSpPr>
+        <p:spPr>
+          <a:xfrm>
+            <a:off x="0" y="2084851"/>
+            <a:ext cx="12192000" cy="2404863"/>
+          </a:xfrm>
+        </p:spPr>
+        <p:txBody>
+          <a:bodyPr anchor="ctr">
+            <a:normAutofit/>
+          </a:bodyPr>
+          <a:lstStyle/>
+          <a:p>
+            <a:pPr algn="ctr">
+              <a:buNone/>
+            </a:pPr>
+            <a:r>
+              <a:rPr lang="zh-TW" altLang="en-US" sz="6400" b="1" dirty="0">
                 <a:solidFill>
                   <a:srgbClr val="000066"/>
                 </a:solidFill>
                 <a:latin typeface="微軟正黑體" pitchFamily="34" charset="-120"/>
                 <a:ea typeface="微軟正黑體" pitchFamily="34" charset="-120"/>
               </a:rPr>
-              <a:t>天心</a:t>
-            </a:r>
-            <a:r>
-              <a:rPr lang="zh-TW" altLang="en-US" sz="5400" b="1" dirty="0">
+              <a:t>皆因主手曾為我顯深恩</a:t>
+            </a:r>
+            <a:endParaRPr lang="en-US" altLang="zh-TW" sz="6400" b="1" dirty="0">
+              <a:solidFill>
+                <a:srgbClr val="000066"/>
+              </a:solidFill>
+              <a:latin typeface="微軟正黑體" pitchFamily="34" charset="-120"/>
+              <a:ea typeface="微軟正黑體" pitchFamily="34" charset="-120"/>
+            </a:endParaRPr>
+          </a:p>
+        </p:txBody>
+      </p:sp>
+    </p:spTree>
+    <p:extLst>
+      <p:ext uri="{BB962C8B-B14F-4D97-AF65-F5344CB8AC3E}">
+        <p14:creationId xmlns:p14="http://schemas.microsoft.com/office/powerpoint/2010/main" val="270079815"/>
+      </p:ext>
+    </p:extLst>
+  </p:cSld>
+  <p:clrMapOvr>
+    <a:masterClrMapping/>
+  </p:clrMapOvr>
+</p:sld>
+</file>
+
+<file path=ppt/slides/slide5.xml><?xml version="1.0" encoding="utf-8"?>
+<p:sld xmlns:a="http://schemas.openxmlformats.org/drawingml/2006/main" xmlns:r="http://schemas.openxmlformats.org/officeDocument/2006/relationships" xmlns:p="http://schemas.openxmlformats.org/presentationml/2006/main">
+  <p:cSld>
+    <p:spTree>
+      <p:nvGrpSpPr>
+        <p:cNvPr id="1" name=""/>
+        <p:cNvGrpSpPr/>
+        <p:nvPr/>
+      </p:nvGrpSpPr>
+      <p:grpSpPr>
+        <a:xfrm>
+          <a:off x="0" y="0"/>
+          <a:ext cx="0" cy="0"/>
+          <a:chOff x="0" y="0"/>
+          <a:chExt cx="0" cy="0"/>
+        </a:xfrm>
+      </p:grpSpPr>
+      <p:sp>
+        <p:nvSpPr>
+          <p:cNvPr id="5" name="內容版面配置區 4"/>
+          <p:cNvSpPr>
+            <a:spLocks noGrp="1"/>
+          </p:cNvSpPr>
+          <p:nvPr>
+            <p:ph idx="1"/>
+          </p:nvPr>
+        </p:nvSpPr>
+        <p:spPr>
+          <a:xfrm>
+            <a:off x="0" y="2084851"/>
+            <a:ext cx="12192000" cy="2404863"/>
+          </a:xfrm>
+        </p:spPr>
+        <p:txBody>
+          <a:bodyPr anchor="ctr">
+            <a:normAutofit/>
+          </a:bodyPr>
+          <a:lstStyle/>
+          <a:p>
+            <a:pPr algn="ctr">
+              <a:buNone/>
+            </a:pPr>
+            <a:r>
+              <a:rPr lang="zh-TW" altLang="en-US" sz="6400" b="1" dirty="0">
                 <a:solidFill>
                   <a:srgbClr val="000066"/>
                 </a:solidFill>
                 <a:latin typeface="微軟正黑體" pitchFamily="34" charset="-120"/>
                 <a:ea typeface="微軟正黑體" pitchFamily="34" charset="-120"/>
               </a:rPr>
-              <a:t>中剛強無懼</a:t>
-            </a:r>
-            <a:r>
-              <a:rPr lang="zh-TW" altLang="en-US" sz="5400" b="1" dirty="0" smtClean="0">
+              <a:t>今天心中剛強無懼怕</a:t>
+            </a:r>
+            <a:endParaRPr lang="en-US" altLang="zh-TW" sz="6400" b="1" dirty="0">
+              <a:solidFill>
+                <a:srgbClr val="000066"/>
+              </a:solidFill>
+              <a:latin typeface="微軟正黑體" pitchFamily="34" charset="-120"/>
+              <a:ea typeface="微軟正黑體" pitchFamily="34" charset="-120"/>
+            </a:endParaRPr>
+          </a:p>
+          <a:p>
+            <a:pPr algn="ctr">
+              <a:buNone/>
+            </a:pPr>
+            <a:r>
+              <a:rPr lang="zh-TW" altLang="en-US" sz="6400" b="1" dirty="0">
                 <a:solidFill>
                   <a:srgbClr val="000066"/>
                 </a:solidFill>
                 <a:latin typeface="微軟正黑體" pitchFamily="34" charset="-120"/>
                 <a:ea typeface="微軟正黑體" pitchFamily="34" charset="-120"/>
               </a:rPr>
-              <a:t>怕</a:t>
-            </a:r>
-            <a:endParaRPr lang="en-US" altLang="zh-TW" sz="5400" b="1" dirty="0">
+              <a:t>主的豐盛滿一生</a:t>
+            </a:r>
+            <a:endParaRPr lang="en-US" altLang="zh-TW" sz="6400" b="1" dirty="0">
               <a:solidFill>
                 <a:srgbClr val="000066"/>
               </a:solidFill>
@@ -3650,41 +3595,74 @@
               <a:ea typeface="微軟正黑體" pitchFamily="34" charset="-120"/>
             </a:endParaRPr>
           </a:p>
+        </p:txBody>
+      </p:sp>
+    </p:spTree>
+    <p:extLst>
+      <p:ext uri="{BB962C8B-B14F-4D97-AF65-F5344CB8AC3E}">
+        <p14:creationId xmlns:p14="http://schemas.microsoft.com/office/powerpoint/2010/main" val="3373994150"/>
+      </p:ext>
+    </p:extLst>
+  </p:cSld>
+  <p:clrMapOvr>
+    <a:masterClrMapping/>
+  </p:clrMapOvr>
+</p:sld>
+</file>
+
+<file path=ppt/slides/slide6.xml><?xml version="1.0" encoding="utf-8"?>
+<p:sld xmlns:a="http://schemas.openxmlformats.org/drawingml/2006/main" xmlns:r="http://schemas.openxmlformats.org/officeDocument/2006/relationships" xmlns:p="http://schemas.openxmlformats.org/presentationml/2006/main">
+  <p:cSld>
+    <p:spTree>
+      <p:nvGrpSpPr>
+        <p:cNvPr id="1" name=""/>
+        <p:cNvGrpSpPr/>
+        <p:nvPr/>
+      </p:nvGrpSpPr>
+      <p:grpSpPr>
+        <a:xfrm>
+          <a:off x="0" y="0"/>
+          <a:ext cx="0" cy="0"/>
+          <a:chOff x="0" y="0"/>
+          <a:chExt cx="0" cy="0"/>
+        </a:xfrm>
+      </p:grpSpPr>
+      <p:sp>
+        <p:nvSpPr>
+          <p:cNvPr id="5" name="內容版面配置區 4"/>
+          <p:cNvSpPr>
+            <a:spLocks noGrp="1"/>
+          </p:cNvSpPr>
+          <p:nvPr>
+            <p:ph idx="1"/>
+          </p:nvPr>
+        </p:nvSpPr>
+        <p:spPr>
+          <a:xfrm>
+            <a:off x="0" y="2084851"/>
+            <a:ext cx="12192000" cy="2404863"/>
+          </a:xfrm>
+        </p:spPr>
+        <p:txBody>
+          <a:bodyPr anchor="ctr">
+            <a:normAutofit/>
+          </a:bodyPr>
+          <a:lstStyle/>
           <a:p>
             <a:pPr algn="ctr">
               <a:buNone/>
             </a:pPr>
             <a:r>
-              <a:rPr lang="zh-TW" altLang="en-US" sz="5400" b="1" dirty="0" smtClean="0">
+              <a:rPr lang="zh-TW" altLang="en-US" sz="6400" b="1" dirty="0">
                 <a:solidFill>
                   <a:srgbClr val="000066"/>
                 </a:solidFill>
                 <a:latin typeface="微軟正黑體" pitchFamily="34" charset="-120"/>
                 <a:ea typeface="微軟正黑體" pitchFamily="34" charset="-120"/>
               </a:rPr>
-              <a:t>主</a:t>
-            </a:r>
-            <a:r>
-              <a:rPr lang="zh-TW" altLang="en-US" sz="5400" b="1" dirty="0">
-                <a:solidFill>
-                  <a:srgbClr val="000066"/>
-                </a:solidFill>
-                <a:latin typeface="微軟正黑體" pitchFamily="34" charset="-120"/>
-                <a:ea typeface="微軟正黑體" pitchFamily="34" charset="-120"/>
-              </a:rPr>
-              <a:t>的豐盛滿一</a:t>
-            </a:r>
-            <a:r>
-              <a:rPr lang="zh-TW" altLang="en-US" sz="5400" b="1" dirty="0" smtClean="0">
-                <a:solidFill>
-                  <a:srgbClr val="000066"/>
-                </a:solidFill>
-                <a:latin typeface="微軟正黑體" pitchFamily="34" charset="-120"/>
-                <a:ea typeface="微軟正黑體" pitchFamily="34" charset="-120"/>
-              </a:rPr>
-              <a:t>生</a:t>
-            </a:r>
-            <a:endParaRPr lang="en-US" altLang="zh-TW" sz="5400" b="1" dirty="0">
+              <a:t>皆因主手曾為我顯深恩</a:t>
+            </a:r>
+            <a:endParaRPr lang="en-US" altLang="zh-TW" sz="6400" b="1" dirty="0">
               <a:solidFill>
                 <a:srgbClr val="000066"/>
               </a:solidFill>
@@ -3697,59 +3675,7 @@
               <a:buNone/>
             </a:pPr>
             <a:r>
-              <a:rPr lang="zh-TW" altLang="en-US" sz="5400" b="1" dirty="0" smtClean="0">
-                <a:solidFill>
-                  <a:srgbClr val="000066"/>
-                </a:solidFill>
-                <a:latin typeface="微軟正黑體" pitchFamily="34" charset="-120"/>
-                <a:ea typeface="微軟正黑體" pitchFamily="34" charset="-120"/>
-              </a:rPr>
-              <a:t>皆</a:t>
-            </a:r>
-            <a:r>
-              <a:rPr lang="zh-TW" altLang="en-US" sz="5400" b="1" dirty="0">
-                <a:solidFill>
-                  <a:srgbClr val="000066"/>
-                </a:solidFill>
-                <a:latin typeface="微軟正黑體" pitchFamily="34" charset="-120"/>
-                <a:ea typeface="微軟正黑體" pitchFamily="34" charset="-120"/>
-              </a:rPr>
-              <a:t>因主手曾為我顯</a:t>
-            </a:r>
-            <a:r>
-              <a:rPr lang="zh-TW" altLang="en-US" sz="5400" b="1">
-                <a:solidFill>
-                  <a:srgbClr val="000066"/>
-                </a:solidFill>
-                <a:latin typeface="微軟正黑體" pitchFamily="34" charset="-120"/>
-                <a:ea typeface="微軟正黑體" pitchFamily="34" charset="-120"/>
-              </a:rPr>
-              <a:t>深</a:t>
-            </a:r>
-            <a:r>
-              <a:rPr lang="zh-TW" altLang="en-US" sz="5400" b="1" smtClean="0">
-                <a:solidFill>
-                  <a:srgbClr val="000066"/>
-                </a:solidFill>
-                <a:latin typeface="微軟正黑體" pitchFamily="34" charset="-120"/>
-                <a:ea typeface="微軟正黑體" pitchFamily="34" charset="-120"/>
-              </a:rPr>
-              <a:t>恩</a:t>
-            </a:r>
-            <a:endParaRPr lang="en-US" altLang="zh-TW" sz="5400" b="1" dirty="0" smtClean="0">
-              <a:solidFill>
-                <a:srgbClr val="000066"/>
-              </a:solidFill>
-              <a:latin typeface="微軟正黑體" pitchFamily="34" charset="-120"/>
-              <a:ea typeface="微軟正黑體" pitchFamily="34" charset="-120"/>
-            </a:endParaRPr>
-          </a:p>
-          <a:p>
-            <a:pPr algn="ctr">
-              <a:buNone/>
-            </a:pPr>
-            <a:r>
-              <a:rPr lang="zh-TW" altLang="en-US" sz="5400" b="1" dirty="0">
+              <a:rPr lang="zh-TW" altLang="en-US" sz="6400" b="1" dirty="0">
                 <a:solidFill>
                   <a:srgbClr val="000066"/>
                 </a:solidFill>
@@ -3762,6 +3688,11 @@
         </p:txBody>
       </p:sp>
     </p:spTree>
+    <p:extLst>
+      <p:ext uri="{BB962C8B-B14F-4D97-AF65-F5344CB8AC3E}">
+        <p14:creationId xmlns:p14="http://schemas.microsoft.com/office/powerpoint/2010/main" val="3812513869"/>
+      </p:ext>
+    </p:extLst>
   </p:cSld>
   <p:clrMapOvr>
     <a:masterClrMapping/>

--- a/歡欣.pptx
+++ b/歡欣.pptx
@@ -310,7 +310,7 @@
             <a:fld id="{FC1CDCF1-4E21-40C1-A671-415100C2C105}" type="datetimeFigureOut">
               <a:rPr lang="en-US" smtClean="0"/>
               <a:pPr/>
-              <a:t>11/20/2020</a:t>
+              <a:t>2/10/2021</a:t>
             </a:fld>
             <a:endParaRPr lang="en-US"/>
           </a:p>
@@ -477,7 +477,7 @@
             <a:fld id="{FC1CDCF1-4E21-40C1-A671-415100C2C105}" type="datetimeFigureOut">
               <a:rPr lang="en-US" smtClean="0"/>
               <a:pPr/>
-              <a:t>11/20/2020</a:t>
+              <a:t>2/10/2021</a:t>
             </a:fld>
             <a:endParaRPr lang="en-US"/>
           </a:p>
@@ -654,7 +654,7 @@
             <a:fld id="{FC1CDCF1-4E21-40C1-A671-415100C2C105}" type="datetimeFigureOut">
               <a:rPr lang="en-US" smtClean="0"/>
               <a:pPr/>
-              <a:t>11/20/2020</a:t>
+              <a:t>2/10/2021</a:t>
             </a:fld>
             <a:endParaRPr lang="en-US"/>
           </a:p>
@@ -821,7 +821,7 @@
             <a:fld id="{FC1CDCF1-4E21-40C1-A671-415100C2C105}" type="datetimeFigureOut">
               <a:rPr lang="en-US" smtClean="0"/>
               <a:pPr/>
-              <a:t>11/20/2020</a:t>
+              <a:t>2/10/2021</a:t>
             </a:fld>
             <a:endParaRPr lang="en-US"/>
           </a:p>
@@ -1064,7 +1064,7 @@
             <a:fld id="{FC1CDCF1-4E21-40C1-A671-415100C2C105}" type="datetimeFigureOut">
               <a:rPr lang="en-US" smtClean="0"/>
               <a:pPr/>
-              <a:t>11/20/2020</a:t>
+              <a:t>2/10/2021</a:t>
             </a:fld>
             <a:endParaRPr lang="en-US"/>
           </a:p>
@@ -1349,7 +1349,7 @@
             <a:fld id="{FC1CDCF1-4E21-40C1-A671-415100C2C105}" type="datetimeFigureOut">
               <a:rPr lang="en-US" smtClean="0"/>
               <a:pPr/>
-              <a:t>11/20/2020</a:t>
+              <a:t>2/10/2021</a:t>
             </a:fld>
             <a:endParaRPr lang="en-US"/>
           </a:p>
@@ -1768,7 +1768,7 @@
             <a:fld id="{FC1CDCF1-4E21-40C1-A671-415100C2C105}" type="datetimeFigureOut">
               <a:rPr lang="en-US" smtClean="0"/>
               <a:pPr/>
-              <a:t>11/20/2020</a:t>
+              <a:t>2/10/2021</a:t>
             </a:fld>
             <a:endParaRPr lang="en-US"/>
           </a:p>
@@ -1883,7 +1883,7 @@
             <a:fld id="{FC1CDCF1-4E21-40C1-A671-415100C2C105}" type="datetimeFigureOut">
               <a:rPr lang="en-US" smtClean="0"/>
               <a:pPr/>
-              <a:t>11/20/2020</a:t>
+              <a:t>2/10/2021</a:t>
             </a:fld>
             <a:endParaRPr lang="en-US"/>
           </a:p>
@@ -1975,7 +1975,7 @@
             <a:fld id="{FC1CDCF1-4E21-40C1-A671-415100C2C105}" type="datetimeFigureOut">
               <a:rPr lang="en-US" smtClean="0"/>
               <a:pPr/>
-              <a:t>11/20/2020</a:t>
+              <a:t>2/10/2021</a:t>
             </a:fld>
             <a:endParaRPr lang="en-US"/>
           </a:p>
@@ -2249,7 +2249,7 @@
             <a:fld id="{FC1CDCF1-4E21-40C1-A671-415100C2C105}" type="datetimeFigureOut">
               <a:rPr lang="en-US" smtClean="0"/>
               <a:pPr/>
-              <a:t>11/20/2020</a:t>
+              <a:t>2/10/2021</a:t>
             </a:fld>
             <a:endParaRPr lang="en-US"/>
           </a:p>
@@ -2503,7 +2503,7 @@
             <a:fld id="{FC1CDCF1-4E21-40C1-A671-415100C2C105}" type="datetimeFigureOut">
               <a:rPr lang="en-US" smtClean="0"/>
               <a:pPr/>
-              <a:t>11/20/2020</a:t>
+              <a:t>2/10/2021</a:t>
             </a:fld>
             <a:endParaRPr lang="en-US"/>
           </a:p>
@@ -2718,7 +2718,7 @@
             <a:fld id="{FC1CDCF1-4E21-40C1-A671-415100C2C105}" type="datetimeFigureOut">
               <a:rPr lang="en-US" smtClean="0"/>
               <a:pPr/>
-              <a:t>11/20/2020</a:t>
+              <a:t>2/10/2021</a:t>
             </a:fld>
             <a:endParaRPr lang="en-US"/>
           </a:p>
@@ -3126,24 +3126,7 @@
                 <a:latin typeface="微軟正黑體" pitchFamily="34" charset="-120"/>
                 <a:ea typeface="微軟正黑體" pitchFamily="34" charset="-120"/>
               </a:rPr>
-              <a:t>歡</a:t>
-            </a:r>
-            <a:r>
-              <a:rPr lang="zh-TW" altLang="en-US" sz="7200" b="1" i="1" dirty="0">
-                <a:solidFill>
-                  <a:srgbClr val="000066"/>
-                </a:solidFill>
-                <a:effectLst>
-                  <a:outerShdw blurRad="38100" dist="38100" dir="2700000" algn="tl">
-                    <a:srgbClr val="000000">
-                      <a:alpha val="43137"/>
-                    </a:srgbClr>
-                  </a:outerShdw>
-                </a:effectLst>
-                <a:latin typeface="微軟正黑體" pitchFamily="34" charset="-120"/>
-                <a:ea typeface="微軟正黑體" pitchFamily="34" charset="-120"/>
-              </a:rPr>
-              <a:t>欣</a:t>
+              <a:t>歡欣</a:t>
             </a:r>
           </a:p>
         </p:txBody>
@@ -3226,7 +3209,47 @@
                 <a:latin typeface="微軟正黑體" pitchFamily="34" charset="-120"/>
                 <a:ea typeface="微軟正黑體" pitchFamily="34" charset="-120"/>
               </a:rPr>
-              <a:t>讚頌你賜下慈愛</a:t>
+              <a:t>讚</a:t>
+            </a:r>
+            <a:r>
+              <a:rPr lang="zh-TW" altLang="en-US" sz="6400" b="1" dirty="0" smtClean="0">
+                <a:solidFill>
+                  <a:srgbClr val="000066"/>
+                </a:solidFill>
+                <a:latin typeface="微軟正黑體" pitchFamily="34" charset="-120"/>
+                <a:ea typeface="微軟正黑體" pitchFamily="34" charset="-120"/>
+              </a:rPr>
+              <a:t>頌</a:t>
+            </a:r>
+            <a:r>
+              <a:rPr lang="zh-CN" altLang="en-US" sz="6400" b="1" smtClean="0">
+                <a:solidFill>
+                  <a:srgbClr val="000066"/>
+                </a:solidFill>
+                <a:latin typeface="微軟正黑體" pitchFamily="34" charset="-120"/>
+                <a:ea typeface="微軟正黑體" pitchFamily="34" charset="-120"/>
+              </a:rPr>
+              <a:t>袮</a:t>
+            </a:r>
+            <a:r>
+              <a:rPr lang="zh-TW" altLang="en-US" sz="6400" b="1" smtClean="0">
+                <a:solidFill>
+                  <a:srgbClr val="000066"/>
+                </a:solidFill>
+                <a:latin typeface="微軟正黑體" pitchFamily="34" charset="-120"/>
+                <a:ea typeface="微軟正黑體" pitchFamily="34" charset="-120"/>
+              </a:rPr>
+              <a:t>賜</a:t>
+            </a:r>
+            <a:r>
+              <a:rPr lang="zh-TW" altLang="en-US" sz="6400" b="1" dirty="0">
+                <a:solidFill>
+                  <a:srgbClr val="000066"/>
+                </a:solidFill>
+                <a:latin typeface="微軟正黑體" pitchFamily="34" charset="-120"/>
+                <a:ea typeface="微軟正黑體" pitchFamily="34" charset="-120"/>
+              </a:rPr>
+              <a:t>下慈愛</a:t>
             </a:r>
             <a:r>
               <a:rPr lang="en-US" altLang="zh-TW" sz="6400" b="1" dirty="0">

--- a/歡欣.pptx
+++ b/歡欣.pptx
@@ -310,7 +310,7 @@
             <a:fld id="{FC1CDCF1-4E21-40C1-A671-415100C2C105}" type="datetimeFigureOut">
               <a:rPr lang="en-US" smtClean="0"/>
               <a:pPr/>
-              <a:t>2/10/2021</a:t>
+              <a:t>1/7/2022</a:t>
             </a:fld>
             <a:endParaRPr lang="en-US"/>
           </a:p>
@@ -477,7 +477,7 @@
             <a:fld id="{FC1CDCF1-4E21-40C1-A671-415100C2C105}" type="datetimeFigureOut">
               <a:rPr lang="en-US" smtClean="0"/>
               <a:pPr/>
-              <a:t>2/10/2021</a:t>
+              <a:t>1/7/2022</a:t>
             </a:fld>
             <a:endParaRPr lang="en-US"/>
           </a:p>
@@ -654,7 +654,7 @@
             <a:fld id="{FC1CDCF1-4E21-40C1-A671-415100C2C105}" type="datetimeFigureOut">
               <a:rPr lang="en-US" smtClean="0"/>
               <a:pPr/>
-              <a:t>2/10/2021</a:t>
+              <a:t>1/7/2022</a:t>
             </a:fld>
             <a:endParaRPr lang="en-US"/>
           </a:p>
@@ -821,7 +821,7 @@
             <a:fld id="{FC1CDCF1-4E21-40C1-A671-415100C2C105}" type="datetimeFigureOut">
               <a:rPr lang="en-US" smtClean="0"/>
               <a:pPr/>
-              <a:t>2/10/2021</a:t>
+              <a:t>1/7/2022</a:t>
             </a:fld>
             <a:endParaRPr lang="en-US"/>
           </a:p>
@@ -1064,7 +1064,7 @@
             <a:fld id="{FC1CDCF1-4E21-40C1-A671-415100C2C105}" type="datetimeFigureOut">
               <a:rPr lang="en-US" smtClean="0"/>
               <a:pPr/>
-              <a:t>2/10/2021</a:t>
+              <a:t>1/7/2022</a:t>
             </a:fld>
             <a:endParaRPr lang="en-US"/>
           </a:p>
@@ -1349,7 +1349,7 @@
             <a:fld id="{FC1CDCF1-4E21-40C1-A671-415100C2C105}" type="datetimeFigureOut">
               <a:rPr lang="en-US" smtClean="0"/>
               <a:pPr/>
-              <a:t>2/10/2021</a:t>
+              <a:t>1/7/2022</a:t>
             </a:fld>
             <a:endParaRPr lang="en-US"/>
           </a:p>
@@ -1768,7 +1768,7 @@
             <a:fld id="{FC1CDCF1-4E21-40C1-A671-415100C2C105}" type="datetimeFigureOut">
               <a:rPr lang="en-US" smtClean="0"/>
               <a:pPr/>
-              <a:t>2/10/2021</a:t>
+              <a:t>1/7/2022</a:t>
             </a:fld>
             <a:endParaRPr lang="en-US"/>
           </a:p>
@@ -1883,7 +1883,7 @@
             <a:fld id="{FC1CDCF1-4E21-40C1-A671-415100C2C105}" type="datetimeFigureOut">
               <a:rPr lang="en-US" smtClean="0"/>
               <a:pPr/>
-              <a:t>2/10/2021</a:t>
+              <a:t>1/7/2022</a:t>
             </a:fld>
             <a:endParaRPr lang="en-US"/>
           </a:p>
@@ -1975,7 +1975,7 @@
             <a:fld id="{FC1CDCF1-4E21-40C1-A671-415100C2C105}" type="datetimeFigureOut">
               <a:rPr lang="en-US" smtClean="0"/>
               <a:pPr/>
-              <a:t>2/10/2021</a:t>
+              <a:t>1/7/2022</a:t>
             </a:fld>
             <a:endParaRPr lang="en-US"/>
           </a:p>
@@ -2249,7 +2249,7 @@
             <a:fld id="{FC1CDCF1-4E21-40C1-A671-415100C2C105}" type="datetimeFigureOut">
               <a:rPr lang="en-US" smtClean="0"/>
               <a:pPr/>
-              <a:t>2/10/2021</a:t>
+              <a:t>1/7/2022</a:t>
             </a:fld>
             <a:endParaRPr lang="en-US"/>
           </a:p>
@@ -2503,7 +2503,7 @@
             <a:fld id="{FC1CDCF1-4E21-40C1-A671-415100C2C105}" type="datetimeFigureOut">
               <a:rPr lang="en-US" smtClean="0"/>
               <a:pPr/>
-              <a:t>2/10/2021</a:t>
+              <a:t>1/7/2022</a:t>
             </a:fld>
             <a:endParaRPr lang="en-US"/>
           </a:p>
@@ -2718,7 +2718,7 @@
             <a:fld id="{FC1CDCF1-4E21-40C1-A671-415100C2C105}" type="datetimeFigureOut">
               <a:rPr lang="en-US" smtClean="0"/>
               <a:pPr/>
-              <a:t>2/10/2021</a:t>
+              <a:t>1/7/2022</a:t>
             </a:fld>
             <a:endParaRPr lang="en-US"/>
           </a:p>
@@ -3101,7 +3101,7 @@
         </p:nvSpPr>
         <p:spPr>
           <a:xfrm>
-            <a:off x="0" y="2857513"/>
+            <a:off x="0" y="2743200"/>
             <a:ext cx="12192000" cy="1143000"/>
           </a:xfrm>
         </p:spPr>

--- a/歡欣.pptx
+++ b/歡欣.pptx
@@ -8,9 +8,32 @@
     <p:sldId id="256" r:id="rId2"/>
     <p:sldId id="257" r:id="rId3"/>
     <p:sldId id="258" r:id="rId4"/>
-    <p:sldId id="259" r:id="rId5"/>
-    <p:sldId id="260" r:id="rId6"/>
-    <p:sldId id="261" r:id="rId7"/>
+    <p:sldId id="263" r:id="rId5"/>
+    <p:sldId id="273" r:id="rId6"/>
+    <p:sldId id="274" r:id="rId7"/>
+    <p:sldId id="275" r:id="rId8"/>
+    <p:sldId id="264" r:id="rId9"/>
+    <p:sldId id="260" r:id="rId10"/>
+    <p:sldId id="267" r:id="rId11"/>
+    <p:sldId id="272" r:id="rId12"/>
+    <p:sldId id="268" r:id="rId13"/>
+    <p:sldId id="270" r:id="rId14"/>
+    <p:sldId id="271" r:id="rId15"/>
+    <p:sldId id="276" r:id="rId16"/>
+    <p:sldId id="277" r:id="rId17"/>
+    <p:sldId id="278" r:id="rId18"/>
+    <p:sldId id="279" r:id="rId19"/>
+    <p:sldId id="280" r:id="rId20"/>
+    <p:sldId id="281" r:id="rId21"/>
+    <p:sldId id="282" r:id="rId22"/>
+    <p:sldId id="283" r:id="rId23"/>
+    <p:sldId id="284" r:id="rId24"/>
+    <p:sldId id="285" r:id="rId25"/>
+    <p:sldId id="286" r:id="rId26"/>
+    <p:sldId id="287" r:id="rId27"/>
+    <p:sldId id="288" r:id="rId28"/>
+    <p:sldId id="289" r:id="rId29"/>
+    <p:sldId id="290" r:id="rId30"/>
   </p:sldIdLst>
   <p:sldSz cx="12192000" cy="6858000"/>
   <p:notesSz cx="6858000" cy="9144000"/>
@@ -111,7 +134,7 @@
   </p:defaultTextStyle>
   <p:extLst>
     <p:ext uri="{EFAFB233-063F-42B5-8137-9DF3F51BA10A}">
-      <p15:sldGuideLst xmlns:p15="http://schemas.microsoft.com/office/powerpoint/2012/main">
+      <p15:sldGuideLst xmlns:p15="http://schemas.microsoft.com/office/powerpoint/2012/main" xmlns="">
         <p15:guide id="1" orient="horz" pos="2160" userDrawn="1">
           <p15:clr>
             <a:srgbClr val="A4A3A4"/>
@@ -310,7 +333,7 @@
             <a:fld id="{FC1CDCF1-4E21-40C1-A671-415100C2C105}" type="datetimeFigureOut">
               <a:rPr lang="en-US" smtClean="0"/>
               <a:pPr/>
-              <a:t>1/7/2022</a:t>
+              <a:t>4/11/2023</a:t>
             </a:fld>
             <a:endParaRPr lang="en-US"/>
           </a:p>
@@ -477,7 +500,7 @@
             <a:fld id="{FC1CDCF1-4E21-40C1-A671-415100C2C105}" type="datetimeFigureOut">
               <a:rPr lang="en-US" smtClean="0"/>
               <a:pPr/>
-              <a:t>1/7/2022</a:t>
+              <a:t>4/11/2023</a:t>
             </a:fld>
             <a:endParaRPr lang="en-US"/>
           </a:p>
@@ -654,7 +677,7 @@
             <a:fld id="{FC1CDCF1-4E21-40C1-A671-415100C2C105}" type="datetimeFigureOut">
               <a:rPr lang="en-US" smtClean="0"/>
               <a:pPr/>
-              <a:t>1/7/2022</a:t>
+              <a:t>4/11/2023</a:t>
             </a:fld>
             <a:endParaRPr lang="en-US"/>
           </a:p>
@@ -821,7 +844,7 @@
             <a:fld id="{FC1CDCF1-4E21-40C1-A671-415100C2C105}" type="datetimeFigureOut">
               <a:rPr lang="en-US" smtClean="0"/>
               <a:pPr/>
-              <a:t>1/7/2022</a:t>
+              <a:t>4/11/2023</a:t>
             </a:fld>
             <a:endParaRPr lang="en-US"/>
           </a:p>
@@ -1064,7 +1087,7 @@
             <a:fld id="{FC1CDCF1-4E21-40C1-A671-415100C2C105}" type="datetimeFigureOut">
               <a:rPr lang="en-US" smtClean="0"/>
               <a:pPr/>
-              <a:t>1/7/2022</a:t>
+              <a:t>4/11/2023</a:t>
             </a:fld>
             <a:endParaRPr lang="en-US"/>
           </a:p>
@@ -1349,7 +1372,7 @@
             <a:fld id="{FC1CDCF1-4E21-40C1-A671-415100C2C105}" type="datetimeFigureOut">
               <a:rPr lang="en-US" smtClean="0"/>
               <a:pPr/>
-              <a:t>1/7/2022</a:t>
+              <a:t>4/11/2023</a:t>
             </a:fld>
             <a:endParaRPr lang="en-US"/>
           </a:p>
@@ -1768,7 +1791,7 @@
             <a:fld id="{FC1CDCF1-4E21-40C1-A671-415100C2C105}" type="datetimeFigureOut">
               <a:rPr lang="en-US" smtClean="0"/>
               <a:pPr/>
-              <a:t>1/7/2022</a:t>
+              <a:t>4/11/2023</a:t>
             </a:fld>
             <a:endParaRPr lang="en-US"/>
           </a:p>
@@ -1883,7 +1906,7 @@
             <a:fld id="{FC1CDCF1-4E21-40C1-A671-415100C2C105}" type="datetimeFigureOut">
               <a:rPr lang="en-US" smtClean="0"/>
               <a:pPr/>
-              <a:t>1/7/2022</a:t>
+              <a:t>4/11/2023</a:t>
             </a:fld>
             <a:endParaRPr lang="en-US"/>
           </a:p>
@@ -1975,7 +1998,7 @@
             <a:fld id="{FC1CDCF1-4E21-40C1-A671-415100C2C105}" type="datetimeFigureOut">
               <a:rPr lang="en-US" smtClean="0"/>
               <a:pPr/>
-              <a:t>1/7/2022</a:t>
+              <a:t>4/11/2023</a:t>
             </a:fld>
             <a:endParaRPr lang="en-US"/>
           </a:p>
@@ -2249,7 +2272,7 @@
             <a:fld id="{FC1CDCF1-4E21-40C1-A671-415100C2C105}" type="datetimeFigureOut">
               <a:rPr lang="en-US" smtClean="0"/>
               <a:pPr/>
-              <a:t>1/7/2022</a:t>
+              <a:t>4/11/2023</a:t>
             </a:fld>
             <a:endParaRPr lang="en-US"/>
           </a:p>
@@ -2503,7 +2526,7 @@
             <a:fld id="{FC1CDCF1-4E21-40C1-A671-415100C2C105}" type="datetimeFigureOut">
               <a:rPr lang="en-US" smtClean="0"/>
               <a:pPr/>
-              <a:t>1/7/2022</a:t>
+              <a:t>4/11/2023</a:t>
             </a:fld>
             <a:endParaRPr lang="en-US"/>
           </a:p>
@@ -2718,7 +2741,7 @@
             <a:fld id="{FC1CDCF1-4E21-40C1-A671-415100C2C105}" type="datetimeFigureOut">
               <a:rPr lang="en-US" smtClean="0"/>
               <a:pPr/>
-              <a:t>1/7/2022</a:t>
+              <a:t>4/11/2023</a:t>
             </a:fld>
             <a:endParaRPr lang="en-US"/>
           </a:p>
@@ -3134,7 +3157,1277 @@
     </p:spTree>
     <p:extLst>
       <p:ext uri="{BB962C8B-B14F-4D97-AF65-F5344CB8AC3E}">
-        <p14:creationId xmlns:p14="http://schemas.microsoft.com/office/powerpoint/2010/main" val="3880030860"/>
+        <p14:creationId xmlns:p14="http://schemas.microsoft.com/office/powerpoint/2010/main" xmlns="" val="3880030860"/>
+      </p:ext>
+    </p:extLst>
+  </p:cSld>
+  <p:clrMapOvr>
+    <a:masterClrMapping/>
+  </p:clrMapOvr>
+  <p:timing>
+    <p:tnLst>
+      <p:par>
+        <p:cTn id="1" dur="indefinite" restart="never" nodeType="tmRoot"/>
+      </p:par>
+    </p:tnLst>
+  </p:timing>
+</p:sld>
+</file>
+
+<file path=ppt/slides/slide10.xml><?xml version="1.0" encoding="utf-8"?>
+<p:sld xmlns:a="http://schemas.openxmlformats.org/drawingml/2006/main" xmlns:r="http://schemas.openxmlformats.org/officeDocument/2006/relationships" xmlns:p="http://schemas.openxmlformats.org/presentationml/2006/main">
+  <p:cSld>
+    <p:spTree>
+      <p:nvGrpSpPr>
+        <p:cNvPr id="1" name=""/>
+        <p:cNvGrpSpPr/>
+        <p:nvPr/>
+      </p:nvGrpSpPr>
+      <p:grpSpPr>
+        <a:xfrm>
+          <a:off x="0" y="0"/>
+          <a:ext cx="0" cy="0"/>
+          <a:chOff x="0" y="0"/>
+          <a:chExt cx="0" cy="0"/>
+        </a:xfrm>
+      </p:grpSpPr>
+      <p:sp>
+        <p:nvSpPr>
+          <p:cNvPr id="5" name="內容版面配置區 4"/>
+          <p:cNvSpPr>
+            <a:spLocks noGrp="1"/>
+          </p:cNvSpPr>
+          <p:nvPr>
+            <p:ph idx="1"/>
+          </p:nvPr>
+        </p:nvSpPr>
+        <p:spPr>
+          <a:xfrm>
+            <a:off x="0" y="2084851"/>
+            <a:ext cx="12192000" cy="2404863"/>
+          </a:xfrm>
+        </p:spPr>
+        <p:txBody>
+          <a:bodyPr anchor="ctr">
+            <a:normAutofit/>
+          </a:bodyPr>
+          <a:lstStyle/>
+          <a:p>
+            <a:pPr algn="ctr">
+              <a:buNone/>
+            </a:pPr>
+            <a:r>
+              <a:rPr lang="zh-TW" altLang="en-US" sz="6400" b="1" dirty="0">
+                <a:solidFill>
+                  <a:srgbClr val="000066"/>
+                </a:solidFill>
+                <a:latin typeface="微軟正黑體" pitchFamily="34" charset="-120"/>
+                <a:ea typeface="微軟正黑體" pitchFamily="34" charset="-120"/>
+              </a:rPr>
+              <a:t>皆因主手曾為我顯深恩</a:t>
+            </a:r>
+            <a:endParaRPr lang="en-US" altLang="zh-TW" sz="6400" b="1" dirty="0">
+              <a:solidFill>
+                <a:srgbClr val="000066"/>
+              </a:solidFill>
+              <a:latin typeface="微軟正黑體" pitchFamily="34" charset="-120"/>
+              <a:ea typeface="微軟正黑體" pitchFamily="34" charset="-120"/>
+            </a:endParaRPr>
+          </a:p>
+        </p:txBody>
+      </p:sp>
+    </p:spTree>
+    <p:extLst>
+      <p:ext uri="{BB962C8B-B14F-4D97-AF65-F5344CB8AC3E}">
+        <p14:creationId xmlns:p14="http://schemas.microsoft.com/office/powerpoint/2010/main" xmlns="" val="270079815"/>
+      </p:ext>
+    </p:extLst>
+  </p:cSld>
+  <p:clrMapOvr>
+    <a:masterClrMapping/>
+  </p:clrMapOvr>
+</p:sld>
+</file>
+
+<file path=ppt/slides/slide11.xml><?xml version="1.0" encoding="utf-8"?>
+<p:sld xmlns:a="http://schemas.openxmlformats.org/drawingml/2006/main" xmlns:r="http://schemas.openxmlformats.org/officeDocument/2006/relationships" xmlns:p="http://schemas.openxmlformats.org/presentationml/2006/main">
+  <p:cSld>
+    <p:spTree>
+      <p:nvGrpSpPr>
+        <p:cNvPr id="1" name=""/>
+        <p:cNvGrpSpPr/>
+        <p:nvPr/>
+      </p:nvGrpSpPr>
+      <p:grpSpPr>
+        <a:xfrm>
+          <a:off x="0" y="0"/>
+          <a:ext cx="0" cy="0"/>
+          <a:chOff x="0" y="0"/>
+          <a:chExt cx="0" cy="0"/>
+        </a:xfrm>
+      </p:grpSpPr>
+      <p:sp>
+        <p:nvSpPr>
+          <p:cNvPr id="5" name="內容版面配置區 4"/>
+          <p:cNvSpPr>
+            <a:spLocks noGrp="1"/>
+          </p:cNvSpPr>
+          <p:nvPr>
+            <p:ph idx="1"/>
+          </p:nvPr>
+        </p:nvSpPr>
+        <p:spPr>
+          <a:xfrm>
+            <a:off x="0" y="2084851"/>
+            <a:ext cx="12192000" cy="2404863"/>
+          </a:xfrm>
+        </p:spPr>
+        <p:txBody>
+          <a:bodyPr anchor="ctr">
+            <a:normAutofit/>
+          </a:bodyPr>
+          <a:lstStyle/>
+          <a:p>
+            <a:pPr algn="ctr">
+              <a:buNone/>
+            </a:pPr>
+            <a:r>
+              <a:rPr lang="zh-TW" altLang="en-US" sz="6400" b="1" dirty="0">
+                <a:solidFill>
+                  <a:srgbClr val="000066"/>
+                </a:solidFill>
+                <a:latin typeface="微軟正黑體" pitchFamily="34" charset="-120"/>
+                <a:ea typeface="微軟正黑體" pitchFamily="34" charset="-120"/>
+              </a:rPr>
+              <a:t>今天心中剛強無懼怕</a:t>
+            </a:r>
+            <a:endParaRPr lang="en-US" altLang="zh-TW" sz="6400" b="1" dirty="0">
+              <a:solidFill>
+                <a:srgbClr val="000066"/>
+              </a:solidFill>
+              <a:latin typeface="微軟正黑體" pitchFamily="34" charset="-120"/>
+              <a:ea typeface="微軟正黑體" pitchFamily="34" charset="-120"/>
+            </a:endParaRPr>
+          </a:p>
+          <a:p>
+            <a:pPr algn="ctr">
+              <a:buNone/>
+            </a:pPr>
+            <a:r>
+              <a:rPr lang="zh-TW" altLang="en-US" sz="6400" b="1" dirty="0">
+                <a:solidFill>
+                  <a:srgbClr val="000066"/>
+                </a:solidFill>
+                <a:latin typeface="微軟正黑體" pitchFamily="34" charset="-120"/>
+                <a:ea typeface="微軟正黑體" pitchFamily="34" charset="-120"/>
+              </a:rPr>
+              <a:t>主的豐盛滿一生</a:t>
+            </a:r>
+            <a:endParaRPr lang="en-US" altLang="zh-TW" sz="6400" b="1" dirty="0">
+              <a:solidFill>
+                <a:srgbClr val="000066"/>
+              </a:solidFill>
+              <a:latin typeface="微軟正黑體" pitchFamily="34" charset="-120"/>
+              <a:ea typeface="微軟正黑體" pitchFamily="34" charset="-120"/>
+            </a:endParaRPr>
+          </a:p>
+        </p:txBody>
+      </p:sp>
+    </p:spTree>
+    <p:extLst>
+      <p:ext uri="{BB962C8B-B14F-4D97-AF65-F5344CB8AC3E}">
+        <p14:creationId xmlns:p14="http://schemas.microsoft.com/office/powerpoint/2010/main" xmlns="" val="1936072225"/>
+      </p:ext>
+    </p:extLst>
+  </p:cSld>
+  <p:clrMapOvr>
+    <a:masterClrMapping/>
+  </p:clrMapOvr>
+</p:sld>
+</file>
+
+<file path=ppt/slides/slide12.xml><?xml version="1.0" encoding="utf-8"?>
+<p:sld xmlns:a="http://schemas.openxmlformats.org/drawingml/2006/main" xmlns:r="http://schemas.openxmlformats.org/officeDocument/2006/relationships" xmlns:p="http://schemas.openxmlformats.org/presentationml/2006/main">
+  <p:cSld>
+    <p:spTree>
+      <p:nvGrpSpPr>
+        <p:cNvPr id="1" name=""/>
+        <p:cNvGrpSpPr/>
+        <p:nvPr/>
+      </p:nvGrpSpPr>
+      <p:grpSpPr>
+        <a:xfrm>
+          <a:off x="0" y="0"/>
+          <a:ext cx="0" cy="0"/>
+          <a:chOff x="0" y="0"/>
+          <a:chExt cx="0" cy="0"/>
+        </a:xfrm>
+      </p:grpSpPr>
+      <p:sp>
+        <p:nvSpPr>
+          <p:cNvPr id="5" name="內容版面配置區 4"/>
+          <p:cNvSpPr>
+            <a:spLocks noGrp="1"/>
+          </p:cNvSpPr>
+          <p:nvPr>
+            <p:ph idx="1"/>
+          </p:nvPr>
+        </p:nvSpPr>
+        <p:spPr>
+          <a:xfrm>
+            <a:off x="0" y="2084851"/>
+            <a:ext cx="12192000" cy="2404863"/>
+          </a:xfrm>
+        </p:spPr>
+        <p:txBody>
+          <a:bodyPr anchor="ctr">
+            <a:normAutofit/>
+          </a:bodyPr>
+          <a:lstStyle/>
+          <a:p>
+            <a:pPr algn="ctr">
+              <a:buNone/>
+            </a:pPr>
+            <a:r>
+              <a:rPr lang="zh-TW" altLang="en-US" sz="6400" b="1" dirty="0">
+                <a:solidFill>
+                  <a:srgbClr val="000066"/>
+                </a:solidFill>
+                <a:latin typeface="微軟正黑體" pitchFamily="34" charset="-120"/>
+                <a:ea typeface="微軟正黑體" pitchFamily="34" charset="-120"/>
+              </a:rPr>
+              <a:t>皆因主手曾為我顯深恩</a:t>
+            </a:r>
+            <a:endParaRPr lang="en-US" altLang="zh-TW" sz="6400" b="1" dirty="0">
+              <a:solidFill>
+                <a:srgbClr val="000066"/>
+              </a:solidFill>
+              <a:latin typeface="微軟正黑體" pitchFamily="34" charset="-120"/>
+              <a:ea typeface="微軟正黑體" pitchFamily="34" charset="-120"/>
+            </a:endParaRPr>
+          </a:p>
+          <a:p>
+            <a:pPr algn="ctr">
+              <a:buNone/>
+            </a:pPr>
+            <a:r>
+              <a:rPr lang="zh-TW" altLang="en-US" sz="6400" b="1" dirty="0">
+                <a:solidFill>
+                  <a:srgbClr val="000066"/>
+                </a:solidFill>
+                <a:latin typeface="微軟正黑體" pitchFamily="34" charset="-120"/>
+                <a:ea typeface="微軟正黑體" pitchFamily="34" charset="-120"/>
+              </a:rPr>
+              <a:t>讚美</a:t>
+            </a:r>
+          </a:p>
+        </p:txBody>
+      </p:sp>
+    </p:spTree>
+    <p:extLst>
+      <p:ext uri="{BB962C8B-B14F-4D97-AF65-F5344CB8AC3E}">
+        <p14:creationId xmlns:p14="http://schemas.microsoft.com/office/powerpoint/2010/main" xmlns="" val="3812513869"/>
+      </p:ext>
+    </p:extLst>
+  </p:cSld>
+  <p:clrMapOvr>
+    <a:masterClrMapping/>
+  </p:clrMapOvr>
+</p:sld>
+</file>
+
+<file path=ppt/slides/slide13.xml><?xml version="1.0" encoding="utf-8"?>
+<p:sld xmlns:a="http://schemas.openxmlformats.org/drawingml/2006/main" xmlns:r="http://schemas.openxmlformats.org/officeDocument/2006/relationships" xmlns:p="http://schemas.openxmlformats.org/presentationml/2006/main">
+  <p:cSld>
+    <p:spTree>
+      <p:nvGrpSpPr>
+        <p:cNvPr id="1" name=""/>
+        <p:cNvGrpSpPr/>
+        <p:nvPr/>
+      </p:nvGrpSpPr>
+      <p:grpSpPr>
+        <a:xfrm>
+          <a:off x="0" y="0"/>
+          <a:ext cx="0" cy="0"/>
+          <a:chOff x="0" y="0"/>
+          <a:chExt cx="0" cy="0"/>
+        </a:xfrm>
+      </p:grpSpPr>
+      <p:sp>
+        <p:nvSpPr>
+          <p:cNvPr id="5" name="內容版面配置區 4"/>
+          <p:cNvSpPr>
+            <a:spLocks noGrp="1"/>
+          </p:cNvSpPr>
+          <p:nvPr>
+            <p:ph idx="1"/>
+          </p:nvPr>
+        </p:nvSpPr>
+        <p:spPr>
+          <a:xfrm>
+            <a:off x="0" y="2084851"/>
+            <a:ext cx="12192000" cy="2404863"/>
+          </a:xfrm>
+        </p:spPr>
+        <p:txBody>
+          <a:bodyPr anchor="ctr">
+            <a:normAutofit/>
+          </a:bodyPr>
+          <a:lstStyle/>
+          <a:p>
+            <a:pPr algn="ctr">
+              <a:buNone/>
+            </a:pPr>
+            <a:r>
+              <a:rPr lang="zh-TW" altLang="en-US" sz="6400" b="1" dirty="0">
+                <a:solidFill>
+                  <a:srgbClr val="000066"/>
+                </a:solidFill>
+                <a:latin typeface="微軟正黑體" pitchFamily="34" charset="-120"/>
+                <a:ea typeface="微軟正黑體" pitchFamily="34" charset="-120"/>
+              </a:rPr>
+              <a:t>今天心中剛強無懼怕</a:t>
+            </a:r>
+            <a:endParaRPr lang="en-US" altLang="zh-TW" sz="6400" b="1" dirty="0">
+              <a:solidFill>
+                <a:srgbClr val="000066"/>
+              </a:solidFill>
+              <a:latin typeface="微軟正黑體" pitchFamily="34" charset="-120"/>
+              <a:ea typeface="微軟正黑體" pitchFamily="34" charset="-120"/>
+            </a:endParaRPr>
+          </a:p>
+          <a:p>
+            <a:pPr algn="ctr">
+              <a:buNone/>
+            </a:pPr>
+            <a:r>
+              <a:rPr lang="zh-TW" altLang="en-US" sz="6400" b="1" dirty="0">
+                <a:solidFill>
+                  <a:srgbClr val="000066"/>
+                </a:solidFill>
+                <a:latin typeface="微軟正黑體" pitchFamily="34" charset="-120"/>
+                <a:ea typeface="微軟正黑體" pitchFamily="34" charset="-120"/>
+              </a:rPr>
+              <a:t>主的豐盛滿一生</a:t>
+            </a:r>
+            <a:endParaRPr lang="en-US" altLang="zh-TW" sz="6400" b="1" dirty="0">
+              <a:solidFill>
+                <a:srgbClr val="000066"/>
+              </a:solidFill>
+              <a:latin typeface="微軟正黑體" pitchFamily="34" charset="-120"/>
+              <a:ea typeface="微軟正黑體" pitchFamily="34" charset="-120"/>
+            </a:endParaRPr>
+          </a:p>
+        </p:txBody>
+      </p:sp>
+    </p:spTree>
+    <p:extLst>
+      <p:ext uri="{BB962C8B-B14F-4D97-AF65-F5344CB8AC3E}">
+        <p14:creationId xmlns:p14="http://schemas.microsoft.com/office/powerpoint/2010/main" xmlns="" val="3373994150"/>
+      </p:ext>
+    </p:extLst>
+  </p:cSld>
+  <p:clrMapOvr>
+    <a:masterClrMapping/>
+  </p:clrMapOvr>
+</p:sld>
+</file>
+
+<file path=ppt/slides/slide14.xml><?xml version="1.0" encoding="utf-8"?>
+<p:sld xmlns:a="http://schemas.openxmlformats.org/drawingml/2006/main" xmlns:r="http://schemas.openxmlformats.org/officeDocument/2006/relationships" xmlns:p="http://schemas.openxmlformats.org/presentationml/2006/main">
+  <p:cSld>
+    <p:spTree>
+      <p:nvGrpSpPr>
+        <p:cNvPr id="1" name=""/>
+        <p:cNvGrpSpPr/>
+        <p:nvPr/>
+      </p:nvGrpSpPr>
+      <p:grpSpPr>
+        <a:xfrm>
+          <a:off x="0" y="0"/>
+          <a:ext cx="0" cy="0"/>
+          <a:chOff x="0" y="0"/>
+          <a:chExt cx="0" cy="0"/>
+        </a:xfrm>
+      </p:grpSpPr>
+      <p:sp>
+        <p:nvSpPr>
+          <p:cNvPr id="5" name="內容版面配置區 4"/>
+          <p:cNvSpPr>
+            <a:spLocks noGrp="1"/>
+          </p:cNvSpPr>
+          <p:nvPr>
+            <p:ph idx="1"/>
+          </p:nvPr>
+        </p:nvSpPr>
+        <p:spPr>
+          <a:xfrm>
+            <a:off x="0" y="2084851"/>
+            <a:ext cx="12192000" cy="2404863"/>
+          </a:xfrm>
+        </p:spPr>
+        <p:txBody>
+          <a:bodyPr anchor="ctr">
+            <a:normAutofit/>
+          </a:bodyPr>
+          <a:lstStyle/>
+          <a:p>
+            <a:pPr algn="ctr">
+              <a:buNone/>
+            </a:pPr>
+            <a:r>
+              <a:rPr lang="zh-TW" altLang="en-US" sz="6400" b="1" dirty="0">
+                <a:solidFill>
+                  <a:srgbClr val="000066"/>
+                </a:solidFill>
+                <a:latin typeface="微軟正黑體" pitchFamily="34" charset="-120"/>
+                <a:ea typeface="微軟正黑體" pitchFamily="34" charset="-120"/>
+              </a:rPr>
+              <a:t>皆因主手曾為我顯深恩</a:t>
+            </a:r>
+            <a:endParaRPr lang="en-US" altLang="zh-TW" sz="6400" b="1" dirty="0">
+              <a:solidFill>
+                <a:srgbClr val="000066"/>
+              </a:solidFill>
+              <a:latin typeface="微軟正黑體" pitchFamily="34" charset="-120"/>
+              <a:ea typeface="微軟正黑體" pitchFamily="34" charset="-120"/>
+            </a:endParaRPr>
+          </a:p>
+          <a:p>
+            <a:pPr algn="ctr">
+              <a:buNone/>
+            </a:pPr>
+            <a:r>
+              <a:rPr lang="zh-TW" altLang="en-US" sz="6400" b="1" dirty="0">
+                <a:solidFill>
+                  <a:srgbClr val="000066"/>
+                </a:solidFill>
+                <a:latin typeface="微軟正黑體" pitchFamily="34" charset="-120"/>
+                <a:ea typeface="微軟正黑體" pitchFamily="34" charset="-120"/>
+              </a:rPr>
+              <a:t>讚美</a:t>
+            </a:r>
+          </a:p>
+        </p:txBody>
+      </p:sp>
+    </p:spTree>
+    <p:extLst>
+      <p:ext uri="{BB962C8B-B14F-4D97-AF65-F5344CB8AC3E}">
+        <p14:creationId xmlns:p14="http://schemas.microsoft.com/office/powerpoint/2010/main" xmlns="" val="3812513869"/>
+      </p:ext>
+    </p:extLst>
+  </p:cSld>
+  <p:clrMapOvr>
+    <a:masterClrMapping/>
+  </p:clrMapOvr>
+</p:sld>
+</file>
+
+<file path=ppt/slides/slide15.xml><?xml version="1.0" encoding="utf-8"?>
+<p:sld xmlns:a="http://schemas.openxmlformats.org/drawingml/2006/main" xmlns:r="http://schemas.openxmlformats.org/officeDocument/2006/relationships" xmlns:p="http://schemas.openxmlformats.org/presentationml/2006/main">
+  <p:cSld>
+    <p:spTree>
+      <p:nvGrpSpPr>
+        <p:cNvPr id="1" name=""/>
+        <p:cNvGrpSpPr/>
+        <p:nvPr/>
+      </p:nvGrpSpPr>
+      <p:grpSpPr>
+        <a:xfrm>
+          <a:off x="0" y="0"/>
+          <a:ext cx="0" cy="0"/>
+          <a:chOff x="0" y="0"/>
+          <a:chExt cx="0" cy="0"/>
+        </a:xfrm>
+      </p:grpSpPr>
+      <p:sp>
+        <p:nvSpPr>
+          <p:cNvPr id="4" name="標題 3"/>
+          <p:cNvSpPr>
+            <a:spLocks noGrp="1"/>
+          </p:cNvSpPr>
+          <p:nvPr>
+            <p:ph type="title"/>
+          </p:nvPr>
+        </p:nvSpPr>
+        <p:spPr>
+          <a:xfrm>
+            <a:off x="0" y="2857513"/>
+            <a:ext cx="12192000" cy="1143000"/>
+          </a:xfrm>
+        </p:spPr>
+        <p:txBody>
+          <a:bodyPr>
+            <a:noAutofit/>
+          </a:bodyPr>
+          <a:lstStyle/>
+          <a:p>
+            <a:r>
+              <a:rPr lang="zh-TW" altLang="en-US" sz="7200" b="1" i="1" dirty="0">
+                <a:solidFill>
+                  <a:srgbClr val="660033"/>
+                </a:solidFill>
+                <a:effectLst>
+                  <a:outerShdw blurRad="38100" dist="38100" dir="2700000" algn="tl">
+                    <a:srgbClr val="000000">
+                      <a:alpha val="43137"/>
+                    </a:srgbClr>
+                  </a:outerShdw>
+                </a:effectLst>
+                <a:latin typeface="微軟正黑體" pitchFamily="34" charset="-120"/>
+                <a:ea typeface="微軟正黑體" pitchFamily="34" charset="-120"/>
+              </a:rPr>
+              <a:t>細細聽</a:t>
+            </a:r>
+          </a:p>
+        </p:txBody>
+      </p:sp>
+    </p:spTree>
+    <p:extLst>
+      <p:ext uri="{BB962C8B-B14F-4D97-AF65-F5344CB8AC3E}">
+        <p14:creationId xmlns:p14="http://schemas.microsoft.com/office/powerpoint/2010/main" xmlns="" val="3475398047"/>
+      </p:ext>
+    </p:extLst>
+  </p:cSld>
+  <p:clrMapOvr>
+    <a:masterClrMapping/>
+  </p:clrMapOvr>
+</p:sld>
+</file>
+
+<file path=ppt/slides/slide16.xml><?xml version="1.0" encoding="utf-8"?>
+<p:sld xmlns:a="http://schemas.openxmlformats.org/drawingml/2006/main" xmlns:r="http://schemas.openxmlformats.org/officeDocument/2006/relationships" xmlns:p="http://schemas.openxmlformats.org/presentationml/2006/main">
+  <p:cSld>
+    <p:spTree>
+      <p:nvGrpSpPr>
+        <p:cNvPr id="1" name=""/>
+        <p:cNvGrpSpPr/>
+        <p:nvPr/>
+      </p:nvGrpSpPr>
+      <p:grpSpPr>
+        <a:xfrm>
+          <a:off x="0" y="0"/>
+          <a:ext cx="0" cy="0"/>
+          <a:chOff x="0" y="0"/>
+          <a:chExt cx="0" cy="0"/>
+        </a:xfrm>
+      </p:grpSpPr>
+      <p:sp>
+        <p:nvSpPr>
+          <p:cNvPr id="5" name="內容版面配置區 4"/>
+          <p:cNvSpPr>
+            <a:spLocks noGrp="1"/>
+          </p:cNvSpPr>
+          <p:nvPr>
+            <p:ph idx="1"/>
+          </p:nvPr>
+        </p:nvSpPr>
+        <p:spPr>
+          <a:xfrm>
+            <a:off x="0" y="2084853"/>
+            <a:ext cx="12192000" cy="2404863"/>
+          </a:xfrm>
+        </p:spPr>
+        <p:txBody>
+          <a:bodyPr anchor="ctr">
+            <a:normAutofit/>
+          </a:bodyPr>
+          <a:lstStyle/>
+          <a:p>
+            <a:pPr algn="ctr">
+              <a:buNone/>
+            </a:pPr>
+            <a:r>
+              <a:rPr lang="zh-TW" altLang="en-US" sz="6400" b="1" dirty="0">
+                <a:solidFill>
+                  <a:srgbClr val="660033"/>
+                </a:solidFill>
+                <a:latin typeface="微軟正黑體" pitchFamily="34" charset="-120"/>
+                <a:ea typeface="微軟正黑體" pitchFamily="34" charset="-120"/>
+              </a:rPr>
+              <a:t>細細聽  輕輕細細聽</a:t>
+            </a:r>
+            <a:endParaRPr lang="en-US" altLang="zh-TW" sz="6400" b="1" dirty="0">
+              <a:solidFill>
+                <a:srgbClr val="660033"/>
+              </a:solidFill>
+              <a:latin typeface="微軟正黑體" pitchFamily="34" charset="-120"/>
+              <a:ea typeface="微軟正黑體" pitchFamily="34" charset="-120"/>
+            </a:endParaRPr>
+          </a:p>
+          <a:p>
+            <a:pPr algn="ctr">
+              <a:buNone/>
+            </a:pPr>
+            <a:r>
+              <a:rPr lang="zh-TW" altLang="en-US" sz="6400" b="1" dirty="0">
+                <a:solidFill>
+                  <a:srgbClr val="660033"/>
+                </a:solidFill>
+                <a:latin typeface="微軟正黑體" pitchFamily="34" charset="-120"/>
+                <a:ea typeface="微軟正黑體" pitchFamily="34" charset="-120"/>
+              </a:rPr>
+              <a:t>傾聽</a:t>
+            </a:r>
+            <a:r>
+              <a:rPr lang="zh-CN" altLang="en-US" sz="6400" b="1" dirty="0">
+                <a:solidFill>
+                  <a:srgbClr val="660033"/>
+                </a:solidFill>
+                <a:latin typeface="微軟正黑體" pitchFamily="34" charset="-120"/>
+                <a:ea typeface="微軟正黑體" pitchFamily="34" charset="-120"/>
+              </a:rPr>
+              <a:t>袮</a:t>
+            </a:r>
+            <a:r>
+              <a:rPr lang="zh-TW" altLang="en-US" sz="6400" b="1" dirty="0">
+                <a:solidFill>
+                  <a:srgbClr val="660033"/>
+                </a:solidFill>
+                <a:latin typeface="微軟正黑體" pitchFamily="34" charset="-120"/>
+                <a:ea typeface="微軟正黑體" pitchFamily="34" charset="-120"/>
+              </a:rPr>
+              <a:t>說話兒共對應</a:t>
+            </a:r>
+            <a:endParaRPr lang="en-US" altLang="zh-TW" sz="6400" b="1" dirty="0">
+              <a:solidFill>
+                <a:srgbClr val="660033"/>
+              </a:solidFill>
+              <a:latin typeface="微軟正黑體" pitchFamily="34" charset="-120"/>
+              <a:ea typeface="微軟正黑體" pitchFamily="34" charset="-120"/>
+            </a:endParaRPr>
+          </a:p>
+        </p:txBody>
+      </p:sp>
+      <p:sp>
+        <p:nvSpPr>
+          <p:cNvPr id="3" name="TextBox 2"/>
+          <p:cNvSpPr txBox="1"/>
+          <p:nvPr/>
+        </p:nvSpPr>
+        <p:spPr>
+          <a:xfrm>
+            <a:off x="0" y="5061183"/>
+            <a:ext cx="12192000" cy="830997"/>
+          </a:xfrm>
+          <a:prstGeom prst="rect">
+            <a:avLst/>
+          </a:prstGeom>
+          <a:noFill/>
+        </p:spPr>
+        <p:txBody>
+          <a:bodyPr wrap="square" rtlCol="0">
+            <a:spAutoFit/>
+          </a:bodyPr>
+          <a:lstStyle/>
+          <a:p>
+            <a:pPr algn="ctr"/>
+            <a:r>
+              <a:rPr lang="en-US" sz="4800" b="1" dirty="0">
+                <a:solidFill>
+                  <a:srgbClr val="660033"/>
+                </a:solidFill>
+                <a:effectLst/>
+                <a:latin typeface="Microsoft JhengHei" panose="020B0604030504040204" pitchFamily="34" charset="-120"/>
+                <a:ea typeface="Microsoft JhengHei" panose="020B0604030504040204" pitchFamily="34" charset="-120"/>
+              </a:rPr>
+              <a:t>( </a:t>
+            </a:r>
+            <a:r>
+              <a:rPr lang="zh-CN" altLang="en-US" sz="4800" b="1" dirty="0">
+                <a:solidFill>
+                  <a:srgbClr val="660033"/>
+                </a:solidFill>
+                <a:effectLst/>
+                <a:latin typeface="Microsoft JhengHei" panose="020B0604030504040204" pitchFamily="34" charset="-120"/>
+                <a:ea typeface="Microsoft JhengHei" panose="020B0604030504040204" pitchFamily="34" charset="-120"/>
+              </a:rPr>
+              <a:t>正</a:t>
+            </a:r>
+            <a:r>
+              <a:rPr lang="en-US" sz="4800" b="1" dirty="0">
+                <a:solidFill>
+                  <a:srgbClr val="660033"/>
+                </a:solidFill>
+                <a:effectLst/>
+                <a:latin typeface="Microsoft JhengHei" panose="020B0604030504040204" pitchFamily="34" charset="-120"/>
+                <a:ea typeface="Microsoft JhengHei" panose="020B0604030504040204" pitchFamily="34" charset="-120"/>
+              </a:rPr>
+              <a:t> )</a:t>
+            </a:r>
+            <a:endParaRPr lang="vi-VN" sz="4800" b="1" dirty="0">
+              <a:solidFill>
+                <a:srgbClr val="660033"/>
+              </a:solidFill>
+              <a:effectLst/>
+              <a:latin typeface="Microsoft JhengHei" panose="020B0604030504040204" pitchFamily="34" charset="-120"/>
+              <a:ea typeface="Microsoft JhengHei" panose="020B0604030504040204" pitchFamily="34" charset="-120"/>
+            </a:endParaRPr>
+          </a:p>
+        </p:txBody>
+      </p:sp>
+    </p:spTree>
+    <p:extLst>
+      <p:ext uri="{BB962C8B-B14F-4D97-AF65-F5344CB8AC3E}">
+        <p14:creationId xmlns:p14="http://schemas.microsoft.com/office/powerpoint/2010/main" xmlns="" val="2913648562"/>
+      </p:ext>
+    </p:extLst>
+  </p:cSld>
+  <p:clrMapOvr>
+    <a:masterClrMapping/>
+  </p:clrMapOvr>
+</p:sld>
+</file>
+
+<file path=ppt/slides/slide17.xml><?xml version="1.0" encoding="utf-8"?>
+<p:sld xmlns:a="http://schemas.openxmlformats.org/drawingml/2006/main" xmlns:r="http://schemas.openxmlformats.org/officeDocument/2006/relationships" xmlns:p="http://schemas.openxmlformats.org/presentationml/2006/main">
+  <p:cSld>
+    <p:spTree>
+      <p:nvGrpSpPr>
+        <p:cNvPr id="1" name=""/>
+        <p:cNvGrpSpPr/>
+        <p:nvPr/>
+      </p:nvGrpSpPr>
+      <p:grpSpPr>
+        <a:xfrm>
+          <a:off x="0" y="0"/>
+          <a:ext cx="0" cy="0"/>
+          <a:chOff x="0" y="0"/>
+          <a:chExt cx="0" cy="0"/>
+        </a:xfrm>
+      </p:grpSpPr>
+      <p:sp>
+        <p:nvSpPr>
+          <p:cNvPr id="5" name="內容版面配置區 4"/>
+          <p:cNvSpPr>
+            <a:spLocks noGrp="1"/>
+          </p:cNvSpPr>
+          <p:nvPr>
+            <p:ph idx="1"/>
+          </p:nvPr>
+        </p:nvSpPr>
+        <p:spPr>
+          <a:xfrm>
+            <a:off x="0" y="2084853"/>
+            <a:ext cx="12192000" cy="2404863"/>
+          </a:xfrm>
+        </p:spPr>
+        <p:txBody>
+          <a:bodyPr anchor="ctr">
+            <a:normAutofit/>
+          </a:bodyPr>
+          <a:lstStyle/>
+          <a:p>
+            <a:pPr algn="ctr">
+              <a:buNone/>
+            </a:pPr>
+            <a:r>
+              <a:rPr lang="zh-TW" altLang="en-US" sz="6400" b="1" dirty="0">
+                <a:solidFill>
+                  <a:srgbClr val="660033"/>
+                </a:solidFill>
+                <a:latin typeface="微軟正黑體" pitchFamily="34" charset="-120"/>
+                <a:ea typeface="微軟正黑體" pitchFamily="34" charset="-120"/>
+              </a:rPr>
+              <a:t>細細說  輕輕細細說</a:t>
+            </a:r>
+            <a:endParaRPr lang="en-US" altLang="zh-TW" sz="6400" b="1" dirty="0">
+              <a:solidFill>
+                <a:srgbClr val="660033"/>
+              </a:solidFill>
+              <a:latin typeface="微軟正黑體" pitchFamily="34" charset="-120"/>
+              <a:ea typeface="微軟正黑體" pitchFamily="34" charset="-120"/>
+            </a:endParaRPr>
+          </a:p>
+          <a:p>
+            <a:pPr algn="ctr">
+              <a:buNone/>
+            </a:pPr>
+            <a:r>
+              <a:rPr lang="zh-TW" altLang="en-US" sz="6400" b="1" dirty="0">
+                <a:solidFill>
+                  <a:srgbClr val="660033"/>
+                </a:solidFill>
+                <a:latin typeface="微軟正黑體" pitchFamily="34" charset="-120"/>
+                <a:ea typeface="微軟正黑體" pitchFamily="34" charset="-120"/>
+              </a:rPr>
+              <a:t>因知道我牧人在細聽</a:t>
+            </a:r>
+          </a:p>
+        </p:txBody>
+      </p:sp>
+      <p:sp>
+        <p:nvSpPr>
+          <p:cNvPr id="3" name="TextBox 2"/>
+          <p:cNvSpPr txBox="1"/>
+          <p:nvPr/>
+        </p:nvSpPr>
+        <p:spPr>
+          <a:xfrm>
+            <a:off x="0" y="5061183"/>
+            <a:ext cx="12192000" cy="830997"/>
+          </a:xfrm>
+          <a:prstGeom prst="rect">
+            <a:avLst/>
+          </a:prstGeom>
+          <a:noFill/>
+        </p:spPr>
+        <p:txBody>
+          <a:bodyPr wrap="square" rtlCol="0">
+            <a:spAutoFit/>
+          </a:bodyPr>
+          <a:lstStyle/>
+          <a:p>
+            <a:pPr algn="ctr"/>
+            <a:r>
+              <a:rPr lang="en-US" sz="4800" b="1" dirty="0">
+                <a:solidFill>
+                  <a:srgbClr val="660033"/>
+                </a:solidFill>
+                <a:effectLst/>
+                <a:latin typeface="Microsoft JhengHei" panose="020B0604030504040204" pitchFamily="34" charset="-120"/>
+                <a:ea typeface="Microsoft JhengHei" panose="020B0604030504040204" pitchFamily="34" charset="-120"/>
+              </a:rPr>
+              <a:t>( </a:t>
+            </a:r>
+            <a:r>
+              <a:rPr lang="zh-CN" altLang="en-US" sz="4800" b="1" dirty="0">
+                <a:solidFill>
+                  <a:srgbClr val="660033"/>
+                </a:solidFill>
+                <a:effectLst/>
+                <a:latin typeface="Microsoft JhengHei" panose="020B0604030504040204" pitchFamily="34" charset="-120"/>
+                <a:ea typeface="Microsoft JhengHei" panose="020B0604030504040204" pitchFamily="34" charset="-120"/>
+              </a:rPr>
+              <a:t>正</a:t>
+            </a:r>
+            <a:r>
+              <a:rPr lang="en-US" sz="4800" b="1" dirty="0">
+                <a:solidFill>
+                  <a:srgbClr val="660033"/>
+                </a:solidFill>
+                <a:effectLst/>
+                <a:latin typeface="Microsoft JhengHei" panose="020B0604030504040204" pitchFamily="34" charset="-120"/>
+                <a:ea typeface="Microsoft JhengHei" panose="020B0604030504040204" pitchFamily="34" charset="-120"/>
+              </a:rPr>
+              <a:t> )</a:t>
+            </a:r>
+            <a:endParaRPr lang="vi-VN" sz="4800" b="1" dirty="0">
+              <a:solidFill>
+                <a:srgbClr val="660033"/>
+              </a:solidFill>
+              <a:effectLst/>
+              <a:latin typeface="Microsoft JhengHei" panose="020B0604030504040204" pitchFamily="34" charset="-120"/>
+              <a:ea typeface="Microsoft JhengHei" panose="020B0604030504040204" pitchFamily="34" charset="-120"/>
+            </a:endParaRPr>
+          </a:p>
+        </p:txBody>
+      </p:sp>
+    </p:spTree>
+    <p:extLst>
+      <p:ext uri="{BB962C8B-B14F-4D97-AF65-F5344CB8AC3E}">
+        <p14:creationId xmlns:p14="http://schemas.microsoft.com/office/powerpoint/2010/main" xmlns="" val="2496382510"/>
+      </p:ext>
+    </p:extLst>
+  </p:cSld>
+  <p:clrMapOvr>
+    <a:masterClrMapping/>
+  </p:clrMapOvr>
+</p:sld>
+</file>
+
+<file path=ppt/slides/slide18.xml><?xml version="1.0" encoding="utf-8"?>
+<p:sld xmlns:a="http://schemas.openxmlformats.org/drawingml/2006/main" xmlns:r="http://schemas.openxmlformats.org/officeDocument/2006/relationships" xmlns:p="http://schemas.openxmlformats.org/presentationml/2006/main">
+  <p:cSld>
+    <p:spTree>
+      <p:nvGrpSpPr>
+        <p:cNvPr id="1" name=""/>
+        <p:cNvGrpSpPr/>
+        <p:nvPr/>
+      </p:nvGrpSpPr>
+      <p:grpSpPr>
+        <a:xfrm>
+          <a:off x="0" y="0"/>
+          <a:ext cx="0" cy="0"/>
+          <a:chOff x="0" y="0"/>
+          <a:chExt cx="0" cy="0"/>
+        </a:xfrm>
+      </p:grpSpPr>
+      <p:sp>
+        <p:nvSpPr>
+          <p:cNvPr id="5" name="內容版面配置區 4"/>
+          <p:cNvSpPr>
+            <a:spLocks noGrp="1"/>
+          </p:cNvSpPr>
+          <p:nvPr>
+            <p:ph idx="1"/>
+          </p:nvPr>
+        </p:nvSpPr>
+        <p:spPr>
+          <a:xfrm>
+            <a:off x="0" y="2084853"/>
+            <a:ext cx="12192000" cy="2404863"/>
+          </a:xfrm>
+        </p:spPr>
+        <p:txBody>
+          <a:bodyPr anchor="ctr">
+            <a:normAutofit/>
+          </a:bodyPr>
+          <a:lstStyle/>
+          <a:p>
+            <a:pPr algn="ctr">
+              <a:buNone/>
+            </a:pPr>
+            <a:r>
+              <a:rPr lang="zh-TW" altLang="en-US" sz="6400" b="1" dirty="0">
+                <a:solidFill>
+                  <a:srgbClr val="660033"/>
+                </a:solidFill>
+                <a:latin typeface="微軟正黑體" pitchFamily="34" charset="-120"/>
+                <a:ea typeface="微軟正黑體" pitchFamily="34" charset="-120"/>
+              </a:rPr>
+              <a:t>上帝</a:t>
+            </a:r>
+            <a:r>
+              <a:rPr lang="zh-CN" altLang="en-US" sz="6400" b="1" dirty="0">
+                <a:solidFill>
+                  <a:srgbClr val="660033"/>
+                </a:solidFill>
+                <a:latin typeface="微軟正黑體" pitchFamily="34" charset="-120"/>
+                <a:ea typeface="微軟正黑體" pitchFamily="34" charset="-120"/>
+              </a:rPr>
+              <a:t>袮</a:t>
+            </a:r>
+            <a:r>
+              <a:rPr lang="zh-TW" altLang="en-US" sz="6400" b="1" dirty="0">
+                <a:solidFill>
+                  <a:srgbClr val="660033"/>
+                </a:solidFill>
+                <a:latin typeface="微軟正黑體" pitchFamily="34" charset="-120"/>
+                <a:ea typeface="微軟正黑體" pitchFamily="34" charset="-120"/>
+              </a:rPr>
+              <a:t>是我獨一生命光</a:t>
+            </a:r>
+            <a:endParaRPr lang="en-US" altLang="zh-TW" sz="6400" b="1" dirty="0">
+              <a:solidFill>
+                <a:srgbClr val="660033"/>
+              </a:solidFill>
+              <a:latin typeface="微軟正黑體" pitchFamily="34" charset="-120"/>
+              <a:ea typeface="微軟正黑體" pitchFamily="34" charset="-120"/>
+            </a:endParaRPr>
+          </a:p>
+          <a:p>
+            <a:pPr algn="ctr">
+              <a:buNone/>
+            </a:pPr>
+            <a:r>
+              <a:rPr lang="zh-TW" altLang="en-US" sz="6400" b="1" dirty="0">
+                <a:solidFill>
+                  <a:srgbClr val="660033"/>
+                </a:solidFill>
+                <a:latin typeface="微軟正黑體" pitchFamily="34" charset="-120"/>
+                <a:ea typeface="微軟正黑體" pitchFamily="34" charset="-120"/>
+              </a:rPr>
+              <a:t>羊屬</a:t>
+            </a:r>
+            <a:r>
+              <a:rPr lang="zh-CN" altLang="en-US" sz="6400" b="1" dirty="0">
+                <a:solidFill>
+                  <a:srgbClr val="660033"/>
+                </a:solidFill>
+                <a:latin typeface="微軟正黑體" pitchFamily="34" charset="-120"/>
+                <a:ea typeface="微軟正黑體" pitchFamily="34" charset="-120"/>
+              </a:rPr>
+              <a:t>袮</a:t>
+            </a:r>
+            <a:r>
+              <a:rPr lang="zh-TW" altLang="en-US" sz="6400" b="1" dirty="0">
+                <a:solidFill>
+                  <a:srgbClr val="660033"/>
+                </a:solidFill>
+                <a:latin typeface="微軟正黑體" pitchFamily="34" charset="-120"/>
+                <a:ea typeface="微軟正黑體" pitchFamily="34" charset="-120"/>
+              </a:rPr>
+              <a:t>必清楚聽</a:t>
+            </a:r>
+            <a:r>
+              <a:rPr lang="zh-CN" altLang="en-US" sz="6400" b="1" dirty="0">
+                <a:solidFill>
+                  <a:srgbClr val="660033"/>
+                </a:solidFill>
+                <a:latin typeface="微軟正黑體" pitchFamily="34" charset="-120"/>
+                <a:ea typeface="微軟正黑體" pitchFamily="34" charset="-120"/>
+              </a:rPr>
+              <a:t>袮</a:t>
+            </a:r>
+            <a:r>
+              <a:rPr lang="zh-TW" altLang="en-US" sz="6400" b="1" dirty="0">
+                <a:solidFill>
+                  <a:srgbClr val="660033"/>
+                </a:solidFill>
+                <a:latin typeface="微軟正黑體" pitchFamily="34" charset="-120"/>
+                <a:ea typeface="微軟正黑體" pitchFamily="34" charset="-120"/>
+              </a:rPr>
+              <a:t>聲</a:t>
+            </a:r>
+            <a:endParaRPr lang="en-US" altLang="zh-TW" sz="6400" b="1" dirty="0">
+              <a:solidFill>
+                <a:srgbClr val="660033"/>
+              </a:solidFill>
+              <a:latin typeface="微軟正黑體" pitchFamily="34" charset="-120"/>
+              <a:ea typeface="微軟正黑體" pitchFamily="34" charset="-120"/>
+            </a:endParaRPr>
+          </a:p>
+        </p:txBody>
+      </p:sp>
+      <p:sp>
+        <p:nvSpPr>
+          <p:cNvPr id="3" name="TextBox 2"/>
+          <p:cNvSpPr txBox="1"/>
+          <p:nvPr/>
+        </p:nvSpPr>
+        <p:spPr>
+          <a:xfrm>
+            <a:off x="0" y="5061183"/>
+            <a:ext cx="12192000" cy="830997"/>
+          </a:xfrm>
+          <a:prstGeom prst="rect">
+            <a:avLst/>
+          </a:prstGeom>
+          <a:noFill/>
+        </p:spPr>
+        <p:txBody>
+          <a:bodyPr wrap="square" rtlCol="0">
+            <a:spAutoFit/>
+          </a:bodyPr>
+          <a:lstStyle/>
+          <a:p>
+            <a:pPr algn="ctr"/>
+            <a:r>
+              <a:rPr lang="en-US" sz="4800" b="1" dirty="0">
+                <a:solidFill>
+                  <a:srgbClr val="660033"/>
+                </a:solidFill>
+                <a:effectLst/>
+                <a:latin typeface="Microsoft JhengHei" panose="020B0604030504040204" pitchFamily="34" charset="-120"/>
+                <a:ea typeface="Microsoft JhengHei" panose="020B0604030504040204" pitchFamily="34" charset="-120"/>
+              </a:rPr>
+              <a:t>( </a:t>
+            </a:r>
+            <a:r>
+              <a:rPr lang="zh-CN" altLang="en-US" sz="4800" b="1" dirty="0">
+                <a:solidFill>
+                  <a:srgbClr val="660033"/>
+                </a:solidFill>
+                <a:effectLst/>
+                <a:latin typeface="Microsoft JhengHei" panose="020B0604030504040204" pitchFamily="34" charset="-120"/>
+                <a:ea typeface="Microsoft JhengHei" panose="020B0604030504040204" pitchFamily="34" charset="-120"/>
+              </a:rPr>
+              <a:t>副</a:t>
+            </a:r>
+            <a:r>
+              <a:rPr lang="en-US" sz="4800" b="1" dirty="0">
+                <a:solidFill>
+                  <a:srgbClr val="660033"/>
+                </a:solidFill>
+                <a:effectLst/>
+                <a:latin typeface="Microsoft JhengHei" panose="020B0604030504040204" pitchFamily="34" charset="-120"/>
+                <a:ea typeface="Microsoft JhengHei" panose="020B0604030504040204" pitchFamily="34" charset="-120"/>
+              </a:rPr>
+              <a:t> )</a:t>
+            </a:r>
+            <a:endParaRPr lang="vi-VN" sz="4800" b="1" dirty="0">
+              <a:solidFill>
+                <a:srgbClr val="660033"/>
+              </a:solidFill>
+              <a:effectLst/>
+              <a:latin typeface="Microsoft JhengHei" panose="020B0604030504040204" pitchFamily="34" charset="-120"/>
+              <a:ea typeface="Microsoft JhengHei" panose="020B0604030504040204" pitchFamily="34" charset="-120"/>
+            </a:endParaRPr>
+          </a:p>
+        </p:txBody>
+      </p:sp>
+    </p:spTree>
+    <p:extLst>
+      <p:ext uri="{BB962C8B-B14F-4D97-AF65-F5344CB8AC3E}">
+        <p14:creationId xmlns:p14="http://schemas.microsoft.com/office/powerpoint/2010/main" xmlns="" val="2688541880"/>
+      </p:ext>
+    </p:extLst>
+  </p:cSld>
+  <p:clrMapOvr>
+    <a:masterClrMapping/>
+  </p:clrMapOvr>
+</p:sld>
+</file>
+
+<file path=ppt/slides/slide19.xml><?xml version="1.0" encoding="utf-8"?>
+<p:sld xmlns:a="http://schemas.openxmlformats.org/drawingml/2006/main" xmlns:r="http://schemas.openxmlformats.org/officeDocument/2006/relationships" xmlns:p="http://schemas.openxmlformats.org/presentationml/2006/main">
+  <p:cSld>
+    <p:spTree>
+      <p:nvGrpSpPr>
+        <p:cNvPr id="1" name=""/>
+        <p:cNvGrpSpPr/>
+        <p:nvPr/>
+      </p:nvGrpSpPr>
+      <p:grpSpPr>
+        <a:xfrm>
+          <a:off x="0" y="0"/>
+          <a:ext cx="0" cy="0"/>
+          <a:chOff x="0" y="0"/>
+          <a:chExt cx="0" cy="0"/>
+        </a:xfrm>
+      </p:grpSpPr>
+      <p:sp>
+        <p:nvSpPr>
+          <p:cNvPr id="5" name="內容版面配置區 4"/>
+          <p:cNvSpPr>
+            <a:spLocks noGrp="1"/>
+          </p:cNvSpPr>
+          <p:nvPr>
+            <p:ph idx="1"/>
+          </p:nvPr>
+        </p:nvSpPr>
+        <p:spPr>
+          <a:xfrm>
+            <a:off x="0" y="2084853"/>
+            <a:ext cx="12192000" cy="2404863"/>
+          </a:xfrm>
+        </p:spPr>
+        <p:txBody>
+          <a:bodyPr anchor="ctr">
+            <a:normAutofit/>
+          </a:bodyPr>
+          <a:lstStyle/>
+          <a:p>
+            <a:pPr algn="ctr">
+              <a:buNone/>
+            </a:pPr>
+            <a:r>
+              <a:rPr lang="zh-TW" altLang="en-US" sz="6400" b="1" dirty="0">
+                <a:solidFill>
+                  <a:srgbClr val="660033"/>
+                </a:solidFill>
+                <a:latin typeface="微軟正黑體" pitchFamily="34" charset="-120"/>
+                <a:ea typeface="微軟正黑體" pitchFamily="34" charset="-120"/>
+              </a:rPr>
+              <a:t>牧養引導我   輕聲教導我</a:t>
+            </a:r>
+            <a:endParaRPr lang="en-US" altLang="zh-TW" sz="6400" b="1" dirty="0">
+              <a:solidFill>
+                <a:srgbClr val="660033"/>
+              </a:solidFill>
+              <a:latin typeface="微軟正黑體" pitchFamily="34" charset="-120"/>
+              <a:ea typeface="微軟正黑體" pitchFamily="34" charset="-120"/>
+            </a:endParaRPr>
+          </a:p>
+          <a:p>
+            <a:pPr algn="ctr">
+              <a:buNone/>
+            </a:pPr>
+            <a:r>
+              <a:rPr lang="zh-TW" altLang="en-US" sz="6400" b="1" dirty="0">
+                <a:solidFill>
+                  <a:srgbClr val="660033"/>
+                </a:solidFill>
+                <a:latin typeface="微軟正黑體" pitchFamily="34" charset="-120"/>
+                <a:ea typeface="微軟正黑體" pitchFamily="34" charset="-120"/>
+              </a:rPr>
+              <a:t>一生聽</a:t>
+            </a:r>
+            <a:r>
+              <a:rPr lang="zh-CN" altLang="en-US" sz="6400" b="1" dirty="0">
+                <a:solidFill>
+                  <a:srgbClr val="660033"/>
+                </a:solidFill>
+                <a:latin typeface="微軟正黑體" pitchFamily="34" charset="-120"/>
+                <a:ea typeface="微軟正黑體" pitchFamily="34" charset="-120"/>
+              </a:rPr>
+              <a:t>袮</a:t>
+            </a:r>
+            <a:r>
+              <a:rPr lang="zh-TW" altLang="en-US" sz="6400" b="1" dirty="0">
+                <a:solidFill>
+                  <a:srgbClr val="660033"/>
+                </a:solidFill>
+                <a:latin typeface="微軟正黑體" pitchFamily="34" charset="-120"/>
+                <a:ea typeface="微軟正黑體" pitchFamily="34" charset="-120"/>
+              </a:rPr>
+              <a:t>話兒共對應</a:t>
+            </a:r>
+          </a:p>
+        </p:txBody>
+      </p:sp>
+      <p:sp>
+        <p:nvSpPr>
+          <p:cNvPr id="3" name="TextBox 2"/>
+          <p:cNvSpPr txBox="1"/>
+          <p:nvPr/>
+        </p:nvSpPr>
+        <p:spPr>
+          <a:xfrm>
+            <a:off x="0" y="5061183"/>
+            <a:ext cx="12192000" cy="830997"/>
+          </a:xfrm>
+          <a:prstGeom prst="rect">
+            <a:avLst/>
+          </a:prstGeom>
+          <a:noFill/>
+        </p:spPr>
+        <p:txBody>
+          <a:bodyPr wrap="square" rtlCol="0">
+            <a:spAutoFit/>
+          </a:bodyPr>
+          <a:lstStyle/>
+          <a:p>
+            <a:pPr algn="ctr"/>
+            <a:r>
+              <a:rPr lang="en-US" sz="4800" b="1" dirty="0">
+                <a:solidFill>
+                  <a:srgbClr val="660033"/>
+                </a:solidFill>
+                <a:effectLst/>
+                <a:latin typeface="Microsoft JhengHei" panose="020B0604030504040204" pitchFamily="34" charset="-120"/>
+                <a:ea typeface="Microsoft JhengHei" panose="020B0604030504040204" pitchFamily="34" charset="-120"/>
+              </a:rPr>
+              <a:t>( </a:t>
+            </a:r>
+            <a:r>
+              <a:rPr lang="zh-CN" altLang="en-US" sz="4800" b="1" dirty="0">
+                <a:solidFill>
+                  <a:srgbClr val="660033"/>
+                </a:solidFill>
+                <a:effectLst/>
+                <a:latin typeface="Microsoft JhengHei" panose="020B0604030504040204" pitchFamily="34" charset="-120"/>
+                <a:ea typeface="Microsoft JhengHei" panose="020B0604030504040204" pitchFamily="34" charset="-120"/>
+              </a:rPr>
+              <a:t>副</a:t>
+            </a:r>
+            <a:r>
+              <a:rPr lang="en-US" sz="4800" b="1" dirty="0">
+                <a:solidFill>
+                  <a:srgbClr val="660033"/>
+                </a:solidFill>
+                <a:effectLst/>
+                <a:latin typeface="Microsoft JhengHei" panose="020B0604030504040204" pitchFamily="34" charset="-120"/>
+                <a:ea typeface="Microsoft JhengHei" panose="020B0604030504040204" pitchFamily="34" charset="-120"/>
+              </a:rPr>
+              <a:t> )</a:t>
+            </a:r>
+            <a:endParaRPr lang="vi-VN" sz="4800" b="1" dirty="0">
+              <a:solidFill>
+                <a:srgbClr val="660033"/>
+              </a:solidFill>
+              <a:effectLst/>
+              <a:latin typeface="Microsoft JhengHei" panose="020B0604030504040204" pitchFamily="34" charset="-120"/>
+              <a:ea typeface="Microsoft JhengHei" panose="020B0604030504040204" pitchFamily="34" charset="-120"/>
+            </a:endParaRPr>
+          </a:p>
+        </p:txBody>
+      </p:sp>
+    </p:spTree>
+    <p:extLst>
+      <p:ext uri="{BB962C8B-B14F-4D97-AF65-F5344CB8AC3E}">
+        <p14:creationId xmlns:p14="http://schemas.microsoft.com/office/powerpoint/2010/main" xmlns="" val="652490503"/>
       </p:ext>
     </p:extLst>
   </p:cSld>
@@ -3354,7 +4647,1839 @@
     </p:spTree>
     <p:extLst>
       <p:ext uri="{BB962C8B-B14F-4D97-AF65-F5344CB8AC3E}">
-        <p14:creationId xmlns:p14="http://schemas.microsoft.com/office/powerpoint/2010/main" val="16188489"/>
+        <p14:creationId xmlns:p14="http://schemas.microsoft.com/office/powerpoint/2010/main" xmlns="" val="16188489"/>
+      </p:ext>
+    </p:extLst>
+  </p:cSld>
+  <p:clrMapOvr>
+    <a:masterClrMapping/>
+  </p:clrMapOvr>
+  <p:timing>
+    <p:tnLst>
+      <p:par>
+        <p:cTn id="1" dur="indefinite" restart="never" nodeType="tmRoot"/>
+      </p:par>
+    </p:tnLst>
+  </p:timing>
+</p:sld>
+</file>
+
+<file path=ppt/slides/slide20.xml><?xml version="1.0" encoding="utf-8"?>
+<p:sld xmlns:a="http://schemas.openxmlformats.org/drawingml/2006/main" xmlns:r="http://schemas.openxmlformats.org/officeDocument/2006/relationships" xmlns:p="http://schemas.openxmlformats.org/presentationml/2006/main">
+  <p:cSld>
+    <p:spTree>
+      <p:nvGrpSpPr>
+        <p:cNvPr id="1" name=""/>
+        <p:cNvGrpSpPr/>
+        <p:nvPr/>
+      </p:nvGrpSpPr>
+      <p:grpSpPr>
+        <a:xfrm>
+          <a:off x="0" y="0"/>
+          <a:ext cx="0" cy="0"/>
+          <a:chOff x="0" y="0"/>
+          <a:chExt cx="0" cy="0"/>
+        </a:xfrm>
+      </p:grpSpPr>
+      <p:sp>
+        <p:nvSpPr>
+          <p:cNvPr id="5" name="內容版面配置區 4"/>
+          <p:cNvSpPr>
+            <a:spLocks noGrp="1"/>
+          </p:cNvSpPr>
+          <p:nvPr>
+            <p:ph idx="1"/>
+          </p:nvPr>
+        </p:nvSpPr>
+        <p:spPr>
+          <a:xfrm>
+            <a:off x="0" y="2084853"/>
+            <a:ext cx="12192000" cy="2404863"/>
+          </a:xfrm>
+        </p:spPr>
+        <p:txBody>
+          <a:bodyPr anchor="ctr">
+            <a:normAutofit/>
+          </a:bodyPr>
+          <a:lstStyle/>
+          <a:p>
+            <a:pPr algn="ctr">
+              <a:buNone/>
+            </a:pPr>
+            <a:r>
+              <a:rPr lang="zh-TW" altLang="en-US" sz="6400" b="1" dirty="0">
+                <a:solidFill>
+                  <a:srgbClr val="660033"/>
+                </a:solidFill>
+                <a:latin typeface="微軟正黑體" pitchFamily="34" charset="-120"/>
+                <a:ea typeface="微軟正黑體" pitchFamily="34" charset="-120"/>
+              </a:rPr>
+              <a:t>細細聽  輕輕細細聽</a:t>
+            </a:r>
+            <a:endParaRPr lang="en-US" altLang="zh-TW" sz="6400" b="1" dirty="0">
+              <a:solidFill>
+                <a:srgbClr val="660033"/>
+              </a:solidFill>
+              <a:latin typeface="微軟正黑體" pitchFamily="34" charset="-120"/>
+              <a:ea typeface="微軟正黑體" pitchFamily="34" charset="-120"/>
+            </a:endParaRPr>
+          </a:p>
+          <a:p>
+            <a:pPr algn="ctr">
+              <a:buNone/>
+            </a:pPr>
+            <a:r>
+              <a:rPr lang="zh-TW" altLang="en-US" sz="6400" b="1" dirty="0">
+                <a:solidFill>
+                  <a:srgbClr val="660033"/>
+                </a:solidFill>
+                <a:latin typeface="微軟正黑體" pitchFamily="34" charset="-120"/>
+                <a:ea typeface="微軟正黑體" pitchFamily="34" charset="-120"/>
+              </a:rPr>
+              <a:t>傾聽</a:t>
+            </a:r>
+            <a:r>
+              <a:rPr lang="zh-CN" altLang="en-US" sz="6400" b="1" dirty="0">
+                <a:solidFill>
+                  <a:srgbClr val="660033"/>
+                </a:solidFill>
+                <a:latin typeface="微軟正黑體" pitchFamily="34" charset="-120"/>
+                <a:ea typeface="微軟正黑體" pitchFamily="34" charset="-120"/>
+              </a:rPr>
+              <a:t>袮</a:t>
+            </a:r>
+            <a:r>
+              <a:rPr lang="zh-TW" altLang="en-US" sz="6400" b="1" dirty="0">
+                <a:solidFill>
+                  <a:srgbClr val="660033"/>
+                </a:solidFill>
+                <a:latin typeface="微軟正黑體" pitchFamily="34" charset="-120"/>
+                <a:ea typeface="微軟正黑體" pitchFamily="34" charset="-120"/>
+              </a:rPr>
+              <a:t>說話兒共對應</a:t>
+            </a:r>
+            <a:endParaRPr lang="en-US" altLang="zh-TW" sz="6400" b="1" dirty="0">
+              <a:solidFill>
+                <a:srgbClr val="660033"/>
+              </a:solidFill>
+              <a:latin typeface="微軟正黑體" pitchFamily="34" charset="-120"/>
+              <a:ea typeface="微軟正黑體" pitchFamily="34" charset="-120"/>
+            </a:endParaRPr>
+          </a:p>
+        </p:txBody>
+      </p:sp>
+      <p:sp>
+        <p:nvSpPr>
+          <p:cNvPr id="3" name="TextBox 2"/>
+          <p:cNvSpPr txBox="1"/>
+          <p:nvPr/>
+        </p:nvSpPr>
+        <p:spPr>
+          <a:xfrm>
+            <a:off x="0" y="5061183"/>
+            <a:ext cx="12192000" cy="830997"/>
+          </a:xfrm>
+          <a:prstGeom prst="rect">
+            <a:avLst/>
+          </a:prstGeom>
+          <a:noFill/>
+        </p:spPr>
+        <p:txBody>
+          <a:bodyPr wrap="square" rtlCol="0">
+            <a:spAutoFit/>
+          </a:bodyPr>
+          <a:lstStyle/>
+          <a:p>
+            <a:pPr algn="ctr"/>
+            <a:r>
+              <a:rPr lang="en-US" sz="4800" b="1" dirty="0">
+                <a:solidFill>
+                  <a:srgbClr val="660033"/>
+                </a:solidFill>
+                <a:effectLst/>
+                <a:latin typeface="Microsoft JhengHei" panose="020B0604030504040204" pitchFamily="34" charset="-120"/>
+                <a:ea typeface="Microsoft JhengHei" panose="020B0604030504040204" pitchFamily="34" charset="-120"/>
+              </a:rPr>
+              <a:t>( </a:t>
+            </a:r>
+            <a:r>
+              <a:rPr lang="zh-CN" altLang="en-US" sz="4800" b="1" dirty="0">
+                <a:solidFill>
+                  <a:srgbClr val="660033"/>
+                </a:solidFill>
+                <a:effectLst/>
+                <a:latin typeface="Microsoft JhengHei" panose="020B0604030504040204" pitchFamily="34" charset="-120"/>
+                <a:ea typeface="Microsoft JhengHei" panose="020B0604030504040204" pitchFamily="34" charset="-120"/>
+              </a:rPr>
+              <a:t>正</a:t>
+            </a:r>
+            <a:r>
+              <a:rPr lang="en-US" sz="4800" b="1" dirty="0">
+                <a:solidFill>
+                  <a:srgbClr val="660033"/>
+                </a:solidFill>
+                <a:effectLst/>
+                <a:latin typeface="Microsoft JhengHei" panose="020B0604030504040204" pitchFamily="34" charset="-120"/>
+                <a:ea typeface="Microsoft JhengHei" panose="020B0604030504040204" pitchFamily="34" charset="-120"/>
+              </a:rPr>
+              <a:t> )</a:t>
+            </a:r>
+            <a:endParaRPr lang="vi-VN" sz="4800" b="1" dirty="0">
+              <a:solidFill>
+                <a:srgbClr val="660033"/>
+              </a:solidFill>
+              <a:effectLst/>
+              <a:latin typeface="Microsoft JhengHei" panose="020B0604030504040204" pitchFamily="34" charset="-120"/>
+              <a:ea typeface="Microsoft JhengHei" panose="020B0604030504040204" pitchFamily="34" charset="-120"/>
+            </a:endParaRPr>
+          </a:p>
+        </p:txBody>
+      </p:sp>
+    </p:spTree>
+    <p:extLst>
+      <p:ext uri="{BB962C8B-B14F-4D97-AF65-F5344CB8AC3E}">
+        <p14:creationId xmlns:p14="http://schemas.microsoft.com/office/powerpoint/2010/main" xmlns="" val="2913648562"/>
+      </p:ext>
+    </p:extLst>
+  </p:cSld>
+  <p:clrMapOvr>
+    <a:masterClrMapping/>
+  </p:clrMapOvr>
+</p:sld>
+</file>
+
+<file path=ppt/slides/slide21.xml><?xml version="1.0" encoding="utf-8"?>
+<p:sld xmlns:a="http://schemas.openxmlformats.org/drawingml/2006/main" xmlns:r="http://schemas.openxmlformats.org/officeDocument/2006/relationships" xmlns:p="http://schemas.openxmlformats.org/presentationml/2006/main">
+  <p:cSld>
+    <p:spTree>
+      <p:nvGrpSpPr>
+        <p:cNvPr id="1" name=""/>
+        <p:cNvGrpSpPr/>
+        <p:nvPr/>
+      </p:nvGrpSpPr>
+      <p:grpSpPr>
+        <a:xfrm>
+          <a:off x="0" y="0"/>
+          <a:ext cx="0" cy="0"/>
+          <a:chOff x="0" y="0"/>
+          <a:chExt cx="0" cy="0"/>
+        </a:xfrm>
+      </p:grpSpPr>
+      <p:sp>
+        <p:nvSpPr>
+          <p:cNvPr id="5" name="內容版面配置區 4"/>
+          <p:cNvSpPr>
+            <a:spLocks noGrp="1"/>
+          </p:cNvSpPr>
+          <p:nvPr>
+            <p:ph idx="1"/>
+          </p:nvPr>
+        </p:nvSpPr>
+        <p:spPr>
+          <a:xfrm>
+            <a:off x="0" y="2084853"/>
+            <a:ext cx="12192000" cy="2404863"/>
+          </a:xfrm>
+        </p:spPr>
+        <p:txBody>
+          <a:bodyPr anchor="ctr">
+            <a:normAutofit/>
+          </a:bodyPr>
+          <a:lstStyle/>
+          <a:p>
+            <a:pPr algn="ctr">
+              <a:buNone/>
+            </a:pPr>
+            <a:r>
+              <a:rPr lang="zh-TW" altLang="en-US" sz="6400" b="1" dirty="0">
+                <a:solidFill>
+                  <a:srgbClr val="660033"/>
+                </a:solidFill>
+                <a:latin typeface="微軟正黑體" pitchFamily="34" charset="-120"/>
+                <a:ea typeface="微軟正黑體" pitchFamily="34" charset="-120"/>
+              </a:rPr>
+              <a:t>細細說  輕輕細細說</a:t>
+            </a:r>
+            <a:endParaRPr lang="en-US" altLang="zh-TW" sz="6400" b="1" dirty="0">
+              <a:solidFill>
+                <a:srgbClr val="660033"/>
+              </a:solidFill>
+              <a:latin typeface="微軟正黑體" pitchFamily="34" charset="-120"/>
+              <a:ea typeface="微軟正黑體" pitchFamily="34" charset="-120"/>
+            </a:endParaRPr>
+          </a:p>
+          <a:p>
+            <a:pPr algn="ctr">
+              <a:buNone/>
+            </a:pPr>
+            <a:r>
+              <a:rPr lang="zh-TW" altLang="en-US" sz="6400" b="1" dirty="0">
+                <a:solidFill>
+                  <a:srgbClr val="660033"/>
+                </a:solidFill>
+                <a:latin typeface="微軟正黑體" pitchFamily="34" charset="-120"/>
+                <a:ea typeface="微軟正黑體" pitchFamily="34" charset="-120"/>
+              </a:rPr>
+              <a:t>因知道我牧人在細聽</a:t>
+            </a:r>
+          </a:p>
+        </p:txBody>
+      </p:sp>
+      <p:sp>
+        <p:nvSpPr>
+          <p:cNvPr id="3" name="TextBox 2"/>
+          <p:cNvSpPr txBox="1"/>
+          <p:nvPr/>
+        </p:nvSpPr>
+        <p:spPr>
+          <a:xfrm>
+            <a:off x="0" y="5061183"/>
+            <a:ext cx="12192000" cy="830997"/>
+          </a:xfrm>
+          <a:prstGeom prst="rect">
+            <a:avLst/>
+          </a:prstGeom>
+          <a:noFill/>
+        </p:spPr>
+        <p:txBody>
+          <a:bodyPr wrap="square" rtlCol="0">
+            <a:spAutoFit/>
+          </a:bodyPr>
+          <a:lstStyle/>
+          <a:p>
+            <a:pPr algn="ctr"/>
+            <a:r>
+              <a:rPr lang="en-US" sz="4800" b="1" dirty="0">
+                <a:solidFill>
+                  <a:srgbClr val="660033"/>
+                </a:solidFill>
+                <a:effectLst/>
+                <a:latin typeface="Microsoft JhengHei" panose="020B0604030504040204" pitchFamily="34" charset="-120"/>
+                <a:ea typeface="Microsoft JhengHei" panose="020B0604030504040204" pitchFamily="34" charset="-120"/>
+              </a:rPr>
+              <a:t>( </a:t>
+            </a:r>
+            <a:r>
+              <a:rPr lang="zh-CN" altLang="en-US" sz="4800" b="1" dirty="0">
+                <a:solidFill>
+                  <a:srgbClr val="660033"/>
+                </a:solidFill>
+                <a:effectLst/>
+                <a:latin typeface="Microsoft JhengHei" panose="020B0604030504040204" pitchFamily="34" charset="-120"/>
+                <a:ea typeface="Microsoft JhengHei" panose="020B0604030504040204" pitchFamily="34" charset="-120"/>
+              </a:rPr>
+              <a:t>正</a:t>
+            </a:r>
+            <a:r>
+              <a:rPr lang="en-US" sz="4800" b="1" dirty="0">
+                <a:solidFill>
+                  <a:srgbClr val="660033"/>
+                </a:solidFill>
+                <a:effectLst/>
+                <a:latin typeface="Microsoft JhengHei" panose="020B0604030504040204" pitchFamily="34" charset="-120"/>
+                <a:ea typeface="Microsoft JhengHei" panose="020B0604030504040204" pitchFamily="34" charset="-120"/>
+              </a:rPr>
+              <a:t> )</a:t>
+            </a:r>
+            <a:endParaRPr lang="vi-VN" sz="4800" b="1" dirty="0">
+              <a:solidFill>
+                <a:srgbClr val="660033"/>
+              </a:solidFill>
+              <a:effectLst/>
+              <a:latin typeface="Microsoft JhengHei" panose="020B0604030504040204" pitchFamily="34" charset="-120"/>
+              <a:ea typeface="Microsoft JhengHei" panose="020B0604030504040204" pitchFamily="34" charset="-120"/>
+            </a:endParaRPr>
+          </a:p>
+        </p:txBody>
+      </p:sp>
+    </p:spTree>
+    <p:extLst>
+      <p:ext uri="{BB962C8B-B14F-4D97-AF65-F5344CB8AC3E}">
+        <p14:creationId xmlns:p14="http://schemas.microsoft.com/office/powerpoint/2010/main" xmlns="" val="2496382510"/>
+      </p:ext>
+    </p:extLst>
+  </p:cSld>
+  <p:clrMapOvr>
+    <a:masterClrMapping/>
+  </p:clrMapOvr>
+</p:sld>
+</file>
+
+<file path=ppt/slides/slide22.xml><?xml version="1.0" encoding="utf-8"?>
+<p:sld xmlns:a="http://schemas.openxmlformats.org/drawingml/2006/main" xmlns:r="http://schemas.openxmlformats.org/officeDocument/2006/relationships" xmlns:p="http://schemas.openxmlformats.org/presentationml/2006/main">
+  <p:cSld>
+    <p:spTree>
+      <p:nvGrpSpPr>
+        <p:cNvPr id="1" name=""/>
+        <p:cNvGrpSpPr/>
+        <p:nvPr/>
+      </p:nvGrpSpPr>
+      <p:grpSpPr>
+        <a:xfrm>
+          <a:off x="0" y="0"/>
+          <a:ext cx="0" cy="0"/>
+          <a:chOff x="0" y="0"/>
+          <a:chExt cx="0" cy="0"/>
+        </a:xfrm>
+      </p:grpSpPr>
+      <p:sp>
+        <p:nvSpPr>
+          <p:cNvPr id="5" name="內容版面配置區 4"/>
+          <p:cNvSpPr>
+            <a:spLocks noGrp="1"/>
+          </p:cNvSpPr>
+          <p:nvPr>
+            <p:ph idx="1"/>
+          </p:nvPr>
+        </p:nvSpPr>
+        <p:spPr>
+          <a:xfrm>
+            <a:off x="0" y="2084853"/>
+            <a:ext cx="12192000" cy="2404863"/>
+          </a:xfrm>
+        </p:spPr>
+        <p:txBody>
+          <a:bodyPr anchor="ctr">
+            <a:normAutofit/>
+          </a:bodyPr>
+          <a:lstStyle/>
+          <a:p>
+            <a:pPr algn="ctr">
+              <a:buNone/>
+            </a:pPr>
+            <a:r>
+              <a:rPr lang="zh-TW" altLang="en-US" sz="6400" b="1" dirty="0">
+                <a:solidFill>
+                  <a:srgbClr val="660033"/>
+                </a:solidFill>
+                <a:latin typeface="微軟正黑體" pitchFamily="34" charset="-120"/>
+                <a:ea typeface="微軟正黑體" pitchFamily="34" charset="-120"/>
+              </a:rPr>
+              <a:t>細細聽  輕輕細細聽</a:t>
+            </a:r>
+            <a:endParaRPr lang="en-US" altLang="zh-TW" sz="6400" b="1" dirty="0">
+              <a:solidFill>
+                <a:srgbClr val="660033"/>
+              </a:solidFill>
+              <a:latin typeface="微軟正黑體" pitchFamily="34" charset="-120"/>
+              <a:ea typeface="微軟正黑體" pitchFamily="34" charset="-120"/>
+            </a:endParaRPr>
+          </a:p>
+          <a:p>
+            <a:pPr algn="ctr">
+              <a:buNone/>
+            </a:pPr>
+            <a:r>
+              <a:rPr lang="zh-TW" altLang="en-US" sz="6400" b="1" dirty="0">
+                <a:solidFill>
+                  <a:srgbClr val="660033"/>
+                </a:solidFill>
+                <a:latin typeface="微軟正黑體" pitchFamily="34" charset="-120"/>
+                <a:ea typeface="微軟正黑體" pitchFamily="34" charset="-120"/>
+              </a:rPr>
+              <a:t>傾聽</a:t>
+            </a:r>
+            <a:r>
+              <a:rPr lang="zh-CN" altLang="en-US" sz="6400" b="1" dirty="0">
+                <a:solidFill>
+                  <a:srgbClr val="660033"/>
+                </a:solidFill>
+                <a:latin typeface="微軟正黑體" pitchFamily="34" charset="-120"/>
+                <a:ea typeface="微軟正黑體" pitchFamily="34" charset="-120"/>
+              </a:rPr>
+              <a:t>袮</a:t>
+            </a:r>
+            <a:r>
+              <a:rPr lang="zh-TW" altLang="en-US" sz="6400" b="1" dirty="0">
+                <a:solidFill>
+                  <a:srgbClr val="660033"/>
+                </a:solidFill>
+                <a:latin typeface="微軟正黑體" pitchFamily="34" charset="-120"/>
+                <a:ea typeface="微軟正黑體" pitchFamily="34" charset="-120"/>
+              </a:rPr>
+              <a:t>說話兒共對應</a:t>
+            </a:r>
+            <a:endParaRPr lang="en-US" altLang="zh-TW" sz="6400" b="1" dirty="0">
+              <a:solidFill>
+                <a:srgbClr val="660033"/>
+              </a:solidFill>
+              <a:latin typeface="微軟正黑體" pitchFamily="34" charset="-120"/>
+              <a:ea typeface="微軟正黑體" pitchFamily="34" charset="-120"/>
+            </a:endParaRPr>
+          </a:p>
+        </p:txBody>
+      </p:sp>
+      <p:sp>
+        <p:nvSpPr>
+          <p:cNvPr id="3" name="TextBox 2"/>
+          <p:cNvSpPr txBox="1"/>
+          <p:nvPr/>
+        </p:nvSpPr>
+        <p:spPr>
+          <a:xfrm>
+            <a:off x="0" y="5061183"/>
+            <a:ext cx="12192000" cy="830997"/>
+          </a:xfrm>
+          <a:prstGeom prst="rect">
+            <a:avLst/>
+          </a:prstGeom>
+          <a:noFill/>
+        </p:spPr>
+        <p:txBody>
+          <a:bodyPr wrap="square" rtlCol="0">
+            <a:spAutoFit/>
+          </a:bodyPr>
+          <a:lstStyle/>
+          <a:p>
+            <a:pPr algn="ctr"/>
+            <a:r>
+              <a:rPr lang="en-US" sz="4800" b="1" dirty="0">
+                <a:solidFill>
+                  <a:srgbClr val="660033"/>
+                </a:solidFill>
+                <a:effectLst/>
+                <a:latin typeface="Microsoft JhengHei" panose="020B0604030504040204" pitchFamily="34" charset="-120"/>
+                <a:ea typeface="Microsoft JhengHei" panose="020B0604030504040204" pitchFamily="34" charset="-120"/>
+              </a:rPr>
+              <a:t>( </a:t>
+            </a:r>
+            <a:r>
+              <a:rPr lang="zh-CN" altLang="en-US" sz="4800" b="1" dirty="0">
+                <a:solidFill>
+                  <a:srgbClr val="660033"/>
+                </a:solidFill>
+                <a:effectLst/>
+                <a:latin typeface="Microsoft JhengHei" panose="020B0604030504040204" pitchFamily="34" charset="-120"/>
+                <a:ea typeface="Microsoft JhengHei" panose="020B0604030504040204" pitchFamily="34" charset="-120"/>
+              </a:rPr>
+              <a:t>正</a:t>
+            </a:r>
+            <a:r>
+              <a:rPr lang="en-US" sz="4800" b="1" dirty="0">
+                <a:solidFill>
+                  <a:srgbClr val="660033"/>
+                </a:solidFill>
+                <a:effectLst/>
+                <a:latin typeface="Microsoft JhengHei" panose="020B0604030504040204" pitchFamily="34" charset="-120"/>
+                <a:ea typeface="Microsoft JhengHei" panose="020B0604030504040204" pitchFamily="34" charset="-120"/>
+              </a:rPr>
+              <a:t> )</a:t>
+            </a:r>
+            <a:endParaRPr lang="vi-VN" sz="4800" b="1" dirty="0">
+              <a:solidFill>
+                <a:srgbClr val="660033"/>
+              </a:solidFill>
+              <a:effectLst/>
+              <a:latin typeface="Microsoft JhengHei" panose="020B0604030504040204" pitchFamily="34" charset="-120"/>
+              <a:ea typeface="Microsoft JhengHei" panose="020B0604030504040204" pitchFamily="34" charset="-120"/>
+            </a:endParaRPr>
+          </a:p>
+        </p:txBody>
+      </p:sp>
+    </p:spTree>
+    <p:extLst>
+      <p:ext uri="{BB962C8B-B14F-4D97-AF65-F5344CB8AC3E}">
+        <p14:creationId xmlns:p14="http://schemas.microsoft.com/office/powerpoint/2010/main" xmlns="" val="2913648562"/>
+      </p:ext>
+    </p:extLst>
+  </p:cSld>
+  <p:clrMapOvr>
+    <a:masterClrMapping/>
+  </p:clrMapOvr>
+</p:sld>
+</file>
+
+<file path=ppt/slides/slide23.xml><?xml version="1.0" encoding="utf-8"?>
+<p:sld xmlns:a="http://schemas.openxmlformats.org/drawingml/2006/main" xmlns:r="http://schemas.openxmlformats.org/officeDocument/2006/relationships" xmlns:p="http://schemas.openxmlformats.org/presentationml/2006/main">
+  <p:cSld>
+    <p:spTree>
+      <p:nvGrpSpPr>
+        <p:cNvPr id="1" name=""/>
+        <p:cNvGrpSpPr/>
+        <p:nvPr/>
+      </p:nvGrpSpPr>
+      <p:grpSpPr>
+        <a:xfrm>
+          <a:off x="0" y="0"/>
+          <a:ext cx="0" cy="0"/>
+          <a:chOff x="0" y="0"/>
+          <a:chExt cx="0" cy="0"/>
+        </a:xfrm>
+      </p:grpSpPr>
+      <p:sp>
+        <p:nvSpPr>
+          <p:cNvPr id="5" name="內容版面配置區 4"/>
+          <p:cNvSpPr>
+            <a:spLocks noGrp="1"/>
+          </p:cNvSpPr>
+          <p:nvPr>
+            <p:ph idx="1"/>
+          </p:nvPr>
+        </p:nvSpPr>
+        <p:spPr>
+          <a:xfrm>
+            <a:off x="0" y="2084853"/>
+            <a:ext cx="12192000" cy="2404863"/>
+          </a:xfrm>
+        </p:spPr>
+        <p:txBody>
+          <a:bodyPr anchor="ctr">
+            <a:normAutofit/>
+          </a:bodyPr>
+          <a:lstStyle/>
+          <a:p>
+            <a:pPr algn="ctr">
+              <a:buNone/>
+            </a:pPr>
+            <a:r>
+              <a:rPr lang="zh-TW" altLang="en-US" sz="6400" b="1" dirty="0">
+                <a:solidFill>
+                  <a:srgbClr val="660033"/>
+                </a:solidFill>
+                <a:latin typeface="微軟正黑體" pitchFamily="34" charset="-120"/>
+                <a:ea typeface="微軟正黑體" pitchFamily="34" charset="-120"/>
+              </a:rPr>
+              <a:t>細細說  輕輕細細說</a:t>
+            </a:r>
+            <a:endParaRPr lang="en-US" altLang="zh-TW" sz="6400" b="1" dirty="0">
+              <a:solidFill>
+                <a:srgbClr val="660033"/>
+              </a:solidFill>
+              <a:latin typeface="微軟正黑體" pitchFamily="34" charset="-120"/>
+              <a:ea typeface="微軟正黑體" pitchFamily="34" charset="-120"/>
+            </a:endParaRPr>
+          </a:p>
+          <a:p>
+            <a:pPr algn="ctr">
+              <a:buNone/>
+            </a:pPr>
+            <a:r>
+              <a:rPr lang="zh-TW" altLang="en-US" sz="6400" b="1" dirty="0">
+                <a:solidFill>
+                  <a:srgbClr val="660033"/>
+                </a:solidFill>
+                <a:latin typeface="微軟正黑體" pitchFamily="34" charset="-120"/>
+                <a:ea typeface="微軟正黑體" pitchFamily="34" charset="-120"/>
+              </a:rPr>
+              <a:t>因知道我牧人在細聽</a:t>
+            </a:r>
+          </a:p>
+        </p:txBody>
+      </p:sp>
+      <p:sp>
+        <p:nvSpPr>
+          <p:cNvPr id="3" name="TextBox 2"/>
+          <p:cNvSpPr txBox="1"/>
+          <p:nvPr/>
+        </p:nvSpPr>
+        <p:spPr>
+          <a:xfrm>
+            <a:off x="0" y="5061183"/>
+            <a:ext cx="12192000" cy="830997"/>
+          </a:xfrm>
+          <a:prstGeom prst="rect">
+            <a:avLst/>
+          </a:prstGeom>
+          <a:noFill/>
+        </p:spPr>
+        <p:txBody>
+          <a:bodyPr wrap="square" rtlCol="0">
+            <a:spAutoFit/>
+          </a:bodyPr>
+          <a:lstStyle/>
+          <a:p>
+            <a:pPr algn="ctr"/>
+            <a:r>
+              <a:rPr lang="en-US" sz="4800" b="1" dirty="0">
+                <a:solidFill>
+                  <a:srgbClr val="660033"/>
+                </a:solidFill>
+                <a:effectLst/>
+                <a:latin typeface="Microsoft JhengHei" panose="020B0604030504040204" pitchFamily="34" charset="-120"/>
+                <a:ea typeface="Microsoft JhengHei" panose="020B0604030504040204" pitchFamily="34" charset="-120"/>
+              </a:rPr>
+              <a:t>( </a:t>
+            </a:r>
+            <a:r>
+              <a:rPr lang="zh-CN" altLang="en-US" sz="4800" b="1" dirty="0">
+                <a:solidFill>
+                  <a:srgbClr val="660033"/>
+                </a:solidFill>
+                <a:effectLst/>
+                <a:latin typeface="Microsoft JhengHei" panose="020B0604030504040204" pitchFamily="34" charset="-120"/>
+                <a:ea typeface="Microsoft JhengHei" panose="020B0604030504040204" pitchFamily="34" charset="-120"/>
+              </a:rPr>
+              <a:t>正</a:t>
+            </a:r>
+            <a:r>
+              <a:rPr lang="en-US" sz="4800" b="1" dirty="0">
+                <a:solidFill>
+                  <a:srgbClr val="660033"/>
+                </a:solidFill>
+                <a:effectLst/>
+                <a:latin typeface="Microsoft JhengHei" panose="020B0604030504040204" pitchFamily="34" charset="-120"/>
+                <a:ea typeface="Microsoft JhengHei" panose="020B0604030504040204" pitchFamily="34" charset="-120"/>
+              </a:rPr>
+              <a:t> )</a:t>
+            </a:r>
+            <a:endParaRPr lang="vi-VN" sz="4800" b="1" dirty="0">
+              <a:solidFill>
+                <a:srgbClr val="660033"/>
+              </a:solidFill>
+              <a:effectLst/>
+              <a:latin typeface="Microsoft JhengHei" panose="020B0604030504040204" pitchFamily="34" charset="-120"/>
+              <a:ea typeface="Microsoft JhengHei" panose="020B0604030504040204" pitchFamily="34" charset="-120"/>
+            </a:endParaRPr>
+          </a:p>
+        </p:txBody>
+      </p:sp>
+    </p:spTree>
+    <p:extLst>
+      <p:ext uri="{BB962C8B-B14F-4D97-AF65-F5344CB8AC3E}">
+        <p14:creationId xmlns:p14="http://schemas.microsoft.com/office/powerpoint/2010/main" xmlns="" val="2496382510"/>
+      </p:ext>
+    </p:extLst>
+  </p:cSld>
+  <p:clrMapOvr>
+    <a:masterClrMapping/>
+  </p:clrMapOvr>
+</p:sld>
+</file>
+
+<file path=ppt/slides/slide24.xml><?xml version="1.0" encoding="utf-8"?>
+<p:sld xmlns:a="http://schemas.openxmlformats.org/drawingml/2006/main" xmlns:r="http://schemas.openxmlformats.org/officeDocument/2006/relationships" xmlns:p="http://schemas.openxmlformats.org/presentationml/2006/main">
+  <p:cSld>
+    <p:spTree>
+      <p:nvGrpSpPr>
+        <p:cNvPr id="1" name=""/>
+        <p:cNvGrpSpPr/>
+        <p:nvPr/>
+      </p:nvGrpSpPr>
+      <p:grpSpPr>
+        <a:xfrm>
+          <a:off x="0" y="0"/>
+          <a:ext cx="0" cy="0"/>
+          <a:chOff x="0" y="0"/>
+          <a:chExt cx="0" cy="0"/>
+        </a:xfrm>
+      </p:grpSpPr>
+      <p:sp>
+        <p:nvSpPr>
+          <p:cNvPr id="5" name="內容版面配置區 4"/>
+          <p:cNvSpPr>
+            <a:spLocks noGrp="1"/>
+          </p:cNvSpPr>
+          <p:nvPr>
+            <p:ph idx="1"/>
+          </p:nvPr>
+        </p:nvSpPr>
+        <p:spPr>
+          <a:xfrm>
+            <a:off x="0" y="2084853"/>
+            <a:ext cx="12192000" cy="2404863"/>
+          </a:xfrm>
+        </p:spPr>
+        <p:txBody>
+          <a:bodyPr anchor="ctr">
+            <a:normAutofit/>
+          </a:bodyPr>
+          <a:lstStyle/>
+          <a:p>
+            <a:pPr algn="ctr">
+              <a:buNone/>
+            </a:pPr>
+            <a:r>
+              <a:rPr lang="zh-TW" altLang="en-US" sz="6400" b="1" dirty="0">
+                <a:solidFill>
+                  <a:srgbClr val="660033"/>
+                </a:solidFill>
+                <a:latin typeface="微軟正黑體" pitchFamily="34" charset="-120"/>
+                <a:ea typeface="微軟正黑體" pitchFamily="34" charset="-120"/>
+              </a:rPr>
+              <a:t>上帝</a:t>
+            </a:r>
+            <a:r>
+              <a:rPr lang="zh-CN" altLang="en-US" sz="6400" b="1" dirty="0">
+                <a:solidFill>
+                  <a:srgbClr val="660033"/>
+                </a:solidFill>
+                <a:latin typeface="微軟正黑體" pitchFamily="34" charset="-120"/>
+                <a:ea typeface="微軟正黑體" pitchFamily="34" charset="-120"/>
+              </a:rPr>
+              <a:t>袮</a:t>
+            </a:r>
+            <a:r>
+              <a:rPr lang="zh-TW" altLang="en-US" sz="6400" b="1" dirty="0">
+                <a:solidFill>
+                  <a:srgbClr val="660033"/>
+                </a:solidFill>
+                <a:latin typeface="微軟正黑體" pitchFamily="34" charset="-120"/>
+                <a:ea typeface="微軟正黑體" pitchFamily="34" charset="-120"/>
+              </a:rPr>
+              <a:t>是我獨一生命光</a:t>
+            </a:r>
+            <a:endParaRPr lang="en-US" altLang="zh-TW" sz="6400" b="1" dirty="0">
+              <a:solidFill>
+                <a:srgbClr val="660033"/>
+              </a:solidFill>
+              <a:latin typeface="微軟正黑體" pitchFamily="34" charset="-120"/>
+              <a:ea typeface="微軟正黑體" pitchFamily="34" charset="-120"/>
+            </a:endParaRPr>
+          </a:p>
+          <a:p>
+            <a:pPr algn="ctr">
+              <a:buNone/>
+            </a:pPr>
+            <a:r>
+              <a:rPr lang="zh-TW" altLang="en-US" sz="6400" b="1" dirty="0">
+                <a:solidFill>
+                  <a:srgbClr val="660033"/>
+                </a:solidFill>
+                <a:latin typeface="微軟正黑體" pitchFamily="34" charset="-120"/>
+                <a:ea typeface="微軟正黑體" pitchFamily="34" charset="-120"/>
+              </a:rPr>
+              <a:t>羊屬</a:t>
+            </a:r>
+            <a:r>
+              <a:rPr lang="zh-CN" altLang="en-US" sz="6400" b="1" dirty="0">
+                <a:solidFill>
+                  <a:srgbClr val="660033"/>
+                </a:solidFill>
+                <a:latin typeface="微軟正黑體" pitchFamily="34" charset="-120"/>
+                <a:ea typeface="微軟正黑體" pitchFamily="34" charset="-120"/>
+              </a:rPr>
+              <a:t>袮</a:t>
+            </a:r>
+            <a:r>
+              <a:rPr lang="zh-TW" altLang="en-US" sz="6400" b="1" dirty="0">
+                <a:solidFill>
+                  <a:srgbClr val="660033"/>
+                </a:solidFill>
+                <a:latin typeface="微軟正黑體" pitchFamily="34" charset="-120"/>
+                <a:ea typeface="微軟正黑體" pitchFamily="34" charset="-120"/>
+              </a:rPr>
+              <a:t>必清楚聽</a:t>
+            </a:r>
+            <a:r>
+              <a:rPr lang="zh-CN" altLang="en-US" sz="6400" b="1" dirty="0">
+                <a:solidFill>
+                  <a:srgbClr val="660033"/>
+                </a:solidFill>
+                <a:latin typeface="微軟正黑體" pitchFamily="34" charset="-120"/>
+                <a:ea typeface="微軟正黑體" pitchFamily="34" charset="-120"/>
+              </a:rPr>
+              <a:t>袮</a:t>
+            </a:r>
+            <a:r>
+              <a:rPr lang="zh-TW" altLang="en-US" sz="6400" b="1" dirty="0">
+                <a:solidFill>
+                  <a:srgbClr val="660033"/>
+                </a:solidFill>
+                <a:latin typeface="微軟正黑體" pitchFamily="34" charset="-120"/>
+                <a:ea typeface="微軟正黑體" pitchFamily="34" charset="-120"/>
+              </a:rPr>
+              <a:t>聲</a:t>
+            </a:r>
+            <a:endParaRPr lang="en-US" altLang="zh-TW" sz="6400" b="1" dirty="0">
+              <a:solidFill>
+                <a:srgbClr val="660033"/>
+              </a:solidFill>
+              <a:latin typeface="微軟正黑體" pitchFamily="34" charset="-120"/>
+              <a:ea typeface="微軟正黑體" pitchFamily="34" charset="-120"/>
+            </a:endParaRPr>
+          </a:p>
+        </p:txBody>
+      </p:sp>
+      <p:sp>
+        <p:nvSpPr>
+          <p:cNvPr id="3" name="TextBox 2"/>
+          <p:cNvSpPr txBox="1"/>
+          <p:nvPr/>
+        </p:nvSpPr>
+        <p:spPr>
+          <a:xfrm>
+            <a:off x="0" y="5061183"/>
+            <a:ext cx="12192000" cy="830997"/>
+          </a:xfrm>
+          <a:prstGeom prst="rect">
+            <a:avLst/>
+          </a:prstGeom>
+          <a:noFill/>
+        </p:spPr>
+        <p:txBody>
+          <a:bodyPr wrap="square" rtlCol="0">
+            <a:spAutoFit/>
+          </a:bodyPr>
+          <a:lstStyle/>
+          <a:p>
+            <a:pPr algn="ctr"/>
+            <a:r>
+              <a:rPr lang="en-US" sz="4800" b="1" dirty="0">
+                <a:solidFill>
+                  <a:srgbClr val="660033"/>
+                </a:solidFill>
+                <a:effectLst/>
+                <a:latin typeface="Microsoft JhengHei" panose="020B0604030504040204" pitchFamily="34" charset="-120"/>
+                <a:ea typeface="Microsoft JhengHei" panose="020B0604030504040204" pitchFamily="34" charset="-120"/>
+              </a:rPr>
+              <a:t>( </a:t>
+            </a:r>
+            <a:r>
+              <a:rPr lang="zh-CN" altLang="en-US" sz="4800" b="1" dirty="0">
+                <a:solidFill>
+                  <a:srgbClr val="660033"/>
+                </a:solidFill>
+                <a:effectLst/>
+                <a:latin typeface="Microsoft JhengHei" panose="020B0604030504040204" pitchFamily="34" charset="-120"/>
+                <a:ea typeface="Microsoft JhengHei" panose="020B0604030504040204" pitchFamily="34" charset="-120"/>
+              </a:rPr>
+              <a:t>副</a:t>
+            </a:r>
+            <a:r>
+              <a:rPr lang="en-US" sz="4800" b="1" dirty="0">
+                <a:solidFill>
+                  <a:srgbClr val="660033"/>
+                </a:solidFill>
+                <a:effectLst/>
+                <a:latin typeface="Microsoft JhengHei" panose="020B0604030504040204" pitchFamily="34" charset="-120"/>
+                <a:ea typeface="Microsoft JhengHei" panose="020B0604030504040204" pitchFamily="34" charset="-120"/>
+              </a:rPr>
+              <a:t> )</a:t>
+            </a:r>
+            <a:endParaRPr lang="vi-VN" sz="4800" b="1" dirty="0">
+              <a:solidFill>
+                <a:srgbClr val="660033"/>
+              </a:solidFill>
+              <a:effectLst/>
+              <a:latin typeface="Microsoft JhengHei" panose="020B0604030504040204" pitchFamily="34" charset="-120"/>
+              <a:ea typeface="Microsoft JhengHei" panose="020B0604030504040204" pitchFamily="34" charset="-120"/>
+            </a:endParaRPr>
+          </a:p>
+        </p:txBody>
+      </p:sp>
+    </p:spTree>
+    <p:extLst>
+      <p:ext uri="{BB962C8B-B14F-4D97-AF65-F5344CB8AC3E}">
+        <p14:creationId xmlns:p14="http://schemas.microsoft.com/office/powerpoint/2010/main" xmlns="" val="2688541880"/>
+      </p:ext>
+    </p:extLst>
+  </p:cSld>
+  <p:clrMapOvr>
+    <a:masterClrMapping/>
+  </p:clrMapOvr>
+</p:sld>
+</file>
+
+<file path=ppt/slides/slide25.xml><?xml version="1.0" encoding="utf-8"?>
+<p:sld xmlns:a="http://schemas.openxmlformats.org/drawingml/2006/main" xmlns:r="http://schemas.openxmlformats.org/officeDocument/2006/relationships" xmlns:p="http://schemas.openxmlformats.org/presentationml/2006/main">
+  <p:cSld>
+    <p:spTree>
+      <p:nvGrpSpPr>
+        <p:cNvPr id="1" name=""/>
+        <p:cNvGrpSpPr/>
+        <p:nvPr/>
+      </p:nvGrpSpPr>
+      <p:grpSpPr>
+        <a:xfrm>
+          <a:off x="0" y="0"/>
+          <a:ext cx="0" cy="0"/>
+          <a:chOff x="0" y="0"/>
+          <a:chExt cx="0" cy="0"/>
+        </a:xfrm>
+      </p:grpSpPr>
+      <p:sp>
+        <p:nvSpPr>
+          <p:cNvPr id="5" name="內容版面配置區 4"/>
+          <p:cNvSpPr>
+            <a:spLocks noGrp="1"/>
+          </p:cNvSpPr>
+          <p:nvPr>
+            <p:ph idx="1"/>
+          </p:nvPr>
+        </p:nvSpPr>
+        <p:spPr>
+          <a:xfrm>
+            <a:off x="0" y="2084853"/>
+            <a:ext cx="12192000" cy="2404863"/>
+          </a:xfrm>
+        </p:spPr>
+        <p:txBody>
+          <a:bodyPr anchor="ctr">
+            <a:normAutofit/>
+          </a:bodyPr>
+          <a:lstStyle/>
+          <a:p>
+            <a:pPr algn="ctr">
+              <a:buNone/>
+            </a:pPr>
+            <a:r>
+              <a:rPr lang="zh-TW" altLang="en-US" sz="6400" b="1" dirty="0">
+                <a:solidFill>
+                  <a:srgbClr val="660033"/>
+                </a:solidFill>
+                <a:latin typeface="微軟正黑體" pitchFamily="34" charset="-120"/>
+                <a:ea typeface="微軟正黑體" pitchFamily="34" charset="-120"/>
+              </a:rPr>
+              <a:t>牧養引導我   輕聲教導我</a:t>
+            </a:r>
+            <a:endParaRPr lang="en-US" altLang="zh-TW" sz="6400" b="1" dirty="0">
+              <a:solidFill>
+                <a:srgbClr val="660033"/>
+              </a:solidFill>
+              <a:latin typeface="微軟正黑體" pitchFamily="34" charset="-120"/>
+              <a:ea typeface="微軟正黑體" pitchFamily="34" charset="-120"/>
+            </a:endParaRPr>
+          </a:p>
+          <a:p>
+            <a:pPr algn="ctr">
+              <a:buNone/>
+            </a:pPr>
+            <a:r>
+              <a:rPr lang="zh-TW" altLang="en-US" sz="6400" b="1" dirty="0">
+                <a:solidFill>
+                  <a:srgbClr val="660033"/>
+                </a:solidFill>
+                <a:latin typeface="微軟正黑體" pitchFamily="34" charset="-120"/>
+                <a:ea typeface="微軟正黑體" pitchFamily="34" charset="-120"/>
+              </a:rPr>
+              <a:t>一生聽</a:t>
+            </a:r>
+            <a:r>
+              <a:rPr lang="zh-CN" altLang="en-US" sz="6400" b="1" dirty="0">
+                <a:solidFill>
+                  <a:srgbClr val="660033"/>
+                </a:solidFill>
+                <a:latin typeface="微軟正黑體" pitchFamily="34" charset="-120"/>
+                <a:ea typeface="微軟正黑體" pitchFamily="34" charset="-120"/>
+              </a:rPr>
+              <a:t>袮</a:t>
+            </a:r>
+            <a:r>
+              <a:rPr lang="zh-TW" altLang="en-US" sz="6400" b="1" dirty="0">
+                <a:solidFill>
+                  <a:srgbClr val="660033"/>
+                </a:solidFill>
+                <a:latin typeface="微軟正黑體" pitchFamily="34" charset="-120"/>
+                <a:ea typeface="微軟正黑體" pitchFamily="34" charset="-120"/>
+              </a:rPr>
+              <a:t>話兒共對應</a:t>
+            </a:r>
+          </a:p>
+        </p:txBody>
+      </p:sp>
+      <p:sp>
+        <p:nvSpPr>
+          <p:cNvPr id="3" name="TextBox 2"/>
+          <p:cNvSpPr txBox="1"/>
+          <p:nvPr/>
+        </p:nvSpPr>
+        <p:spPr>
+          <a:xfrm>
+            <a:off x="0" y="5061183"/>
+            <a:ext cx="12192000" cy="830997"/>
+          </a:xfrm>
+          <a:prstGeom prst="rect">
+            <a:avLst/>
+          </a:prstGeom>
+          <a:noFill/>
+        </p:spPr>
+        <p:txBody>
+          <a:bodyPr wrap="square" rtlCol="0">
+            <a:spAutoFit/>
+          </a:bodyPr>
+          <a:lstStyle/>
+          <a:p>
+            <a:pPr algn="ctr"/>
+            <a:r>
+              <a:rPr lang="en-US" sz="4800" b="1" dirty="0">
+                <a:solidFill>
+                  <a:srgbClr val="660033"/>
+                </a:solidFill>
+                <a:effectLst/>
+                <a:latin typeface="Microsoft JhengHei" panose="020B0604030504040204" pitchFamily="34" charset="-120"/>
+                <a:ea typeface="Microsoft JhengHei" panose="020B0604030504040204" pitchFamily="34" charset="-120"/>
+              </a:rPr>
+              <a:t>( </a:t>
+            </a:r>
+            <a:r>
+              <a:rPr lang="zh-CN" altLang="en-US" sz="4800" b="1" dirty="0">
+                <a:solidFill>
+                  <a:srgbClr val="660033"/>
+                </a:solidFill>
+                <a:effectLst/>
+                <a:latin typeface="Microsoft JhengHei" panose="020B0604030504040204" pitchFamily="34" charset="-120"/>
+                <a:ea typeface="Microsoft JhengHei" panose="020B0604030504040204" pitchFamily="34" charset="-120"/>
+              </a:rPr>
+              <a:t>副</a:t>
+            </a:r>
+            <a:r>
+              <a:rPr lang="en-US" sz="4800" b="1" dirty="0">
+                <a:solidFill>
+                  <a:srgbClr val="660033"/>
+                </a:solidFill>
+                <a:effectLst/>
+                <a:latin typeface="Microsoft JhengHei" panose="020B0604030504040204" pitchFamily="34" charset="-120"/>
+                <a:ea typeface="Microsoft JhengHei" panose="020B0604030504040204" pitchFamily="34" charset="-120"/>
+              </a:rPr>
+              <a:t> )</a:t>
+            </a:r>
+            <a:endParaRPr lang="vi-VN" sz="4800" b="1" dirty="0">
+              <a:solidFill>
+                <a:srgbClr val="660033"/>
+              </a:solidFill>
+              <a:effectLst/>
+              <a:latin typeface="Microsoft JhengHei" panose="020B0604030504040204" pitchFamily="34" charset="-120"/>
+              <a:ea typeface="Microsoft JhengHei" panose="020B0604030504040204" pitchFamily="34" charset="-120"/>
+            </a:endParaRPr>
+          </a:p>
+        </p:txBody>
+      </p:sp>
+    </p:spTree>
+    <p:extLst>
+      <p:ext uri="{BB962C8B-B14F-4D97-AF65-F5344CB8AC3E}">
+        <p14:creationId xmlns:p14="http://schemas.microsoft.com/office/powerpoint/2010/main" xmlns="" val="652490503"/>
+      </p:ext>
+    </p:extLst>
+  </p:cSld>
+  <p:clrMapOvr>
+    <a:masterClrMapping/>
+  </p:clrMapOvr>
+</p:sld>
+</file>
+
+<file path=ppt/slides/slide26.xml><?xml version="1.0" encoding="utf-8"?>
+<p:sld xmlns:a="http://schemas.openxmlformats.org/drawingml/2006/main" xmlns:r="http://schemas.openxmlformats.org/officeDocument/2006/relationships" xmlns:p="http://schemas.openxmlformats.org/presentationml/2006/main">
+  <p:cSld>
+    <p:spTree>
+      <p:nvGrpSpPr>
+        <p:cNvPr id="1" name=""/>
+        <p:cNvGrpSpPr/>
+        <p:nvPr/>
+      </p:nvGrpSpPr>
+      <p:grpSpPr>
+        <a:xfrm>
+          <a:off x="0" y="0"/>
+          <a:ext cx="0" cy="0"/>
+          <a:chOff x="0" y="0"/>
+          <a:chExt cx="0" cy="0"/>
+        </a:xfrm>
+      </p:grpSpPr>
+      <p:sp>
+        <p:nvSpPr>
+          <p:cNvPr id="5" name="內容版面配置區 4"/>
+          <p:cNvSpPr>
+            <a:spLocks noGrp="1"/>
+          </p:cNvSpPr>
+          <p:nvPr>
+            <p:ph idx="1"/>
+          </p:nvPr>
+        </p:nvSpPr>
+        <p:spPr>
+          <a:xfrm>
+            <a:off x="0" y="2084853"/>
+            <a:ext cx="12192000" cy="2404863"/>
+          </a:xfrm>
+        </p:spPr>
+        <p:txBody>
+          <a:bodyPr anchor="ctr">
+            <a:normAutofit/>
+          </a:bodyPr>
+          <a:lstStyle/>
+          <a:p>
+            <a:pPr algn="ctr">
+              <a:buNone/>
+            </a:pPr>
+            <a:r>
+              <a:rPr lang="zh-TW" altLang="en-US" sz="6400" b="1" dirty="0">
+                <a:solidFill>
+                  <a:srgbClr val="660033"/>
+                </a:solidFill>
+                <a:latin typeface="微軟正黑體" pitchFamily="34" charset="-120"/>
+                <a:ea typeface="微軟正黑體" pitchFamily="34" charset="-120"/>
+              </a:rPr>
+              <a:t>上帝</a:t>
+            </a:r>
+            <a:r>
+              <a:rPr lang="zh-CN" altLang="en-US" sz="6400" b="1" dirty="0">
+                <a:solidFill>
+                  <a:srgbClr val="660033"/>
+                </a:solidFill>
+                <a:latin typeface="微軟正黑體" pitchFamily="34" charset="-120"/>
+                <a:ea typeface="微軟正黑體" pitchFamily="34" charset="-120"/>
+              </a:rPr>
+              <a:t>袮</a:t>
+            </a:r>
+            <a:r>
+              <a:rPr lang="zh-TW" altLang="en-US" sz="6400" b="1" dirty="0">
+                <a:solidFill>
+                  <a:srgbClr val="660033"/>
+                </a:solidFill>
+                <a:latin typeface="微軟正黑體" pitchFamily="34" charset="-120"/>
+                <a:ea typeface="微軟正黑體" pitchFamily="34" charset="-120"/>
+              </a:rPr>
+              <a:t>是我獨一生命光</a:t>
+            </a:r>
+            <a:endParaRPr lang="en-US" altLang="zh-TW" sz="6400" b="1" dirty="0">
+              <a:solidFill>
+                <a:srgbClr val="660033"/>
+              </a:solidFill>
+              <a:latin typeface="微軟正黑體" pitchFamily="34" charset="-120"/>
+              <a:ea typeface="微軟正黑體" pitchFamily="34" charset="-120"/>
+            </a:endParaRPr>
+          </a:p>
+          <a:p>
+            <a:pPr algn="ctr">
+              <a:buNone/>
+            </a:pPr>
+            <a:r>
+              <a:rPr lang="zh-TW" altLang="en-US" sz="6400" b="1" dirty="0">
+                <a:solidFill>
+                  <a:srgbClr val="660033"/>
+                </a:solidFill>
+                <a:latin typeface="微軟正黑體" pitchFamily="34" charset="-120"/>
+                <a:ea typeface="微軟正黑體" pitchFamily="34" charset="-120"/>
+              </a:rPr>
+              <a:t>羊屬</a:t>
+            </a:r>
+            <a:r>
+              <a:rPr lang="zh-CN" altLang="en-US" sz="6400" b="1" dirty="0">
+                <a:solidFill>
+                  <a:srgbClr val="660033"/>
+                </a:solidFill>
+                <a:latin typeface="微軟正黑體" pitchFamily="34" charset="-120"/>
+                <a:ea typeface="微軟正黑體" pitchFamily="34" charset="-120"/>
+              </a:rPr>
+              <a:t>袮</a:t>
+            </a:r>
+            <a:r>
+              <a:rPr lang="zh-TW" altLang="en-US" sz="6400" b="1" dirty="0">
+                <a:solidFill>
+                  <a:srgbClr val="660033"/>
+                </a:solidFill>
+                <a:latin typeface="微軟正黑體" pitchFamily="34" charset="-120"/>
+                <a:ea typeface="微軟正黑體" pitchFamily="34" charset="-120"/>
+              </a:rPr>
+              <a:t>必清楚聽</a:t>
+            </a:r>
+            <a:r>
+              <a:rPr lang="zh-CN" altLang="en-US" sz="6400" b="1" dirty="0">
+                <a:solidFill>
+                  <a:srgbClr val="660033"/>
+                </a:solidFill>
+                <a:latin typeface="微軟正黑體" pitchFamily="34" charset="-120"/>
+                <a:ea typeface="微軟正黑體" pitchFamily="34" charset="-120"/>
+              </a:rPr>
+              <a:t>袮</a:t>
+            </a:r>
+            <a:r>
+              <a:rPr lang="zh-TW" altLang="en-US" sz="6400" b="1" dirty="0">
+                <a:solidFill>
+                  <a:srgbClr val="660033"/>
+                </a:solidFill>
+                <a:latin typeface="微軟正黑體" pitchFamily="34" charset="-120"/>
+                <a:ea typeface="微軟正黑體" pitchFamily="34" charset="-120"/>
+              </a:rPr>
+              <a:t>聲</a:t>
+            </a:r>
+            <a:endParaRPr lang="en-US" altLang="zh-TW" sz="6400" b="1" dirty="0">
+              <a:solidFill>
+                <a:srgbClr val="660033"/>
+              </a:solidFill>
+              <a:latin typeface="微軟正黑體" pitchFamily="34" charset="-120"/>
+              <a:ea typeface="微軟正黑體" pitchFamily="34" charset="-120"/>
+            </a:endParaRPr>
+          </a:p>
+        </p:txBody>
+      </p:sp>
+      <p:sp>
+        <p:nvSpPr>
+          <p:cNvPr id="3" name="TextBox 2"/>
+          <p:cNvSpPr txBox="1"/>
+          <p:nvPr/>
+        </p:nvSpPr>
+        <p:spPr>
+          <a:xfrm>
+            <a:off x="0" y="5061183"/>
+            <a:ext cx="12192000" cy="830997"/>
+          </a:xfrm>
+          <a:prstGeom prst="rect">
+            <a:avLst/>
+          </a:prstGeom>
+          <a:noFill/>
+        </p:spPr>
+        <p:txBody>
+          <a:bodyPr wrap="square" rtlCol="0">
+            <a:spAutoFit/>
+          </a:bodyPr>
+          <a:lstStyle/>
+          <a:p>
+            <a:pPr algn="ctr"/>
+            <a:r>
+              <a:rPr lang="en-US" sz="4800" b="1" dirty="0">
+                <a:solidFill>
+                  <a:srgbClr val="660033"/>
+                </a:solidFill>
+                <a:effectLst/>
+                <a:latin typeface="Microsoft JhengHei" panose="020B0604030504040204" pitchFamily="34" charset="-120"/>
+                <a:ea typeface="Microsoft JhengHei" panose="020B0604030504040204" pitchFamily="34" charset="-120"/>
+              </a:rPr>
+              <a:t>( </a:t>
+            </a:r>
+            <a:r>
+              <a:rPr lang="zh-CN" altLang="en-US" sz="4800" b="1" dirty="0">
+                <a:solidFill>
+                  <a:srgbClr val="660033"/>
+                </a:solidFill>
+                <a:effectLst/>
+                <a:latin typeface="Microsoft JhengHei" panose="020B0604030504040204" pitchFamily="34" charset="-120"/>
+                <a:ea typeface="Microsoft JhengHei" panose="020B0604030504040204" pitchFamily="34" charset="-120"/>
+              </a:rPr>
+              <a:t>副</a:t>
+            </a:r>
+            <a:r>
+              <a:rPr lang="en-US" sz="4800" b="1" dirty="0">
+                <a:solidFill>
+                  <a:srgbClr val="660033"/>
+                </a:solidFill>
+                <a:effectLst/>
+                <a:latin typeface="Microsoft JhengHei" panose="020B0604030504040204" pitchFamily="34" charset="-120"/>
+                <a:ea typeface="Microsoft JhengHei" panose="020B0604030504040204" pitchFamily="34" charset="-120"/>
+              </a:rPr>
+              <a:t> )</a:t>
+            </a:r>
+            <a:endParaRPr lang="vi-VN" sz="4800" b="1" dirty="0">
+              <a:solidFill>
+                <a:srgbClr val="660033"/>
+              </a:solidFill>
+              <a:effectLst/>
+              <a:latin typeface="Microsoft JhengHei" panose="020B0604030504040204" pitchFamily="34" charset="-120"/>
+              <a:ea typeface="Microsoft JhengHei" panose="020B0604030504040204" pitchFamily="34" charset="-120"/>
+            </a:endParaRPr>
+          </a:p>
+        </p:txBody>
+      </p:sp>
+    </p:spTree>
+    <p:extLst>
+      <p:ext uri="{BB962C8B-B14F-4D97-AF65-F5344CB8AC3E}">
+        <p14:creationId xmlns:p14="http://schemas.microsoft.com/office/powerpoint/2010/main" xmlns="" val="2688541880"/>
+      </p:ext>
+    </p:extLst>
+  </p:cSld>
+  <p:clrMapOvr>
+    <a:masterClrMapping/>
+  </p:clrMapOvr>
+</p:sld>
+</file>
+
+<file path=ppt/slides/slide27.xml><?xml version="1.0" encoding="utf-8"?>
+<p:sld xmlns:a="http://schemas.openxmlformats.org/drawingml/2006/main" xmlns:r="http://schemas.openxmlformats.org/officeDocument/2006/relationships" xmlns:p="http://schemas.openxmlformats.org/presentationml/2006/main">
+  <p:cSld>
+    <p:spTree>
+      <p:nvGrpSpPr>
+        <p:cNvPr id="1" name=""/>
+        <p:cNvGrpSpPr/>
+        <p:nvPr/>
+      </p:nvGrpSpPr>
+      <p:grpSpPr>
+        <a:xfrm>
+          <a:off x="0" y="0"/>
+          <a:ext cx="0" cy="0"/>
+          <a:chOff x="0" y="0"/>
+          <a:chExt cx="0" cy="0"/>
+        </a:xfrm>
+      </p:grpSpPr>
+      <p:sp>
+        <p:nvSpPr>
+          <p:cNvPr id="5" name="內容版面配置區 4"/>
+          <p:cNvSpPr>
+            <a:spLocks noGrp="1"/>
+          </p:cNvSpPr>
+          <p:nvPr>
+            <p:ph idx="1"/>
+          </p:nvPr>
+        </p:nvSpPr>
+        <p:spPr>
+          <a:xfrm>
+            <a:off x="0" y="2084853"/>
+            <a:ext cx="12192000" cy="2404863"/>
+          </a:xfrm>
+        </p:spPr>
+        <p:txBody>
+          <a:bodyPr anchor="ctr">
+            <a:normAutofit/>
+          </a:bodyPr>
+          <a:lstStyle/>
+          <a:p>
+            <a:pPr algn="ctr">
+              <a:buNone/>
+            </a:pPr>
+            <a:r>
+              <a:rPr lang="zh-TW" altLang="en-US" sz="6400" b="1" dirty="0">
+                <a:solidFill>
+                  <a:srgbClr val="660033"/>
+                </a:solidFill>
+                <a:latin typeface="微軟正黑體" pitchFamily="34" charset="-120"/>
+                <a:ea typeface="微軟正黑體" pitchFamily="34" charset="-120"/>
+              </a:rPr>
+              <a:t>牧養引導我   輕聲教導我</a:t>
+            </a:r>
+            <a:endParaRPr lang="en-US" altLang="zh-TW" sz="6400" b="1" dirty="0">
+              <a:solidFill>
+                <a:srgbClr val="660033"/>
+              </a:solidFill>
+              <a:latin typeface="微軟正黑體" pitchFamily="34" charset="-120"/>
+              <a:ea typeface="微軟正黑體" pitchFamily="34" charset="-120"/>
+            </a:endParaRPr>
+          </a:p>
+          <a:p>
+            <a:pPr algn="ctr">
+              <a:buNone/>
+            </a:pPr>
+            <a:r>
+              <a:rPr lang="zh-TW" altLang="en-US" sz="6400" b="1" dirty="0">
+                <a:solidFill>
+                  <a:srgbClr val="660033"/>
+                </a:solidFill>
+                <a:latin typeface="微軟正黑體" pitchFamily="34" charset="-120"/>
+                <a:ea typeface="微軟正黑體" pitchFamily="34" charset="-120"/>
+              </a:rPr>
+              <a:t>一生聽</a:t>
+            </a:r>
+            <a:r>
+              <a:rPr lang="zh-CN" altLang="en-US" sz="6400" b="1" dirty="0">
+                <a:solidFill>
+                  <a:srgbClr val="660033"/>
+                </a:solidFill>
+                <a:latin typeface="微軟正黑體" pitchFamily="34" charset="-120"/>
+                <a:ea typeface="微軟正黑體" pitchFamily="34" charset="-120"/>
+              </a:rPr>
+              <a:t>袮</a:t>
+            </a:r>
+            <a:r>
+              <a:rPr lang="zh-TW" altLang="en-US" sz="6400" b="1" dirty="0">
+                <a:solidFill>
+                  <a:srgbClr val="660033"/>
+                </a:solidFill>
+                <a:latin typeface="微軟正黑體" pitchFamily="34" charset="-120"/>
+                <a:ea typeface="微軟正黑體" pitchFamily="34" charset="-120"/>
+              </a:rPr>
+              <a:t>話兒共對應</a:t>
+            </a:r>
+          </a:p>
+        </p:txBody>
+      </p:sp>
+      <p:sp>
+        <p:nvSpPr>
+          <p:cNvPr id="3" name="TextBox 2"/>
+          <p:cNvSpPr txBox="1"/>
+          <p:nvPr/>
+        </p:nvSpPr>
+        <p:spPr>
+          <a:xfrm>
+            <a:off x="0" y="5061183"/>
+            <a:ext cx="12192000" cy="830997"/>
+          </a:xfrm>
+          <a:prstGeom prst="rect">
+            <a:avLst/>
+          </a:prstGeom>
+          <a:noFill/>
+        </p:spPr>
+        <p:txBody>
+          <a:bodyPr wrap="square" rtlCol="0">
+            <a:spAutoFit/>
+          </a:bodyPr>
+          <a:lstStyle/>
+          <a:p>
+            <a:pPr algn="ctr"/>
+            <a:r>
+              <a:rPr lang="en-US" sz="4800" b="1" dirty="0">
+                <a:solidFill>
+                  <a:srgbClr val="660033"/>
+                </a:solidFill>
+                <a:effectLst/>
+                <a:latin typeface="Microsoft JhengHei" panose="020B0604030504040204" pitchFamily="34" charset="-120"/>
+                <a:ea typeface="Microsoft JhengHei" panose="020B0604030504040204" pitchFamily="34" charset="-120"/>
+              </a:rPr>
+              <a:t>( </a:t>
+            </a:r>
+            <a:r>
+              <a:rPr lang="zh-CN" altLang="en-US" sz="4800" b="1" dirty="0">
+                <a:solidFill>
+                  <a:srgbClr val="660033"/>
+                </a:solidFill>
+                <a:effectLst/>
+                <a:latin typeface="Microsoft JhengHei" panose="020B0604030504040204" pitchFamily="34" charset="-120"/>
+                <a:ea typeface="Microsoft JhengHei" panose="020B0604030504040204" pitchFamily="34" charset="-120"/>
+              </a:rPr>
+              <a:t>副</a:t>
+            </a:r>
+            <a:r>
+              <a:rPr lang="en-US" sz="4800" b="1" dirty="0">
+                <a:solidFill>
+                  <a:srgbClr val="660033"/>
+                </a:solidFill>
+                <a:effectLst/>
+                <a:latin typeface="Microsoft JhengHei" panose="020B0604030504040204" pitchFamily="34" charset="-120"/>
+                <a:ea typeface="Microsoft JhengHei" panose="020B0604030504040204" pitchFamily="34" charset="-120"/>
+              </a:rPr>
+              <a:t> )</a:t>
+            </a:r>
+            <a:endParaRPr lang="vi-VN" sz="4800" b="1" dirty="0">
+              <a:solidFill>
+                <a:srgbClr val="660033"/>
+              </a:solidFill>
+              <a:effectLst/>
+              <a:latin typeface="Microsoft JhengHei" panose="020B0604030504040204" pitchFamily="34" charset="-120"/>
+              <a:ea typeface="Microsoft JhengHei" panose="020B0604030504040204" pitchFamily="34" charset="-120"/>
+            </a:endParaRPr>
+          </a:p>
+        </p:txBody>
+      </p:sp>
+    </p:spTree>
+    <p:extLst>
+      <p:ext uri="{BB962C8B-B14F-4D97-AF65-F5344CB8AC3E}">
+        <p14:creationId xmlns:p14="http://schemas.microsoft.com/office/powerpoint/2010/main" xmlns="" val="652490503"/>
+      </p:ext>
+    </p:extLst>
+  </p:cSld>
+  <p:clrMapOvr>
+    <a:masterClrMapping/>
+  </p:clrMapOvr>
+</p:sld>
+</file>
+
+<file path=ppt/slides/slide28.xml><?xml version="1.0" encoding="utf-8"?>
+<p:sld xmlns:a="http://schemas.openxmlformats.org/drawingml/2006/main" xmlns:r="http://schemas.openxmlformats.org/officeDocument/2006/relationships" xmlns:p="http://schemas.openxmlformats.org/presentationml/2006/main">
+  <p:cSld>
+    <p:spTree>
+      <p:nvGrpSpPr>
+        <p:cNvPr id="1" name=""/>
+        <p:cNvGrpSpPr/>
+        <p:nvPr/>
+      </p:nvGrpSpPr>
+      <p:grpSpPr>
+        <a:xfrm>
+          <a:off x="0" y="0"/>
+          <a:ext cx="0" cy="0"/>
+          <a:chOff x="0" y="0"/>
+          <a:chExt cx="0" cy="0"/>
+        </a:xfrm>
+      </p:grpSpPr>
+      <p:sp>
+        <p:nvSpPr>
+          <p:cNvPr id="5" name="內容版面配置區 4"/>
+          <p:cNvSpPr>
+            <a:spLocks noGrp="1"/>
+          </p:cNvSpPr>
+          <p:nvPr>
+            <p:ph idx="1"/>
+          </p:nvPr>
+        </p:nvSpPr>
+        <p:spPr>
+          <a:xfrm>
+            <a:off x="0" y="2084853"/>
+            <a:ext cx="12192000" cy="2404863"/>
+          </a:xfrm>
+        </p:spPr>
+        <p:txBody>
+          <a:bodyPr anchor="ctr">
+            <a:normAutofit/>
+          </a:bodyPr>
+          <a:lstStyle/>
+          <a:p>
+            <a:pPr algn="ctr">
+              <a:buNone/>
+            </a:pPr>
+            <a:r>
+              <a:rPr lang="zh-TW" altLang="en-US" sz="6400" b="1" dirty="0">
+                <a:solidFill>
+                  <a:srgbClr val="660033"/>
+                </a:solidFill>
+                <a:latin typeface="微軟正黑體" pitchFamily="34" charset="-120"/>
+                <a:ea typeface="微軟正黑體" pitchFamily="34" charset="-120"/>
+              </a:rPr>
+              <a:t>細細聽  輕輕細細聽</a:t>
+            </a:r>
+            <a:endParaRPr lang="en-US" altLang="zh-TW" sz="6400" b="1" dirty="0">
+              <a:solidFill>
+                <a:srgbClr val="660033"/>
+              </a:solidFill>
+              <a:latin typeface="微軟正黑體" pitchFamily="34" charset="-120"/>
+              <a:ea typeface="微軟正黑體" pitchFamily="34" charset="-120"/>
+            </a:endParaRPr>
+          </a:p>
+          <a:p>
+            <a:pPr algn="ctr">
+              <a:buNone/>
+            </a:pPr>
+            <a:r>
+              <a:rPr lang="zh-TW" altLang="en-US" sz="6400" b="1" dirty="0">
+                <a:solidFill>
+                  <a:srgbClr val="660033"/>
+                </a:solidFill>
+                <a:latin typeface="微軟正黑體" pitchFamily="34" charset="-120"/>
+                <a:ea typeface="微軟正黑體" pitchFamily="34" charset="-120"/>
+              </a:rPr>
+              <a:t>傾聽</a:t>
+            </a:r>
+            <a:r>
+              <a:rPr lang="zh-CN" altLang="en-US" sz="6400" b="1" dirty="0">
+                <a:solidFill>
+                  <a:srgbClr val="660033"/>
+                </a:solidFill>
+                <a:latin typeface="微軟正黑體" pitchFamily="34" charset="-120"/>
+                <a:ea typeface="微軟正黑體" pitchFamily="34" charset="-120"/>
+              </a:rPr>
+              <a:t>袮</a:t>
+            </a:r>
+            <a:r>
+              <a:rPr lang="zh-TW" altLang="en-US" sz="6400" b="1" dirty="0">
+                <a:solidFill>
+                  <a:srgbClr val="660033"/>
+                </a:solidFill>
+                <a:latin typeface="微軟正黑體" pitchFamily="34" charset="-120"/>
+                <a:ea typeface="微軟正黑體" pitchFamily="34" charset="-120"/>
+              </a:rPr>
+              <a:t>說話兒共對應</a:t>
+            </a:r>
+            <a:endParaRPr lang="en-US" altLang="zh-TW" sz="6400" b="1" dirty="0">
+              <a:solidFill>
+                <a:srgbClr val="660033"/>
+              </a:solidFill>
+              <a:latin typeface="微軟正黑體" pitchFamily="34" charset="-120"/>
+              <a:ea typeface="微軟正黑體" pitchFamily="34" charset="-120"/>
+            </a:endParaRPr>
+          </a:p>
+        </p:txBody>
+      </p:sp>
+      <p:sp>
+        <p:nvSpPr>
+          <p:cNvPr id="3" name="TextBox 2"/>
+          <p:cNvSpPr txBox="1"/>
+          <p:nvPr/>
+        </p:nvSpPr>
+        <p:spPr>
+          <a:xfrm>
+            <a:off x="0" y="5061183"/>
+            <a:ext cx="12192000" cy="830997"/>
+          </a:xfrm>
+          <a:prstGeom prst="rect">
+            <a:avLst/>
+          </a:prstGeom>
+          <a:noFill/>
+        </p:spPr>
+        <p:txBody>
+          <a:bodyPr wrap="square" rtlCol="0">
+            <a:spAutoFit/>
+          </a:bodyPr>
+          <a:lstStyle/>
+          <a:p>
+            <a:pPr algn="ctr"/>
+            <a:r>
+              <a:rPr lang="en-US" sz="4800" b="1" dirty="0">
+                <a:solidFill>
+                  <a:srgbClr val="660033"/>
+                </a:solidFill>
+                <a:effectLst/>
+                <a:latin typeface="Microsoft JhengHei" panose="020B0604030504040204" pitchFamily="34" charset="-120"/>
+                <a:ea typeface="Microsoft JhengHei" panose="020B0604030504040204" pitchFamily="34" charset="-120"/>
+              </a:rPr>
+              <a:t>( </a:t>
+            </a:r>
+            <a:r>
+              <a:rPr lang="zh-CN" altLang="en-US" sz="4800" b="1" dirty="0">
+                <a:solidFill>
+                  <a:srgbClr val="660033"/>
+                </a:solidFill>
+                <a:effectLst/>
+                <a:latin typeface="Microsoft JhengHei" panose="020B0604030504040204" pitchFamily="34" charset="-120"/>
+                <a:ea typeface="Microsoft JhengHei" panose="020B0604030504040204" pitchFamily="34" charset="-120"/>
+              </a:rPr>
+              <a:t>正</a:t>
+            </a:r>
+            <a:r>
+              <a:rPr lang="en-US" sz="4800" b="1" dirty="0">
+                <a:solidFill>
+                  <a:srgbClr val="660033"/>
+                </a:solidFill>
+                <a:effectLst/>
+                <a:latin typeface="Microsoft JhengHei" panose="020B0604030504040204" pitchFamily="34" charset="-120"/>
+                <a:ea typeface="Microsoft JhengHei" panose="020B0604030504040204" pitchFamily="34" charset="-120"/>
+              </a:rPr>
+              <a:t> )</a:t>
+            </a:r>
+            <a:endParaRPr lang="vi-VN" sz="4800" b="1" dirty="0">
+              <a:solidFill>
+                <a:srgbClr val="660033"/>
+              </a:solidFill>
+              <a:effectLst/>
+              <a:latin typeface="Microsoft JhengHei" panose="020B0604030504040204" pitchFamily="34" charset="-120"/>
+              <a:ea typeface="Microsoft JhengHei" panose="020B0604030504040204" pitchFamily="34" charset="-120"/>
+            </a:endParaRPr>
+          </a:p>
+        </p:txBody>
+      </p:sp>
+    </p:spTree>
+    <p:extLst>
+      <p:ext uri="{BB962C8B-B14F-4D97-AF65-F5344CB8AC3E}">
+        <p14:creationId xmlns:p14="http://schemas.microsoft.com/office/powerpoint/2010/main" xmlns="" val="2913648562"/>
+      </p:ext>
+    </p:extLst>
+  </p:cSld>
+  <p:clrMapOvr>
+    <a:masterClrMapping/>
+  </p:clrMapOvr>
+</p:sld>
+</file>
+
+<file path=ppt/slides/slide29.xml><?xml version="1.0" encoding="utf-8"?>
+<p:sld xmlns:a="http://schemas.openxmlformats.org/drawingml/2006/main" xmlns:r="http://schemas.openxmlformats.org/officeDocument/2006/relationships" xmlns:p="http://schemas.openxmlformats.org/presentationml/2006/main">
+  <p:cSld>
+    <p:spTree>
+      <p:nvGrpSpPr>
+        <p:cNvPr id="1" name=""/>
+        <p:cNvGrpSpPr/>
+        <p:nvPr/>
+      </p:nvGrpSpPr>
+      <p:grpSpPr>
+        <a:xfrm>
+          <a:off x="0" y="0"/>
+          <a:ext cx="0" cy="0"/>
+          <a:chOff x="0" y="0"/>
+          <a:chExt cx="0" cy="0"/>
+        </a:xfrm>
+      </p:grpSpPr>
+      <p:sp>
+        <p:nvSpPr>
+          <p:cNvPr id="5" name="內容版面配置區 4"/>
+          <p:cNvSpPr>
+            <a:spLocks noGrp="1"/>
+          </p:cNvSpPr>
+          <p:nvPr>
+            <p:ph idx="1"/>
+          </p:nvPr>
+        </p:nvSpPr>
+        <p:spPr>
+          <a:xfrm>
+            <a:off x="0" y="2084853"/>
+            <a:ext cx="12192000" cy="2404863"/>
+          </a:xfrm>
+        </p:spPr>
+        <p:txBody>
+          <a:bodyPr anchor="ctr">
+            <a:normAutofit/>
+          </a:bodyPr>
+          <a:lstStyle/>
+          <a:p>
+            <a:pPr algn="ctr">
+              <a:buNone/>
+            </a:pPr>
+            <a:r>
+              <a:rPr lang="zh-TW" altLang="en-US" sz="6400" b="1" dirty="0">
+                <a:solidFill>
+                  <a:srgbClr val="660033"/>
+                </a:solidFill>
+                <a:latin typeface="微軟正黑體" pitchFamily="34" charset="-120"/>
+                <a:ea typeface="微軟正黑體" pitchFamily="34" charset="-120"/>
+              </a:rPr>
+              <a:t>細細說  輕輕細細說</a:t>
+            </a:r>
+            <a:endParaRPr lang="en-US" altLang="zh-TW" sz="6400" b="1" dirty="0">
+              <a:solidFill>
+                <a:srgbClr val="660033"/>
+              </a:solidFill>
+              <a:latin typeface="微軟正黑體" pitchFamily="34" charset="-120"/>
+              <a:ea typeface="微軟正黑體" pitchFamily="34" charset="-120"/>
+            </a:endParaRPr>
+          </a:p>
+          <a:p>
+            <a:pPr algn="ctr">
+              <a:buNone/>
+            </a:pPr>
+            <a:r>
+              <a:rPr lang="zh-TW" altLang="en-US" sz="6400" b="1" dirty="0">
+                <a:solidFill>
+                  <a:srgbClr val="660033"/>
+                </a:solidFill>
+                <a:latin typeface="微軟正黑體" pitchFamily="34" charset="-120"/>
+                <a:ea typeface="微軟正黑體" pitchFamily="34" charset="-120"/>
+              </a:rPr>
+              <a:t>因知道我牧人在細聽</a:t>
+            </a:r>
+          </a:p>
+        </p:txBody>
+      </p:sp>
+      <p:sp>
+        <p:nvSpPr>
+          <p:cNvPr id="3" name="TextBox 2"/>
+          <p:cNvSpPr txBox="1"/>
+          <p:nvPr/>
+        </p:nvSpPr>
+        <p:spPr>
+          <a:xfrm>
+            <a:off x="0" y="5061183"/>
+            <a:ext cx="12192000" cy="830997"/>
+          </a:xfrm>
+          <a:prstGeom prst="rect">
+            <a:avLst/>
+          </a:prstGeom>
+          <a:noFill/>
+        </p:spPr>
+        <p:txBody>
+          <a:bodyPr wrap="square" rtlCol="0">
+            <a:spAutoFit/>
+          </a:bodyPr>
+          <a:lstStyle/>
+          <a:p>
+            <a:pPr algn="ctr"/>
+            <a:r>
+              <a:rPr lang="en-US" sz="4800" b="1" dirty="0">
+                <a:solidFill>
+                  <a:srgbClr val="660033"/>
+                </a:solidFill>
+                <a:effectLst/>
+                <a:latin typeface="Microsoft JhengHei" panose="020B0604030504040204" pitchFamily="34" charset="-120"/>
+                <a:ea typeface="Microsoft JhengHei" panose="020B0604030504040204" pitchFamily="34" charset="-120"/>
+              </a:rPr>
+              <a:t>( </a:t>
+            </a:r>
+            <a:r>
+              <a:rPr lang="zh-CN" altLang="en-US" sz="4800" b="1" dirty="0">
+                <a:solidFill>
+                  <a:srgbClr val="660033"/>
+                </a:solidFill>
+                <a:effectLst/>
+                <a:latin typeface="Microsoft JhengHei" panose="020B0604030504040204" pitchFamily="34" charset="-120"/>
+                <a:ea typeface="Microsoft JhengHei" panose="020B0604030504040204" pitchFamily="34" charset="-120"/>
+              </a:rPr>
+              <a:t>正</a:t>
+            </a:r>
+            <a:r>
+              <a:rPr lang="en-US" sz="4800" b="1" dirty="0">
+                <a:solidFill>
+                  <a:srgbClr val="660033"/>
+                </a:solidFill>
+                <a:effectLst/>
+                <a:latin typeface="Microsoft JhengHei" panose="020B0604030504040204" pitchFamily="34" charset="-120"/>
+                <a:ea typeface="Microsoft JhengHei" panose="020B0604030504040204" pitchFamily="34" charset="-120"/>
+              </a:rPr>
+              <a:t> )</a:t>
+            </a:r>
+            <a:endParaRPr lang="vi-VN" sz="4800" b="1" dirty="0">
+              <a:solidFill>
+                <a:srgbClr val="660033"/>
+              </a:solidFill>
+              <a:effectLst/>
+              <a:latin typeface="Microsoft JhengHei" panose="020B0604030504040204" pitchFamily="34" charset="-120"/>
+              <a:ea typeface="Microsoft JhengHei" panose="020B0604030504040204" pitchFamily="34" charset="-120"/>
+            </a:endParaRPr>
+          </a:p>
+        </p:txBody>
+      </p:sp>
+    </p:spTree>
+    <p:extLst>
+      <p:ext uri="{BB962C8B-B14F-4D97-AF65-F5344CB8AC3E}">
+        <p14:creationId xmlns:p14="http://schemas.microsoft.com/office/powerpoint/2010/main" xmlns="" val="2496382510"/>
       </p:ext>
     </p:extLst>
   </p:cSld>
@@ -3451,13 +6576,20 @@
     </p:spTree>
     <p:extLst>
       <p:ext uri="{BB962C8B-B14F-4D97-AF65-F5344CB8AC3E}">
-        <p14:creationId xmlns:p14="http://schemas.microsoft.com/office/powerpoint/2010/main" val="1936072225"/>
+        <p14:creationId xmlns:p14="http://schemas.microsoft.com/office/powerpoint/2010/main" xmlns="" val="1936072225"/>
       </p:ext>
     </p:extLst>
   </p:cSld>
   <p:clrMapOvr>
     <a:masterClrMapping/>
   </p:clrMapOvr>
+  <p:timing>
+    <p:tnLst>
+      <p:par>
+        <p:cTn id="1" dur="indefinite" restart="never" nodeType="tmRoot"/>
+      </p:par>
+    </p:tnLst>
+  </p:timing>
 </p:sld>
 </file>
 
@@ -3521,18 +6653,40 @@
               <a:ea typeface="微軟正黑體" pitchFamily="34" charset="-120"/>
             </a:endParaRPr>
           </a:p>
+          <a:p>
+            <a:pPr algn="ctr">
+              <a:buNone/>
+            </a:pPr>
+            <a:r>
+              <a:rPr lang="zh-TW" altLang="en-US" sz="6400" b="1" dirty="0">
+                <a:solidFill>
+                  <a:srgbClr val="000066"/>
+                </a:solidFill>
+                <a:latin typeface="微軟正黑體" pitchFamily="34" charset="-120"/>
+                <a:ea typeface="微軟正黑體" pitchFamily="34" charset="-120"/>
+              </a:rPr>
+              <a:t>讚美</a:t>
+            </a:r>
+          </a:p>
         </p:txBody>
       </p:sp>
     </p:spTree>
     <p:extLst>
       <p:ext uri="{BB962C8B-B14F-4D97-AF65-F5344CB8AC3E}">
-        <p14:creationId xmlns:p14="http://schemas.microsoft.com/office/powerpoint/2010/main" val="270079815"/>
+        <p14:creationId xmlns:p14="http://schemas.microsoft.com/office/powerpoint/2010/main" xmlns="" val="3812513869"/>
       </p:ext>
     </p:extLst>
   </p:cSld>
   <p:clrMapOvr>
     <a:masterClrMapping/>
   </p:clrMapOvr>
+  <p:timing>
+    <p:tnLst>
+      <p:par>
+        <p:cTn id="1" dur="indefinite" restart="never" nodeType="tmRoot"/>
+      </p:par>
+    </p:tnLst>
+  </p:timing>
 </p:sld>
 </file>
 
@@ -3586,7 +6740,82 @@
                 <a:latin typeface="微軟正黑體" pitchFamily="34" charset="-120"/>
                 <a:ea typeface="微軟正黑體" pitchFamily="34" charset="-120"/>
               </a:rPr>
-              <a:t>今天心中剛強無懼怕</a:t>
+              <a:t>歡欣  心裡感謝神  歌唱歸於聖父</a:t>
+            </a:r>
+          </a:p>
+          <a:p>
+            <a:pPr algn="ctr">
+              <a:buNone/>
+            </a:pPr>
+            <a:r>
+              <a:rPr lang="zh-TW" altLang="en-US" sz="6400" b="1" dirty="0">
+                <a:solidFill>
+                  <a:srgbClr val="000066"/>
+                </a:solidFill>
+                <a:latin typeface="微軟正黑體" pitchFamily="34" charset="-120"/>
+                <a:ea typeface="微軟正黑體" pitchFamily="34" charset="-120"/>
+              </a:rPr>
+              <a:t>讚</a:t>
+            </a:r>
+            <a:r>
+              <a:rPr lang="zh-TW" altLang="en-US" sz="6400" b="1" dirty="0" smtClean="0">
+                <a:solidFill>
+                  <a:srgbClr val="000066"/>
+                </a:solidFill>
+                <a:latin typeface="微軟正黑體" pitchFamily="34" charset="-120"/>
+                <a:ea typeface="微軟正黑體" pitchFamily="34" charset="-120"/>
+              </a:rPr>
+              <a:t>頌</a:t>
+            </a:r>
+            <a:r>
+              <a:rPr lang="zh-CN" altLang="en-US" sz="6400" b="1" smtClean="0">
+                <a:solidFill>
+                  <a:srgbClr val="000066"/>
+                </a:solidFill>
+                <a:latin typeface="微軟正黑體" pitchFamily="34" charset="-120"/>
+                <a:ea typeface="微軟正黑體" pitchFamily="34" charset="-120"/>
+              </a:rPr>
+              <a:t>袮</a:t>
+            </a:r>
+            <a:r>
+              <a:rPr lang="zh-TW" altLang="en-US" sz="6400" b="1" smtClean="0">
+                <a:solidFill>
+                  <a:srgbClr val="000066"/>
+                </a:solidFill>
+                <a:latin typeface="微軟正黑體" pitchFamily="34" charset="-120"/>
+                <a:ea typeface="微軟正黑體" pitchFamily="34" charset="-120"/>
+              </a:rPr>
+              <a:t>賜</a:t>
+            </a:r>
+            <a:r>
+              <a:rPr lang="zh-TW" altLang="en-US" sz="6400" b="1" dirty="0">
+                <a:solidFill>
+                  <a:srgbClr val="000066"/>
+                </a:solidFill>
+                <a:latin typeface="微軟正黑體" pitchFamily="34" charset="-120"/>
+                <a:ea typeface="微軟正黑體" pitchFamily="34" charset="-120"/>
+              </a:rPr>
+              <a:t>下慈愛</a:t>
+            </a:r>
+            <a:r>
+              <a:rPr lang="en-US" altLang="zh-TW" sz="6400" b="1" dirty="0">
+                <a:solidFill>
+                  <a:srgbClr val="000066"/>
+                </a:solidFill>
+                <a:latin typeface="微軟正黑體" pitchFamily="34" charset="-120"/>
+                <a:ea typeface="微軟正黑體" pitchFamily="34" charset="-120"/>
+              </a:rPr>
+              <a:t>  </a:t>
+            </a:r>
+            <a:r>
+              <a:rPr lang="zh-TW" altLang="en-US" sz="6400" b="1" dirty="0">
+                <a:solidFill>
+                  <a:srgbClr val="000066"/>
+                </a:solidFill>
+                <a:latin typeface="微軟正黑體" pitchFamily="34" charset="-120"/>
+                <a:ea typeface="微軟正黑體" pitchFamily="34" charset="-120"/>
+              </a:rPr>
+              <a:t>獨生的愛子</a:t>
             </a:r>
             <a:endParaRPr lang="en-US" altLang="zh-TW" sz="6400" b="1" dirty="0">
               <a:solidFill>
@@ -3596,26 +6825,74 @@
               <a:ea typeface="微軟正黑體" pitchFamily="34" charset="-120"/>
             </a:endParaRPr>
           </a:p>
-          <a:p>
-            <a:pPr algn="ctr">
-              <a:buNone/>
-            </a:pPr>
-            <a:r>
-              <a:rPr lang="zh-TW" altLang="en-US" sz="6400" b="1" dirty="0">
+        </p:txBody>
+      </p:sp>
+      <p:sp>
+        <p:nvSpPr>
+          <p:cNvPr id="3" name="TextBox 2"/>
+          <p:cNvSpPr txBox="1"/>
+          <p:nvPr/>
+        </p:nvSpPr>
+        <p:spPr>
+          <a:xfrm>
+            <a:off x="4751851" y="5253204"/>
+            <a:ext cx="2688299" cy="995209"/>
+          </a:xfrm>
+          <a:prstGeom prst="rect">
+            <a:avLst/>
+          </a:prstGeom>
+          <a:noFill/>
+        </p:spPr>
+        <p:txBody>
+          <a:bodyPr wrap="square" rtlCol="0">
+            <a:spAutoFit/>
+          </a:bodyPr>
+          <a:lstStyle/>
+          <a:p>
+            <a:r>
+              <a:rPr lang="zh-TW" altLang="en-US" sz="5867" b="1" dirty="0">
                 <a:solidFill>
                   <a:srgbClr val="000066"/>
                 </a:solidFill>
                 <a:latin typeface="微軟正黑體" pitchFamily="34" charset="-120"/>
                 <a:ea typeface="微軟正黑體" pitchFamily="34" charset="-120"/>
               </a:rPr>
-              <a:t>主的豐盛滿一生</a:t>
-            </a:r>
-            <a:endParaRPr lang="en-US" altLang="zh-TW" sz="6400" b="1" dirty="0">
+              <a:t>（</a:t>
+            </a:r>
+            <a:r>
+              <a:rPr lang="en-US" altLang="zh-TW" sz="5867" b="1" dirty="0">
+                <a:solidFill>
+                  <a:srgbClr val="000066"/>
+                </a:solidFill>
+                <a:latin typeface="微軟正黑體" pitchFamily="34" charset="-120"/>
+                <a:ea typeface="微軟正黑體" pitchFamily="34" charset="-120"/>
+              </a:rPr>
+              <a:t>×</a:t>
+            </a:r>
+            <a:r>
+              <a:rPr lang="en-US" sz="5867" b="1" dirty="0">
+                <a:solidFill>
+                  <a:srgbClr val="000066"/>
+                </a:solidFill>
+                <a:latin typeface="微軟正黑體" pitchFamily="34" charset="-120"/>
+                <a:ea typeface="微軟正黑體" pitchFamily="34" charset="-120"/>
+              </a:rPr>
+              <a:t>2</a:t>
+            </a:r>
+            <a:r>
+              <a:rPr lang="zh-TW" altLang="en-US" sz="5867" b="1" dirty="0">
+                <a:solidFill>
+                  <a:srgbClr val="000066"/>
+                </a:solidFill>
+                <a:latin typeface="微軟正黑體" pitchFamily="34" charset="-120"/>
+                <a:ea typeface="微軟正黑體" pitchFamily="34" charset="-120"/>
+              </a:rPr>
+              <a:t>）</a:t>
+            </a:r>
+            <a:endParaRPr lang="vi-VN" sz="5867" dirty="0">
               <a:solidFill>
                 <a:srgbClr val="000066"/>
               </a:solidFill>
-              <a:latin typeface="微軟正黑體" pitchFamily="34" charset="-120"/>
-              <a:ea typeface="微軟正黑體" pitchFamily="34" charset="-120"/>
             </a:endParaRPr>
           </a:p>
         </p:txBody>
@@ -3623,13 +6900,20 @@
     </p:spTree>
     <p:extLst>
       <p:ext uri="{BB962C8B-B14F-4D97-AF65-F5344CB8AC3E}">
-        <p14:creationId xmlns:p14="http://schemas.microsoft.com/office/powerpoint/2010/main" val="3373994150"/>
+        <p14:creationId xmlns:p14="http://schemas.microsoft.com/office/powerpoint/2010/main" xmlns="" val="16188489"/>
       </p:ext>
     </p:extLst>
   </p:cSld>
   <p:clrMapOvr>
     <a:masterClrMapping/>
   </p:clrMapOvr>
+  <p:timing>
+    <p:tnLst>
+      <p:par>
+        <p:cTn id="1" dur="indefinite" restart="never" nodeType="tmRoot"/>
+      </p:par>
+    </p:tnLst>
+  </p:timing>
 </p:sld>
 </file>
 
@@ -3683,7 +6967,7 @@
                 <a:latin typeface="微軟正黑體" pitchFamily="34" charset="-120"/>
                 <a:ea typeface="微軟正黑體" pitchFamily="34" charset="-120"/>
               </a:rPr>
-              <a:t>皆因主手曾為我顯深恩</a:t>
+              <a:t>今天心中剛強無懼怕</a:t>
             </a:r>
             <a:endParaRPr lang="en-US" altLang="zh-TW" sz="6400" b="1" dirty="0">
               <a:solidFill>
@@ -3705,15 +6989,433 @@
                 <a:latin typeface="微軟正黑體" pitchFamily="34" charset="-120"/>
                 <a:ea typeface="微軟正黑體" pitchFamily="34" charset="-120"/>
               </a:rPr>
-              <a:t>讚美</a:t>
-            </a:r>
+              <a:t>主的豐盛滿一生</a:t>
+            </a:r>
+            <a:endParaRPr lang="en-US" altLang="zh-TW" sz="6400" b="1" dirty="0">
+              <a:solidFill>
+                <a:srgbClr val="000066"/>
+              </a:solidFill>
+              <a:latin typeface="微軟正黑體" pitchFamily="34" charset="-120"/>
+              <a:ea typeface="微軟正黑體" pitchFamily="34" charset="-120"/>
+            </a:endParaRPr>
           </a:p>
         </p:txBody>
       </p:sp>
     </p:spTree>
     <p:extLst>
       <p:ext uri="{BB962C8B-B14F-4D97-AF65-F5344CB8AC3E}">
-        <p14:creationId xmlns:p14="http://schemas.microsoft.com/office/powerpoint/2010/main" val="3812513869"/>
+        <p14:creationId xmlns:p14="http://schemas.microsoft.com/office/powerpoint/2010/main" xmlns="" val="1936072225"/>
+      </p:ext>
+    </p:extLst>
+  </p:cSld>
+  <p:clrMapOvr>
+    <a:masterClrMapping/>
+  </p:clrMapOvr>
+  <p:timing>
+    <p:tnLst>
+      <p:par>
+        <p:cTn id="1" dur="indefinite" restart="never" nodeType="tmRoot"/>
+      </p:par>
+    </p:tnLst>
+  </p:timing>
+</p:sld>
+</file>
+
+<file path=ppt/slides/slide7.xml><?xml version="1.0" encoding="utf-8"?>
+<p:sld xmlns:a="http://schemas.openxmlformats.org/drawingml/2006/main" xmlns:r="http://schemas.openxmlformats.org/officeDocument/2006/relationships" xmlns:p="http://schemas.openxmlformats.org/presentationml/2006/main">
+  <p:cSld>
+    <p:spTree>
+      <p:nvGrpSpPr>
+        <p:cNvPr id="1" name=""/>
+        <p:cNvGrpSpPr/>
+        <p:nvPr/>
+      </p:nvGrpSpPr>
+      <p:grpSpPr>
+        <a:xfrm>
+          <a:off x="0" y="0"/>
+          <a:ext cx="0" cy="0"/>
+          <a:chOff x="0" y="0"/>
+          <a:chExt cx="0" cy="0"/>
+        </a:xfrm>
+      </p:grpSpPr>
+      <p:sp>
+        <p:nvSpPr>
+          <p:cNvPr id="5" name="內容版面配置區 4"/>
+          <p:cNvSpPr>
+            <a:spLocks noGrp="1"/>
+          </p:cNvSpPr>
+          <p:nvPr>
+            <p:ph idx="1"/>
+          </p:nvPr>
+        </p:nvSpPr>
+        <p:spPr>
+          <a:xfrm>
+            <a:off x="0" y="2084851"/>
+            <a:ext cx="12192000" cy="2404863"/>
+          </a:xfrm>
+        </p:spPr>
+        <p:txBody>
+          <a:bodyPr anchor="ctr">
+            <a:normAutofit/>
+          </a:bodyPr>
+          <a:lstStyle/>
+          <a:p>
+            <a:pPr algn="ctr">
+              <a:buNone/>
+            </a:pPr>
+            <a:r>
+              <a:rPr lang="zh-TW" altLang="en-US" sz="6400" b="1" dirty="0">
+                <a:solidFill>
+                  <a:srgbClr val="000066"/>
+                </a:solidFill>
+                <a:latin typeface="微軟正黑體" pitchFamily="34" charset="-120"/>
+                <a:ea typeface="微軟正黑體" pitchFamily="34" charset="-120"/>
+              </a:rPr>
+              <a:t>皆因主手曾為我顯深恩</a:t>
+            </a:r>
+            <a:endParaRPr lang="en-US" altLang="zh-TW" sz="6400" b="1" dirty="0">
+              <a:solidFill>
+                <a:srgbClr val="000066"/>
+              </a:solidFill>
+              <a:latin typeface="微軟正黑體" pitchFamily="34" charset="-120"/>
+              <a:ea typeface="微軟正黑體" pitchFamily="34" charset="-120"/>
+            </a:endParaRPr>
+          </a:p>
+          <a:p>
+            <a:pPr algn="ctr">
+              <a:buNone/>
+            </a:pPr>
+            <a:endParaRPr lang="zh-TW" altLang="en-US" sz="6400" b="1" dirty="0">
+              <a:solidFill>
+                <a:srgbClr val="000066"/>
+              </a:solidFill>
+              <a:latin typeface="微軟正黑體" pitchFamily="34" charset="-120"/>
+              <a:ea typeface="微軟正黑體" pitchFamily="34" charset="-120"/>
+            </a:endParaRPr>
+          </a:p>
+        </p:txBody>
+      </p:sp>
+    </p:spTree>
+    <p:extLst>
+      <p:ext uri="{BB962C8B-B14F-4D97-AF65-F5344CB8AC3E}">
+        <p14:creationId xmlns:p14="http://schemas.microsoft.com/office/powerpoint/2010/main" xmlns="" val="3812513869"/>
+      </p:ext>
+    </p:extLst>
+  </p:cSld>
+  <p:clrMapOvr>
+    <a:masterClrMapping/>
+  </p:clrMapOvr>
+</p:sld>
+</file>
+
+<file path=ppt/slides/slide8.xml><?xml version="1.0" encoding="utf-8"?>
+<p:sld xmlns:a="http://schemas.openxmlformats.org/drawingml/2006/main" xmlns:r="http://schemas.openxmlformats.org/officeDocument/2006/relationships" xmlns:p="http://schemas.openxmlformats.org/presentationml/2006/main">
+  <p:cSld>
+    <p:spTree>
+      <p:nvGrpSpPr>
+        <p:cNvPr id="1" name=""/>
+        <p:cNvGrpSpPr/>
+        <p:nvPr/>
+      </p:nvGrpSpPr>
+      <p:grpSpPr>
+        <a:xfrm>
+          <a:off x="0" y="0"/>
+          <a:ext cx="0" cy="0"/>
+          <a:chOff x="0" y="0"/>
+          <a:chExt cx="0" cy="0"/>
+        </a:xfrm>
+      </p:grpSpPr>
+      <p:sp>
+        <p:nvSpPr>
+          <p:cNvPr id="5" name="內容版面配置區 4"/>
+          <p:cNvSpPr>
+            <a:spLocks noGrp="1"/>
+          </p:cNvSpPr>
+          <p:nvPr>
+            <p:ph idx="1"/>
+          </p:nvPr>
+        </p:nvSpPr>
+        <p:spPr>
+          <a:xfrm>
+            <a:off x="0" y="2084851"/>
+            <a:ext cx="12192000" cy="2404863"/>
+          </a:xfrm>
+        </p:spPr>
+        <p:txBody>
+          <a:bodyPr anchor="ctr">
+            <a:normAutofit/>
+          </a:bodyPr>
+          <a:lstStyle/>
+          <a:p>
+            <a:pPr algn="ctr">
+              <a:buNone/>
+            </a:pPr>
+            <a:r>
+              <a:rPr lang="zh-TW" altLang="en-US" sz="6400" b="1" dirty="0">
+                <a:solidFill>
+                  <a:srgbClr val="000066"/>
+                </a:solidFill>
+                <a:latin typeface="微軟正黑體" pitchFamily="34" charset="-120"/>
+                <a:ea typeface="微軟正黑體" pitchFamily="34" charset="-120"/>
+              </a:rPr>
+              <a:t>歡欣  心裡感謝神  歌唱歸於聖父</a:t>
+            </a:r>
+          </a:p>
+          <a:p>
+            <a:pPr algn="ctr">
+              <a:buNone/>
+            </a:pPr>
+            <a:r>
+              <a:rPr lang="zh-TW" altLang="en-US" sz="6400" b="1" dirty="0">
+                <a:solidFill>
+                  <a:srgbClr val="000066"/>
+                </a:solidFill>
+                <a:latin typeface="微軟正黑體" pitchFamily="34" charset="-120"/>
+                <a:ea typeface="微軟正黑體" pitchFamily="34" charset="-120"/>
+              </a:rPr>
+              <a:t>讚</a:t>
+            </a:r>
+            <a:r>
+              <a:rPr lang="zh-TW" altLang="en-US" sz="6400" b="1" dirty="0" smtClean="0">
+                <a:solidFill>
+                  <a:srgbClr val="000066"/>
+                </a:solidFill>
+                <a:latin typeface="微軟正黑體" pitchFamily="34" charset="-120"/>
+                <a:ea typeface="微軟正黑體" pitchFamily="34" charset="-120"/>
+              </a:rPr>
+              <a:t>頌</a:t>
+            </a:r>
+            <a:r>
+              <a:rPr lang="zh-CN" altLang="en-US" sz="6400" b="1" smtClean="0">
+                <a:solidFill>
+                  <a:srgbClr val="000066"/>
+                </a:solidFill>
+                <a:latin typeface="微軟正黑體" pitchFamily="34" charset="-120"/>
+                <a:ea typeface="微軟正黑體" pitchFamily="34" charset="-120"/>
+              </a:rPr>
+              <a:t>袮</a:t>
+            </a:r>
+            <a:r>
+              <a:rPr lang="zh-TW" altLang="en-US" sz="6400" b="1" smtClean="0">
+                <a:solidFill>
+                  <a:srgbClr val="000066"/>
+                </a:solidFill>
+                <a:latin typeface="微軟正黑體" pitchFamily="34" charset="-120"/>
+                <a:ea typeface="微軟正黑體" pitchFamily="34" charset="-120"/>
+              </a:rPr>
+              <a:t>賜</a:t>
+            </a:r>
+            <a:r>
+              <a:rPr lang="zh-TW" altLang="en-US" sz="6400" b="1" dirty="0">
+                <a:solidFill>
+                  <a:srgbClr val="000066"/>
+                </a:solidFill>
+                <a:latin typeface="微軟正黑體" pitchFamily="34" charset="-120"/>
+                <a:ea typeface="微軟正黑體" pitchFamily="34" charset="-120"/>
+              </a:rPr>
+              <a:t>下慈愛</a:t>
+            </a:r>
+            <a:r>
+              <a:rPr lang="en-US" altLang="zh-TW" sz="6400" b="1" dirty="0">
+                <a:solidFill>
+                  <a:srgbClr val="000066"/>
+                </a:solidFill>
+                <a:latin typeface="微軟正黑體" pitchFamily="34" charset="-120"/>
+                <a:ea typeface="微軟正黑體" pitchFamily="34" charset="-120"/>
+              </a:rPr>
+              <a:t>  </a:t>
+            </a:r>
+            <a:r>
+              <a:rPr lang="zh-TW" altLang="en-US" sz="6400" b="1" dirty="0">
+                <a:solidFill>
+                  <a:srgbClr val="000066"/>
+                </a:solidFill>
+                <a:latin typeface="微軟正黑體" pitchFamily="34" charset="-120"/>
+                <a:ea typeface="微軟正黑體" pitchFamily="34" charset="-120"/>
+              </a:rPr>
+              <a:t>獨生的愛子</a:t>
+            </a:r>
+            <a:endParaRPr lang="en-US" altLang="zh-TW" sz="6400" b="1" dirty="0">
+              <a:solidFill>
+                <a:srgbClr val="000066"/>
+              </a:solidFill>
+              <a:latin typeface="微軟正黑體" pitchFamily="34" charset="-120"/>
+              <a:ea typeface="微軟正黑體" pitchFamily="34" charset="-120"/>
+            </a:endParaRPr>
+          </a:p>
+        </p:txBody>
+      </p:sp>
+      <p:sp>
+        <p:nvSpPr>
+          <p:cNvPr id="3" name="TextBox 2"/>
+          <p:cNvSpPr txBox="1"/>
+          <p:nvPr/>
+        </p:nvSpPr>
+        <p:spPr>
+          <a:xfrm>
+            <a:off x="4751851" y="5253204"/>
+            <a:ext cx="2688299" cy="995209"/>
+          </a:xfrm>
+          <a:prstGeom prst="rect">
+            <a:avLst/>
+          </a:prstGeom>
+          <a:noFill/>
+        </p:spPr>
+        <p:txBody>
+          <a:bodyPr wrap="square" rtlCol="0">
+            <a:spAutoFit/>
+          </a:bodyPr>
+          <a:lstStyle/>
+          <a:p>
+            <a:r>
+              <a:rPr lang="zh-TW" altLang="en-US" sz="5867" b="1" dirty="0">
+                <a:solidFill>
+                  <a:srgbClr val="000066"/>
+                </a:solidFill>
+                <a:latin typeface="微軟正黑體" pitchFamily="34" charset="-120"/>
+                <a:ea typeface="微軟正黑體" pitchFamily="34" charset="-120"/>
+              </a:rPr>
+              <a:t>（</a:t>
+            </a:r>
+            <a:r>
+              <a:rPr lang="en-US" altLang="zh-TW" sz="5867" b="1" dirty="0">
+                <a:solidFill>
+                  <a:srgbClr val="000066"/>
+                </a:solidFill>
+                <a:latin typeface="微軟正黑體" pitchFamily="34" charset="-120"/>
+                <a:ea typeface="微軟正黑體" pitchFamily="34" charset="-120"/>
+              </a:rPr>
+              <a:t>×</a:t>
+            </a:r>
+            <a:r>
+              <a:rPr lang="en-US" sz="5867" b="1" dirty="0">
+                <a:solidFill>
+                  <a:srgbClr val="000066"/>
+                </a:solidFill>
+                <a:latin typeface="微軟正黑體" pitchFamily="34" charset="-120"/>
+                <a:ea typeface="微軟正黑體" pitchFamily="34" charset="-120"/>
+              </a:rPr>
+              <a:t>2</a:t>
+            </a:r>
+            <a:r>
+              <a:rPr lang="zh-TW" altLang="en-US" sz="5867" b="1" dirty="0">
+                <a:solidFill>
+                  <a:srgbClr val="000066"/>
+                </a:solidFill>
+                <a:latin typeface="微軟正黑體" pitchFamily="34" charset="-120"/>
+                <a:ea typeface="微軟正黑體" pitchFamily="34" charset="-120"/>
+              </a:rPr>
+              <a:t>）</a:t>
+            </a:r>
+            <a:endParaRPr lang="vi-VN" sz="5867" dirty="0">
+              <a:solidFill>
+                <a:srgbClr val="000066"/>
+              </a:solidFill>
+            </a:endParaRPr>
+          </a:p>
+        </p:txBody>
+      </p:sp>
+    </p:spTree>
+    <p:extLst>
+      <p:ext uri="{BB962C8B-B14F-4D97-AF65-F5344CB8AC3E}">
+        <p14:creationId xmlns:p14="http://schemas.microsoft.com/office/powerpoint/2010/main" xmlns="" val="16188489"/>
+      </p:ext>
+    </p:extLst>
+  </p:cSld>
+  <p:clrMapOvr>
+    <a:masterClrMapping/>
+  </p:clrMapOvr>
+</p:sld>
+</file>
+
+<file path=ppt/slides/slide9.xml><?xml version="1.0" encoding="utf-8"?>
+<p:sld xmlns:a="http://schemas.openxmlformats.org/drawingml/2006/main" xmlns:r="http://schemas.openxmlformats.org/officeDocument/2006/relationships" xmlns:p="http://schemas.openxmlformats.org/presentationml/2006/main">
+  <p:cSld>
+    <p:spTree>
+      <p:nvGrpSpPr>
+        <p:cNvPr id="1" name=""/>
+        <p:cNvGrpSpPr/>
+        <p:nvPr/>
+      </p:nvGrpSpPr>
+      <p:grpSpPr>
+        <a:xfrm>
+          <a:off x="0" y="0"/>
+          <a:ext cx="0" cy="0"/>
+          <a:chOff x="0" y="0"/>
+          <a:chExt cx="0" cy="0"/>
+        </a:xfrm>
+      </p:grpSpPr>
+      <p:sp>
+        <p:nvSpPr>
+          <p:cNvPr id="5" name="內容版面配置區 4"/>
+          <p:cNvSpPr>
+            <a:spLocks noGrp="1"/>
+          </p:cNvSpPr>
+          <p:nvPr>
+            <p:ph idx="1"/>
+          </p:nvPr>
+        </p:nvSpPr>
+        <p:spPr>
+          <a:xfrm>
+            <a:off x="0" y="2084851"/>
+            <a:ext cx="12192000" cy="2404863"/>
+          </a:xfrm>
+        </p:spPr>
+        <p:txBody>
+          <a:bodyPr anchor="ctr">
+            <a:normAutofit/>
+          </a:bodyPr>
+          <a:lstStyle/>
+          <a:p>
+            <a:pPr algn="ctr">
+              <a:buNone/>
+            </a:pPr>
+            <a:r>
+              <a:rPr lang="zh-TW" altLang="en-US" sz="6400" b="1" dirty="0">
+                <a:solidFill>
+                  <a:srgbClr val="000066"/>
+                </a:solidFill>
+                <a:latin typeface="微軟正黑體" pitchFamily="34" charset="-120"/>
+                <a:ea typeface="微軟正黑體" pitchFamily="34" charset="-120"/>
+              </a:rPr>
+              <a:t>今天心中剛強無懼怕</a:t>
+            </a:r>
+            <a:endParaRPr lang="en-US" altLang="zh-TW" sz="6400" b="1" dirty="0">
+              <a:solidFill>
+                <a:srgbClr val="000066"/>
+              </a:solidFill>
+              <a:latin typeface="微軟正黑體" pitchFamily="34" charset="-120"/>
+              <a:ea typeface="微軟正黑體" pitchFamily="34" charset="-120"/>
+            </a:endParaRPr>
+          </a:p>
+          <a:p>
+            <a:pPr algn="ctr">
+              <a:buNone/>
+            </a:pPr>
+            <a:r>
+              <a:rPr lang="zh-TW" altLang="en-US" sz="6400" b="1" dirty="0">
+                <a:solidFill>
+                  <a:srgbClr val="000066"/>
+                </a:solidFill>
+                <a:latin typeface="微軟正黑體" pitchFamily="34" charset="-120"/>
+                <a:ea typeface="微軟正黑體" pitchFamily="34" charset="-120"/>
+              </a:rPr>
+              <a:t>主的豐盛滿一生</a:t>
+            </a:r>
+            <a:endParaRPr lang="en-US" altLang="zh-TW" sz="6400" b="1" dirty="0">
+              <a:solidFill>
+                <a:srgbClr val="000066"/>
+              </a:solidFill>
+              <a:latin typeface="微軟正黑體" pitchFamily="34" charset="-120"/>
+              <a:ea typeface="微軟正黑體" pitchFamily="34" charset="-120"/>
+            </a:endParaRPr>
+          </a:p>
+        </p:txBody>
+      </p:sp>
+    </p:spTree>
+    <p:extLst>
+      <p:ext uri="{BB962C8B-B14F-4D97-AF65-F5344CB8AC3E}">
+        <p14:creationId xmlns:p14="http://schemas.microsoft.com/office/powerpoint/2010/main" xmlns="" val="3373994150"/>
       </p:ext>
     </p:extLst>
   </p:cSld>
